--- a/Bivariate_Analysis_with_plots.pptx
+++ b/Bivariate_Analysis_with_plots.pptx
@@ -5,7 +5,7 @@
     <p:sldMasterId id="2147483660" r:id="rId4"/>
   </p:sldMasterIdLst>
   <p:notesMasterIdLst>
-    <p:notesMasterId r:id="rId21"/>
+    <p:notesMasterId r:id="rId12"/>
   </p:notesMasterIdLst>
   <p:sldIdLst>
     <p:sldId id="278" r:id="rId5"/>
@@ -15,15 +15,6 @@
     <p:sldId id="283" r:id="rId9"/>
     <p:sldId id="284" r:id="rId10"/>
     <p:sldId id="285" r:id="rId11"/>
-    <p:sldId id="287" r:id="rId12"/>
-    <p:sldId id="288" r:id="rId13"/>
-    <p:sldId id="289" r:id="rId14"/>
-    <p:sldId id="290" r:id="rId15"/>
-    <p:sldId id="291" r:id="rId16"/>
-    <p:sldId id="292" r:id="rId17"/>
-    <p:sldId id="293" r:id="rId18"/>
-    <p:sldId id="294" r:id="rId19"/>
-    <p:sldId id="295" r:id="rId20"/>
   </p:sldIdLst>
   <p:sldSz cx="12192000" cy="6858000"/>
   <p:notesSz cx="6858000" cy="9144000"/>
@@ -623,726 +614,6 @@
 </p:notes>
 </file>
 
-<file path=ppt/notesSlides/notesSlide10.xml><?xml version="1.0" encoding="utf-8"?>
-<p:notes xmlns:a="http://schemas.openxmlformats.org/drawingml/2006/main" xmlns:r="http://schemas.openxmlformats.org/officeDocument/2006/relationships" xmlns:p="http://schemas.openxmlformats.org/presentationml/2006/main">
-  <p:cSld>
-    <p:spTree>
-      <p:nvGrpSpPr>
-        <p:cNvPr id="1" name=""/>
-        <p:cNvGrpSpPr/>
-        <p:nvPr/>
-      </p:nvGrpSpPr>
-      <p:grpSpPr>
-        <a:xfrm>
-          <a:off x="0" y="0"/>
-          <a:ext cx="0" cy="0"/>
-          <a:chOff x="0" y="0"/>
-          <a:chExt cx="0" cy="0"/>
-        </a:xfrm>
-      </p:grpSpPr>
-      <p:sp>
-        <p:nvSpPr>
-          <p:cNvPr id="2" name="Slide Image Placeholder 1"/>
-          <p:cNvSpPr>
-            <a:spLocks noGrp="1" noRot="1" noChangeAspect="1"/>
-          </p:cNvSpPr>
-          <p:nvPr>
-            <p:ph type="sldImg"/>
-          </p:nvPr>
-        </p:nvSpPr>
-        <p:spPr/>
-      </p:sp>
-      <p:sp>
-        <p:nvSpPr>
-          <p:cNvPr id="3" name="Notes Placeholder 2"/>
-          <p:cNvSpPr>
-            <a:spLocks noGrp="1"/>
-          </p:cNvSpPr>
-          <p:nvPr>
-            <p:ph type="body" idx="1"/>
-          </p:nvPr>
-        </p:nvSpPr>
-        <p:spPr/>
-        <p:txBody>
-          <a:bodyPr/>
-          <a:lstStyle/>
-          <a:p>
-            <a:endParaRPr lang="en-US" dirty="0"/>
-          </a:p>
-        </p:txBody>
-      </p:sp>
-      <p:sp>
-        <p:nvSpPr>
-          <p:cNvPr id="4" name="Slide Number Placeholder 3"/>
-          <p:cNvSpPr>
-            <a:spLocks noGrp="1"/>
-          </p:cNvSpPr>
-          <p:nvPr>
-            <p:ph type="sldNum" sz="quarter" idx="5"/>
-          </p:nvPr>
-        </p:nvSpPr>
-        <p:spPr/>
-        <p:txBody>
-          <a:bodyPr/>
-          <a:lstStyle/>
-          <a:p>
-            <a:pPr marL="0" marR="0" lvl="0" indent="0" algn="r" defTabSz="914400" rtl="0" eaLnBrk="1" fontAlgn="auto" latinLnBrk="0" hangingPunct="1">
-              <a:lnSpc>
-                <a:spcPct val="100000"/>
-              </a:lnSpc>
-              <a:spcBef>
-                <a:spcPts val="0"/>
-              </a:spcBef>
-              <a:spcAft>
-                <a:spcPts val="0"/>
-              </a:spcAft>
-              <a:buClrTx/>
-              <a:buSzTx/>
-              <a:buFontTx/>
-              <a:buNone/>
-              <a:tabLst/>
-              <a:defRPr/>
-            </a:pPr>
-            <a:fld id="{33AEA074-24A7-4657-AE02-A51F68EA6AA2}" type="slidenum">
-              <a:rPr kumimoji="0" lang="en-US" sz="1200" b="0" i="0" u="none" strike="noStrike" kern="1200" cap="none" spc="0" normalizeH="0" baseline="0" noProof="0" smtClean="0">
-                <a:ln>
-                  <a:noFill/>
-                </a:ln>
-                <a:solidFill>
-                  <a:prstClr val="black"/>
-                </a:solidFill>
-                <a:effectLst/>
-                <a:uLnTx/>
-                <a:uFillTx/>
-                <a:latin typeface="Calibri" panose="020F0502020204030204"/>
-                <a:ea typeface="+mn-ea"/>
-                <a:cs typeface="+mn-cs"/>
-              </a:rPr>
-              <a:pPr marL="0" marR="0" lvl="0" indent="0" algn="r" defTabSz="914400" rtl="0" eaLnBrk="1" fontAlgn="auto" latinLnBrk="0" hangingPunct="1">
-                <a:lnSpc>
-                  <a:spcPct val="100000"/>
-                </a:lnSpc>
-                <a:spcBef>
-                  <a:spcPts val="0"/>
-                </a:spcBef>
-                <a:spcAft>
-                  <a:spcPts val="0"/>
-                </a:spcAft>
-                <a:buClrTx/>
-                <a:buSzTx/>
-                <a:buFontTx/>
-                <a:buNone/>
-                <a:tabLst/>
-                <a:defRPr/>
-              </a:pPr>
-              <a:t>12</a:t>
-            </a:fld>
-            <a:endParaRPr kumimoji="0" lang="en-US" sz="1200" b="0" i="0" u="none" strike="noStrike" kern="1200" cap="none" spc="0" normalizeH="0" baseline="0" noProof="0" dirty="0">
-              <a:ln>
-                <a:noFill/>
-              </a:ln>
-              <a:solidFill>
-                <a:prstClr val="black"/>
-              </a:solidFill>
-              <a:effectLst/>
-              <a:uLnTx/>
-              <a:uFillTx/>
-              <a:latin typeface="Calibri" panose="020F0502020204030204"/>
-              <a:ea typeface="+mn-ea"/>
-              <a:cs typeface="+mn-cs"/>
-            </a:endParaRPr>
-          </a:p>
-        </p:txBody>
-      </p:sp>
-    </p:spTree>
-    <p:extLst>
-      <p:ext uri="{BB962C8B-B14F-4D97-AF65-F5344CB8AC3E}">
-        <p14:creationId xmlns:p14="http://schemas.microsoft.com/office/powerpoint/2010/main" val="705177586"/>
-      </p:ext>
-    </p:extLst>
-  </p:cSld>
-  <p:clrMapOvr>
-    <a:masterClrMapping/>
-  </p:clrMapOvr>
-</p:notes>
-</file>
-
-<file path=ppt/notesSlides/notesSlide11.xml><?xml version="1.0" encoding="utf-8"?>
-<p:notes xmlns:a="http://schemas.openxmlformats.org/drawingml/2006/main" xmlns:r="http://schemas.openxmlformats.org/officeDocument/2006/relationships" xmlns:p="http://schemas.openxmlformats.org/presentationml/2006/main">
-  <p:cSld>
-    <p:spTree>
-      <p:nvGrpSpPr>
-        <p:cNvPr id="1" name=""/>
-        <p:cNvGrpSpPr/>
-        <p:nvPr/>
-      </p:nvGrpSpPr>
-      <p:grpSpPr>
-        <a:xfrm>
-          <a:off x="0" y="0"/>
-          <a:ext cx="0" cy="0"/>
-          <a:chOff x="0" y="0"/>
-          <a:chExt cx="0" cy="0"/>
-        </a:xfrm>
-      </p:grpSpPr>
-      <p:sp>
-        <p:nvSpPr>
-          <p:cNvPr id="2" name="Slide Image Placeholder 1"/>
-          <p:cNvSpPr>
-            <a:spLocks noGrp="1" noRot="1" noChangeAspect="1"/>
-          </p:cNvSpPr>
-          <p:nvPr>
-            <p:ph type="sldImg"/>
-          </p:nvPr>
-        </p:nvSpPr>
-        <p:spPr/>
-      </p:sp>
-      <p:sp>
-        <p:nvSpPr>
-          <p:cNvPr id="3" name="Notes Placeholder 2"/>
-          <p:cNvSpPr>
-            <a:spLocks noGrp="1"/>
-          </p:cNvSpPr>
-          <p:nvPr>
-            <p:ph type="body" idx="1"/>
-          </p:nvPr>
-        </p:nvSpPr>
-        <p:spPr/>
-        <p:txBody>
-          <a:bodyPr/>
-          <a:lstStyle/>
-          <a:p>
-            <a:endParaRPr lang="en-US" dirty="0"/>
-          </a:p>
-        </p:txBody>
-      </p:sp>
-      <p:sp>
-        <p:nvSpPr>
-          <p:cNvPr id="4" name="Slide Number Placeholder 3"/>
-          <p:cNvSpPr>
-            <a:spLocks noGrp="1"/>
-          </p:cNvSpPr>
-          <p:nvPr>
-            <p:ph type="sldNum" sz="quarter" idx="5"/>
-          </p:nvPr>
-        </p:nvSpPr>
-        <p:spPr/>
-        <p:txBody>
-          <a:bodyPr/>
-          <a:lstStyle/>
-          <a:p>
-            <a:pPr marL="0" marR="0" lvl="0" indent="0" algn="r" defTabSz="914400" rtl="0" eaLnBrk="1" fontAlgn="auto" latinLnBrk="0" hangingPunct="1">
-              <a:lnSpc>
-                <a:spcPct val="100000"/>
-              </a:lnSpc>
-              <a:spcBef>
-                <a:spcPts val="0"/>
-              </a:spcBef>
-              <a:spcAft>
-                <a:spcPts val="0"/>
-              </a:spcAft>
-              <a:buClrTx/>
-              <a:buSzTx/>
-              <a:buFontTx/>
-              <a:buNone/>
-              <a:tabLst/>
-              <a:defRPr/>
-            </a:pPr>
-            <a:fld id="{33AEA074-24A7-4657-AE02-A51F68EA6AA2}" type="slidenum">
-              <a:rPr kumimoji="0" lang="en-US" sz="1200" b="0" i="0" u="none" strike="noStrike" kern="1200" cap="none" spc="0" normalizeH="0" baseline="0" noProof="0" smtClean="0">
-                <a:ln>
-                  <a:noFill/>
-                </a:ln>
-                <a:solidFill>
-                  <a:prstClr val="black"/>
-                </a:solidFill>
-                <a:effectLst/>
-                <a:uLnTx/>
-                <a:uFillTx/>
-                <a:latin typeface="Calibri" panose="020F0502020204030204"/>
-                <a:ea typeface="+mn-ea"/>
-                <a:cs typeface="+mn-cs"/>
-              </a:rPr>
-              <a:pPr marL="0" marR="0" lvl="0" indent="0" algn="r" defTabSz="914400" rtl="0" eaLnBrk="1" fontAlgn="auto" latinLnBrk="0" hangingPunct="1">
-                <a:lnSpc>
-                  <a:spcPct val="100000"/>
-                </a:lnSpc>
-                <a:spcBef>
-                  <a:spcPts val="0"/>
-                </a:spcBef>
-                <a:spcAft>
-                  <a:spcPts val="0"/>
-                </a:spcAft>
-                <a:buClrTx/>
-                <a:buSzTx/>
-                <a:buFontTx/>
-                <a:buNone/>
-                <a:tabLst/>
-                <a:defRPr/>
-              </a:pPr>
-              <a:t>13</a:t>
-            </a:fld>
-            <a:endParaRPr kumimoji="0" lang="en-US" sz="1200" b="0" i="0" u="none" strike="noStrike" kern="1200" cap="none" spc="0" normalizeH="0" baseline="0" noProof="0" dirty="0">
-              <a:ln>
-                <a:noFill/>
-              </a:ln>
-              <a:solidFill>
-                <a:prstClr val="black"/>
-              </a:solidFill>
-              <a:effectLst/>
-              <a:uLnTx/>
-              <a:uFillTx/>
-              <a:latin typeface="Calibri" panose="020F0502020204030204"/>
-              <a:ea typeface="+mn-ea"/>
-              <a:cs typeface="+mn-cs"/>
-            </a:endParaRPr>
-          </a:p>
-        </p:txBody>
-      </p:sp>
-    </p:spTree>
-    <p:extLst>
-      <p:ext uri="{BB962C8B-B14F-4D97-AF65-F5344CB8AC3E}">
-        <p14:creationId xmlns:p14="http://schemas.microsoft.com/office/powerpoint/2010/main" val="386458894"/>
-      </p:ext>
-    </p:extLst>
-  </p:cSld>
-  <p:clrMapOvr>
-    <a:masterClrMapping/>
-  </p:clrMapOvr>
-</p:notes>
-</file>
-
-<file path=ppt/notesSlides/notesSlide12.xml><?xml version="1.0" encoding="utf-8"?>
-<p:notes xmlns:a="http://schemas.openxmlformats.org/drawingml/2006/main" xmlns:r="http://schemas.openxmlformats.org/officeDocument/2006/relationships" xmlns:p="http://schemas.openxmlformats.org/presentationml/2006/main">
-  <p:cSld>
-    <p:spTree>
-      <p:nvGrpSpPr>
-        <p:cNvPr id="1" name=""/>
-        <p:cNvGrpSpPr/>
-        <p:nvPr/>
-      </p:nvGrpSpPr>
-      <p:grpSpPr>
-        <a:xfrm>
-          <a:off x="0" y="0"/>
-          <a:ext cx="0" cy="0"/>
-          <a:chOff x="0" y="0"/>
-          <a:chExt cx="0" cy="0"/>
-        </a:xfrm>
-      </p:grpSpPr>
-      <p:sp>
-        <p:nvSpPr>
-          <p:cNvPr id="2" name="Slide Image Placeholder 1"/>
-          <p:cNvSpPr>
-            <a:spLocks noGrp="1" noRot="1" noChangeAspect="1"/>
-          </p:cNvSpPr>
-          <p:nvPr>
-            <p:ph type="sldImg"/>
-          </p:nvPr>
-        </p:nvSpPr>
-        <p:spPr/>
-      </p:sp>
-      <p:sp>
-        <p:nvSpPr>
-          <p:cNvPr id="3" name="Notes Placeholder 2"/>
-          <p:cNvSpPr>
-            <a:spLocks noGrp="1"/>
-          </p:cNvSpPr>
-          <p:nvPr>
-            <p:ph type="body" idx="1"/>
-          </p:nvPr>
-        </p:nvSpPr>
-        <p:spPr/>
-        <p:txBody>
-          <a:bodyPr/>
-          <a:lstStyle/>
-          <a:p>
-            <a:endParaRPr lang="en-US" dirty="0"/>
-          </a:p>
-        </p:txBody>
-      </p:sp>
-      <p:sp>
-        <p:nvSpPr>
-          <p:cNvPr id="4" name="Slide Number Placeholder 3"/>
-          <p:cNvSpPr>
-            <a:spLocks noGrp="1"/>
-          </p:cNvSpPr>
-          <p:nvPr>
-            <p:ph type="sldNum" sz="quarter" idx="5"/>
-          </p:nvPr>
-        </p:nvSpPr>
-        <p:spPr/>
-        <p:txBody>
-          <a:bodyPr/>
-          <a:lstStyle/>
-          <a:p>
-            <a:pPr marL="0" marR="0" lvl="0" indent="0" algn="r" defTabSz="914400" rtl="0" eaLnBrk="1" fontAlgn="auto" latinLnBrk="0" hangingPunct="1">
-              <a:lnSpc>
-                <a:spcPct val="100000"/>
-              </a:lnSpc>
-              <a:spcBef>
-                <a:spcPts val="0"/>
-              </a:spcBef>
-              <a:spcAft>
-                <a:spcPts val="0"/>
-              </a:spcAft>
-              <a:buClrTx/>
-              <a:buSzTx/>
-              <a:buFontTx/>
-              <a:buNone/>
-              <a:tabLst/>
-              <a:defRPr/>
-            </a:pPr>
-            <a:fld id="{33AEA074-24A7-4657-AE02-A51F68EA6AA2}" type="slidenum">
-              <a:rPr kumimoji="0" lang="en-US" sz="1200" b="0" i="0" u="none" strike="noStrike" kern="1200" cap="none" spc="0" normalizeH="0" baseline="0" noProof="0" smtClean="0">
-                <a:ln>
-                  <a:noFill/>
-                </a:ln>
-                <a:solidFill>
-                  <a:prstClr val="black"/>
-                </a:solidFill>
-                <a:effectLst/>
-                <a:uLnTx/>
-                <a:uFillTx/>
-                <a:latin typeface="Calibri" panose="020F0502020204030204"/>
-                <a:ea typeface="+mn-ea"/>
-                <a:cs typeface="+mn-cs"/>
-              </a:rPr>
-              <a:pPr marL="0" marR="0" lvl="0" indent="0" algn="r" defTabSz="914400" rtl="0" eaLnBrk="1" fontAlgn="auto" latinLnBrk="0" hangingPunct="1">
-                <a:lnSpc>
-                  <a:spcPct val="100000"/>
-                </a:lnSpc>
-                <a:spcBef>
-                  <a:spcPts val="0"/>
-                </a:spcBef>
-                <a:spcAft>
-                  <a:spcPts val="0"/>
-                </a:spcAft>
-                <a:buClrTx/>
-                <a:buSzTx/>
-                <a:buFontTx/>
-                <a:buNone/>
-                <a:tabLst/>
-                <a:defRPr/>
-              </a:pPr>
-              <a:t>14</a:t>
-            </a:fld>
-            <a:endParaRPr kumimoji="0" lang="en-US" sz="1200" b="0" i="0" u="none" strike="noStrike" kern="1200" cap="none" spc="0" normalizeH="0" baseline="0" noProof="0" dirty="0">
-              <a:ln>
-                <a:noFill/>
-              </a:ln>
-              <a:solidFill>
-                <a:prstClr val="black"/>
-              </a:solidFill>
-              <a:effectLst/>
-              <a:uLnTx/>
-              <a:uFillTx/>
-              <a:latin typeface="Calibri" panose="020F0502020204030204"/>
-              <a:ea typeface="+mn-ea"/>
-              <a:cs typeface="+mn-cs"/>
-            </a:endParaRPr>
-          </a:p>
-        </p:txBody>
-      </p:sp>
-    </p:spTree>
-    <p:extLst>
-      <p:ext uri="{BB962C8B-B14F-4D97-AF65-F5344CB8AC3E}">
-        <p14:creationId xmlns:p14="http://schemas.microsoft.com/office/powerpoint/2010/main" val="476853638"/>
-      </p:ext>
-    </p:extLst>
-  </p:cSld>
-  <p:clrMapOvr>
-    <a:masterClrMapping/>
-  </p:clrMapOvr>
-</p:notes>
-</file>
-
-<file path=ppt/notesSlides/notesSlide13.xml><?xml version="1.0" encoding="utf-8"?>
-<p:notes xmlns:a="http://schemas.openxmlformats.org/drawingml/2006/main" xmlns:r="http://schemas.openxmlformats.org/officeDocument/2006/relationships" xmlns:p="http://schemas.openxmlformats.org/presentationml/2006/main">
-  <p:cSld>
-    <p:spTree>
-      <p:nvGrpSpPr>
-        <p:cNvPr id="1" name=""/>
-        <p:cNvGrpSpPr/>
-        <p:nvPr/>
-      </p:nvGrpSpPr>
-      <p:grpSpPr>
-        <a:xfrm>
-          <a:off x="0" y="0"/>
-          <a:ext cx="0" cy="0"/>
-          <a:chOff x="0" y="0"/>
-          <a:chExt cx="0" cy="0"/>
-        </a:xfrm>
-      </p:grpSpPr>
-      <p:sp>
-        <p:nvSpPr>
-          <p:cNvPr id="2" name="Slide Image Placeholder 1"/>
-          <p:cNvSpPr>
-            <a:spLocks noGrp="1" noRot="1" noChangeAspect="1"/>
-          </p:cNvSpPr>
-          <p:nvPr>
-            <p:ph type="sldImg"/>
-          </p:nvPr>
-        </p:nvSpPr>
-        <p:spPr/>
-      </p:sp>
-      <p:sp>
-        <p:nvSpPr>
-          <p:cNvPr id="3" name="Notes Placeholder 2"/>
-          <p:cNvSpPr>
-            <a:spLocks noGrp="1"/>
-          </p:cNvSpPr>
-          <p:nvPr>
-            <p:ph type="body" idx="1"/>
-          </p:nvPr>
-        </p:nvSpPr>
-        <p:spPr/>
-        <p:txBody>
-          <a:bodyPr/>
-          <a:lstStyle/>
-          <a:p>
-            <a:endParaRPr lang="en-US" dirty="0"/>
-          </a:p>
-        </p:txBody>
-      </p:sp>
-      <p:sp>
-        <p:nvSpPr>
-          <p:cNvPr id="4" name="Slide Number Placeholder 3"/>
-          <p:cNvSpPr>
-            <a:spLocks noGrp="1"/>
-          </p:cNvSpPr>
-          <p:nvPr>
-            <p:ph type="sldNum" sz="quarter" idx="5"/>
-          </p:nvPr>
-        </p:nvSpPr>
-        <p:spPr/>
-        <p:txBody>
-          <a:bodyPr/>
-          <a:lstStyle/>
-          <a:p>
-            <a:pPr marL="0" marR="0" lvl="0" indent="0" algn="r" defTabSz="914400" rtl="0" eaLnBrk="1" fontAlgn="auto" latinLnBrk="0" hangingPunct="1">
-              <a:lnSpc>
-                <a:spcPct val="100000"/>
-              </a:lnSpc>
-              <a:spcBef>
-                <a:spcPts val="0"/>
-              </a:spcBef>
-              <a:spcAft>
-                <a:spcPts val="0"/>
-              </a:spcAft>
-              <a:buClrTx/>
-              <a:buSzTx/>
-              <a:buFontTx/>
-              <a:buNone/>
-              <a:tabLst/>
-              <a:defRPr/>
-            </a:pPr>
-            <a:fld id="{33AEA074-24A7-4657-AE02-A51F68EA6AA2}" type="slidenum">
-              <a:rPr kumimoji="0" lang="en-US" sz="1200" b="0" i="0" u="none" strike="noStrike" kern="1200" cap="none" spc="0" normalizeH="0" baseline="0" noProof="0" smtClean="0">
-                <a:ln>
-                  <a:noFill/>
-                </a:ln>
-                <a:solidFill>
-                  <a:prstClr val="black"/>
-                </a:solidFill>
-                <a:effectLst/>
-                <a:uLnTx/>
-                <a:uFillTx/>
-                <a:latin typeface="Calibri" panose="020F0502020204030204"/>
-                <a:ea typeface="+mn-ea"/>
-                <a:cs typeface="+mn-cs"/>
-              </a:rPr>
-              <a:pPr marL="0" marR="0" lvl="0" indent="0" algn="r" defTabSz="914400" rtl="0" eaLnBrk="1" fontAlgn="auto" latinLnBrk="0" hangingPunct="1">
-                <a:lnSpc>
-                  <a:spcPct val="100000"/>
-                </a:lnSpc>
-                <a:spcBef>
-                  <a:spcPts val="0"/>
-                </a:spcBef>
-                <a:spcAft>
-                  <a:spcPts val="0"/>
-                </a:spcAft>
-                <a:buClrTx/>
-                <a:buSzTx/>
-                <a:buFontTx/>
-                <a:buNone/>
-                <a:tabLst/>
-                <a:defRPr/>
-              </a:pPr>
-              <a:t>15</a:t>
-            </a:fld>
-            <a:endParaRPr kumimoji="0" lang="en-US" sz="1200" b="0" i="0" u="none" strike="noStrike" kern="1200" cap="none" spc="0" normalizeH="0" baseline="0" noProof="0" dirty="0">
-              <a:ln>
-                <a:noFill/>
-              </a:ln>
-              <a:solidFill>
-                <a:prstClr val="black"/>
-              </a:solidFill>
-              <a:effectLst/>
-              <a:uLnTx/>
-              <a:uFillTx/>
-              <a:latin typeface="Calibri" panose="020F0502020204030204"/>
-              <a:ea typeface="+mn-ea"/>
-              <a:cs typeface="+mn-cs"/>
-            </a:endParaRPr>
-          </a:p>
-        </p:txBody>
-      </p:sp>
-    </p:spTree>
-    <p:extLst>
-      <p:ext uri="{BB962C8B-B14F-4D97-AF65-F5344CB8AC3E}">
-        <p14:creationId xmlns:p14="http://schemas.microsoft.com/office/powerpoint/2010/main" val="1360616486"/>
-      </p:ext>
-    </p:extLst>
-  </p:cSld>
-  <p:clrMapOvr>
-    <a:masterClrMapping/>
-  </p:clrMapOvr>
-</p:notes>
-</file>
-
-<file path=ppt/notesSlides/notesSlide14.xml><?xml version="1.0" encoding="utf-8"?>
-<p:notes xmlns:a="http://schemas.openxmlformats.org/drawingml/2006/main" xmlns:r="http://schemas.openxmlformats.org/officeDocument/2006/relationships" xmlns:p="http://schemas.openxmlformats.org/presentationml/2006/main">
-  <p:cSld>
-    <p:spTree>
-      <p:nvGrpSpPr>
-        <p:cNvPr id="1" name=""/>
-        <p:cNvGrpSpPr/>
-        <p:nvPr/>
-      </p:nvGrpSpPr>
-      <p:grpSpPr>
-        <a:xfrm>
-          <a:off x="0" y="0"/>
-          <a:ext cx="0" cy="0"/>
-          <a:chOff x="0" y="0"/>
-          <a:chExt cx="0" cy="0"/>
-        </a:xfrm>
-      </p:grpSpPr>
-      <p:sp>
-        <p:nvSpPr>
-          <p:cNvPr id="2" name="Slide Image Placeholder 1"/>
-          <p:cNvSpPr>
-            <a:spLocks noGrp="1" noRot="1" noChangeAspect="1"/>
-          </p:cNvSpPr>
-          <p:nvPr>
-            <p:ph type="sldImg"/>
-          </p:nvPr>
-        </p:nvSpPr>
-        <p:spPr/>
-      </p:sp>
-      <p:sp>
-        <p:nvSpPr>
-          <p:cNvPr id="3" name="Notes Placeholder 2"/>
-          <p:cNvSpPr>
-            <a:spLocks noGrp="1"/>
-          </p:cNvSpPr>
-          <p:nvPr>
-            <p:ph type="body" idx="1"/>
-          </p:nvPr>
-        </p:nvSpPr>
-        <p:spPr/>
-        <p:txBody>
-          <a:bodyPr/>
-          <a:lstStyle/>
-          <a:p>
-            <a:endParaRPr lang="en-US" dirty="0"/>
-          </a:p>
-        </p:txBody>
-      </p:sp>
-      <p:sp>
-        <p:nvSpPr>
-          <p:cNvPr id="4" name="Slide Number Placeholder 3"/>
-          <p:cNvSpPr>
-            <a:spLocks noGrp="1"/>
-          </p:cNvSpPr>
-          <p:nvPr>
-            <p:ph type="sldNum" sz="quarter" idx="5"/>
-          </p:nvPr>
-        </p:nvSpPr>
-        <p:spPr/>
-        <p:txBody>
-          <a:bodyPr/>
-          <a:lstStyle/>
-          <a:p>
-            <a:pPr marL="0" marR="0" lvl="0" indent="0" algn="r" defTabSz="914400" rtl="0" eaLnBrk="1" fontAlgn="auto" latinLnBrk="0" hangingPunct="1">
-              <a:lnSpc>
-                <a:spcPct val="100000"/>
-              </a:lnSpc>
-              <a:spcBef>
-                <a:spcPts val="0"/>
-              </a:spcBef>
-              <a:spcAft>
-                <a:spcPts val="0"/>
-              </a:spcAft>
-              <a:buClrTx/>
-              <a:buSzTx/>
-              <a:buFontTx/>
-              <a:buNone/>
-              <a:tabLst/>
-              <a:defRPr/>
-            </a:pPr>
-            <a:fld id="{33AEA074-24A7-4657-AE02-A51F68EA6AA2}" type="slidenum">
-              <a:rPr kumimoji="0" lang="en-US" sz="1200" b="0" i="0" u="none" strike="noStrike" kern="1200" cap="none" spc="0" normalizeH="0" baseline="0" noProof="0" smtClean="0">
-                <a:ln>
-                  <a:noFill/>
-                </a:ln>
-                <a:solidFill>
-                  <a:prstClr val="black"/>
-                </a:solidFill>
-                <a:effectLst/>
-                <a:uLnTx/>
-                <a:uFillTx/>
-                <a:latin typeface="Calibri" panose="020F0502020204030204"/>
-                <a:ea typeface="+mn-ea"/>
-                <a:cs typeface="+mn-cs"/>
-              </a:rPr>
-              <a:pPr marL="0" marR="0" lvl="0" indent="0" algn="r" defTabSz="914400" rtl="0" eaLnBrk="1" fontAlgn="auto" latinLnBrk="0" hangingPunct="1">
-                <a:lnSpc>
-                  <a:spcPct val="100000"/>
-                </a:lnSpc>
-                <a:spcBef>
-                  <a:spcPts val="0"/>
-                </a:spcBef>
-                <a:spcAft>
-                  <a:spcPts val="0"/>
-                </a:spcAft>
-                <a:buClrTx/>
-                <a:buSzTx/>
-                <a:buFontTx/>
-                <a:buNone/>
-                <a:tabLst/>
-                <a:defRPr/>
-              </a:pPr>
-              <a:t>16</a:t>
-            </a:fld>
-            <a:endParaRPr kumimoji="0" lang="en-US" sz="1200" b="0" i="0" u="none" strike="noStrike" kern="1200" cap="none" spc="0" normalizeH="0" baseline="0" noProof="0" dirty="0">
-              <a:ln>
-                <a:noFill/>
-              </a:ln>
-              <a:solidFill>
-                <a:prstClr val="black"/>
-              </a:solidFill>
-              <a:effectLst/>
-              <a:uLnTx/>
-              <a:uFillTx/>
-              <a:latin typeface="Calibri" panose="020F0502020204030204"/>
-              <a:ea typeface="+mn-ea"/>
-              <a:cs typeface="+mn-cs"/>
-            </a:endParaRPr>
-          </a:p>
-        </p:txBody>
-      </p:sp>
-    </p:spTree>
-    <p:extLst>
-      <p:ext uri="{BB962C8B-B14F-4D97-AF65-F5344CB8AC3E}">
-        <p14:creationId xmlns:p14="http://schemas.microsoft.com/office/powerpoint/2010/main" val="749339115"/>
-      </p:ext>
-    </p:extLst>
-  </p:cSld>
-  <p:clrMapOvr>
-    <a:masterClrMapping/>
-  </p:clrMapOvr>
-</p:notes>
-</file>
-
 <file path=ppt/notesSlides/notesSlide2.xml><?xml version="1.0" encoding="utf-8"?>
 <p:notes xmlns:a="http://schemas.openxmlformats.org/drawingml/2006/main" xmlns:r="http://schemas.openxmlformats.org/officeDocument/2006/relationships" xmlns:p="http://schemas.openxmlformats.org/presentationml/2006/main">
   <p:cSld>
@@ -2054,438 +1325,6 @@
     <p:extLst>
       <p:ext uri="{BB962C8B-B14F-4D97-AF65-F5344CB8AC3E}">
         <p14:creationId xmlns:p14="http://schemas.microsoft.com/office/powerpoint/2010/main" val="3856080078"/>
-      </p:ext>
-    </p:extLst>
-  </p:cSld>
-  <p:clrMapOvr>
-    <a:masterClrMapping/>
-  </p:clrMapOvr>
-</p:notes>
-</file>
-
-<file path=ppt/notesSlides/notesSlide7.xml><?xml version="1.0" encoding="utf-8"?>
-<p:notes xmlns:a="http://schemas.openxmlformats.org/drawingml/2006/main" xmlns:r="http://schemas.openxmlformats.org/officeDocument/2006/relationships" xmlns:p="http://schemas.openxmlformats.org/presentationml/2006/main">
-  <p:cSld>
-    <p:spTree>
-      <p:nvGrpSpPr>
-        <p:cNvPr id="1" name=""/>
-        <p:cNvGrpSpPr/>
-        <p:nvPr/>
-      </p:nvGrpSpPr>
-      <p:grpSpPr>
-        <a:xfrm>
-          <a:off x="0" y="0"/>
-          <a:ext cx="0" cy="0"/>
-          <a:chOff x="0" y="0"/>
-          <a:chExt cx="0" cy="0"/>
-        </a:xfrm>
-      </p:grpSpPr>
-      <p:sp>
-        <p:nvSpPr>
-          <p:cNvPr id="2" name="Slide Image Placeholder 1"/>
-          <p:cNvSpPr>
-            <a:spLocks noGrp="1" noRot="1" noChangeAspect="1"/>
-          </p:cNvSpPr>
-          <p:nvPr>
-            <p:ph type="sldImg"/>
-          </p:nvPr>
-        </p:nvSpPr>
-        <p:spPr/>
-      </p:sp>
-      <p:sp>
-        <p:nvSpPr>
-          <p:cNvPr id="3" name="Notes Placeholder 2"/>
-          <p:cNvSpPr>
-            <a:spLocks noGrp="1"/>
-          </p:cNvSpPr>
-          <p:nvPr>
-            <p:ph type="body" idx="1"/>
-          </p:nvPr>
-        </p:nvSpPr>
-        <p:spPr/>
-        <p:txBody>
-          <a:bodyPr/>
-          <a:lstStyle/>
-          <a:p>
-            <a:endParaRPr lang="en-US" dirty="0"/>
-          </a:p>
-        </p:txBody>
-      </p:sp>
-      <p:sp>
-        <p:nvSpPr>
-          <p:cNvPr id="4" name="Slide Number Placeholder 3"/>
-          <p:cNvSpPr>
-            <a:spLocks noGrp="1"/>
-          </p:cNvSpPr>
-          <p:nvPr>
-            <p:ph type="sldNum" sz="quarter" idx="5"/>
-          </p:nvPr>
-        </p:nvSpPr>
-        <p:spPr/>
-        <p:txBody>
-          <a:bodyPr/>
-          <a:lstStyle/>
-          <a:p>
-            <a:pPr marL="0" marR="0" lvl="0" indent="0" algn="r" defTabSz="914400" rtl="0" eaLnBrk="1" fontAlgn="auto" latinLnBrk="0" hangingPunct="1">
-              <a:lnSpc>
-                <a:spcPct val="100000"/>
-              </a:lnSpc>
-              <a:spcBef>
-                <a:spcPts val="0"/>
-              </a:spcBef>
-              <a:spcAft>
-                <a:spcPts val="0"/>
-              </a:spcAft>
-              <a:buClrTx/>
-              <a:buSzTx/>
-              <a:buFontTx/>
-              <a:buNone/>
-              <a:tabLst/>
-              <a:defRPr/>
-            </a:pPr>
-            <a:fld id="{33AEA074-24A7-4657-AE02-A51F68EA6AA2}" type="slidenum">
-              <a:rPr kumimoji="0" lang="en-US" sz="1200" b="0" i="0" u="none" strike="noStrike" kern="1200" cap="none" spc="0" normalizeH="0" baseline="0" noProof="0" smtClean="0">
-                <a:ln>
-                  <a:noFill/>
-                </a:ln>
-                <a:solidFill>
-                  <a:prstClr val="black"/>
-                </a:solidFill>
-                <a:effectLst/>
-                <a:uLnTx/>
-                <a:uFillTx/>
-                <a:latin typeface="Calibri" panose="020F0502020204030204"/>
-                <a:ea typeface="+mn-ea"/>
-                <a:cs typeface="+mn-cs"/>
-              </a:rPr>
-              <a:pPr marL="0" marR="0" lvl="0" indent="0" algn="r" defTabSz="914400" rtl="0" eaLnBrk="1" fontAlgn="auto" latinLnBrk="0" hangingPunct="1">
-                <a:lnSpc>
-                  <a:spcPct val="100000"/>
-                </a:lnSpc>
-                <a:spcBef>
-                  <a:spcPts val="0"/>
-                </a:spcBef>
-                <a:spcAft>
-                  <a:spcPts val="0"/>
-                </a:spcAft>
-                <a:buClrTx/>
-                <a:buSzTx/>
-                <a:buFontTx/>
-                <a:buNone/>
-                <a:tabLst/>
-                <a:defRPr/>
-              </a:pPr>
-              <a:t>9</a:t>
-            </a:fld>
-            <a:endParaRPr kumimoji="0" lang="en-US" sz="1200" b="0" i="0" u="none" strike="noStrike" kern="1200" cap="none" spc="0" normalizeH="0" baseline="0" noProof="0" dirty="0">
-              <a:ln>
-                <a:noFill/>
-              </a:ln>
-              <a:solidFill>
-                <a:prstClr val="black"/>
-              </a:solidFill>
-              <a:effectLst/>
-              <a:uLnTx/>
-              <a:uFillTx/>
-              <a:latin typeface="Calibri" panose="020F0502020204030204"/>
-              <a:ea typeface="+mn-ea"/>
-              <a:cs typeface="+mn-cs"/>
-            </a:endParaRPr>
-          </a:p>
-        </p:txBody>
-      </p:sp>
-    </p:spTree>
-    <p:extLst>
-      <p:ext uri="{BB962C8B-B14F-4D97-AF65-F5344CB8AC3E}">
-        <p14:creationId xmlns:p14="http://schemas.microsoft.com/office/powerpoint/2010/main" val="3773960768"/>
-      </p:ext>
-    </p:extLst>
-  </p:cSld>
-  <p:clrMapOvr>
-    <a:masterClrMapping/>
-  </p:clrMapOvr>
-</p:notes>
-</file>
-
-<file path=ppt/notesSlides/notesSlide8.xml><?xml version="1.0" encoding="utf-8"?>
-<p:notes xmlns:a="http://schemas.openxmlformats.org/drawingml/2006/main" xmlns:r="http://schemas.openxmlformats.org/officeDocument/2006/relationships" xmlns:p="http://schemas.openxmlformats.org/presentationml/2006/main">
-  <p:cSld>
-    <p:spTree>
-      <p:nvGrpSpPr>
-        <p:cNvPr id="1" name=""/>
-        <p:cNvGrpSpPr/>
-        <p:nvPr/>
-      </p:nvGrpSpPr>
-      <p:grpSpPr>
-        <a:xfrm>
-          <a:off x="0" y="0"/>
-          <a:ext cx="0" cy="0"/>
-          <a:chOff x="0" y="0"/>
-          <a:chExt cx="0" cy="0"/>
-        </a:xfrm>
-      </p:grpSpPr>
-      <p:sp>
-        <p:nvSpPr>
-          <p:cNvPr id="2" name="Slide Image Placeholder 1"/>
-          <p:cNvSpPr>
-            <a:spLocks noGrp="1" noRot="1" noChangeAspect="1"/>
-          </p:cNvSpPr>
-          <p:nvPr>
-            <p:ph type="sldImg"/>
-          </p:nvPr>
-        </p:nvSpPr>
-        <p:spPr/>
-      </p:sp>
-      <p:sp>
-        <p:nvSpPr>
-          <p:cNvPr id="3" name="Notes Placeholder 2"/>
-          <p:cNvSpPr>
-            <a:spLocks noGrp="1"/>
-          </p:cNvSpPr>
-          <p:nvPr>
-            <p:ph type="body" idx="1"/>
-          </p:nvPr>
-        </p:nvSpPr>
-        <p:spPr/>
-        <p:txBody>
-          <a:bodyPr/>
-          <a:lstStyle/>
-          <a:p>
-            <a:endParaRPr lang="en-US" dirty="0"/>
-          </a:p>
-        </p:txBody>
-      </p:sp>
-      <p:sp>
-        <p:nvSpPr>
-          <p:cNvPr id="4" name="Slide Number Placeholder 3"/>
-          <p:cNvSpPr>
-            <a:spLocks noGrp="1"/>
-          </p:cNvSpPr>
-          <p:nvPr>
-            <p:ph type="sldNum" sz="quarter" idx="5"/>
-          </p:nvPr>
-        </p:nvSpPr>
-        <p:spPr/>
-        <p:txBody>
-          <a:bodyPr/>
-          <a:lstStyle/>
-          <a:p>
-            <a:pPr marL="0" marR="0" lvl="0" indent="0" algn="r" defTabSz="914400" rtl="0" eaLnBrk="1" fontAlgn="auto" latinLnBrk="0" hangingPunct="1">
-              <a:lnSpc>
-                <a:spcPct val="100000"/>
-              </a:lnSpc>
-              <a:spcBef>
-                <a:spcPts val="0"/>
-              </a:spcBef>
-              <a:spcAft>
-                <a:spcPts val="0"/>
-              </a:spcAft>
-              <a:buClrTx/>
-              <a:buSzTx/>
-              <a:buFontTx/>
-              <a:buNone/>
-              <a:tabLst/>
-              <a:defRPr/>
-            </a:pPr>
-            <a:fld id="{33AEA074-24A7-4657-AE02-A51F68EA6AA2}" type="slidenum">
-              <a:rPr kumimoji="0" lang="en-US" sz="1200" b="0" i="0" u="none" strike="noStrike" kern="1200" cap="none" spc="0" normalizeH="0" baseline="0" noProof="0" smtClean="0">
-                <a:ln>
-                  <a:noFill/>
-                </a:ln>
-                <a:solidFill>
-                  <a:prstClr val="black"/>
-                </a:solidFill>
-                <a:effectLst/>
-                <a:uLnTx/>
-                <a:uFillTx/>
-                <a:latin typeface="Calibri" panose="020F0502020204030204"/>
-                <a:ea typeface="+mn-ea"/>
-                <a:cs typeface="+mn-cs"/>
-              </a:rPr>
-              <a:pPr marL="0" marR="0" lvl="0" indent="0" algn="r" defTabSz="914400" rtl="0" eaLnBrk="1" fontAlgn="auto" latinLnBrk="0" hangingPunct="1">
-                <a:lnSpc>
-                  <a:spcPct val="100000"/>
-                </a:lnSpc>
-                <a:spcBef>
-                  <a:spcPts val="0"/>
-                </a:spcBef>
-                <a:spcAft>
-                  <a:spcPts val="0"/>
-                </a:spcAft>
-                <a:buClrTx/>
-                <a:buSzTx/>
-                <a:buFontTx/>
-                <a:buNone/>
-                <a:tabLst/>
-                <a:defRPr/>
-              </a:pPr>
-              <a:t>10</a:t>
-            </a:fld>
-            <a:endParaRPr kumimoji="0" lang="en-US" sz="1200" b="0" i="0" u="none" strike="noStrike" kern="1200" cap="none" spc="0" normalizeH="0" baseline="0" noProof="0" dirty="0">
-              <a:ln>
-                <a:noFill/>
-              </a:ln>
-              <a:solidFill>
-                <a:prstClr val="black"/>
-              </a:solidFill>
-              <a:effectLst/>
-              <a:uLnTx/>
-              <a:uFillTx/>
-              <a:latin typeface="Calibri" panose="020F0502020204030204"/>
-              <a:ea typeface="+mn-ea"/>
-              <a:cs typeface="+mn-cs"/>
-            </a:endParaRPr>
-          </a:p>
-        </p:txBody>
-      </p:sp>
-    </p:spTree>
-    <p:extLst>
-      <p:ext uri="{BB962C8B-B14F-4D97-AF65-F5344CB8AC3E}">
-        <p14:creationId xmlns:p14="http://schemas.microsoft.com/office/powerpoint/2010/main" val="868992223"/>
-      </p:ext>
-    </p:extLst>
-  </p:cSld>
-  <p:clrMapOvr>
-    <a:masterClrMapping/>
-  </p:clrMapOvr>
-</p:notes>
-</file>
-
-<file path=ppt/notesSlides/notesSlide9.xml><?xml version="1.0" encoding="utf-8"?>
-<p:notes xmlns:a="http://schemas.openxmlformats.org/drawingml/2006/main" xmlns:r="http://schemas.openxmlformats.org/officeDocument/2006/relationships" xmlns:p="http://schemas.openxmlformats.org/presentationml/2006/main">
-  <p:cSld>
-    <p:spTree>
-      <p:nvGrpSpPr>
-        <p:cNvPr id="1" name=""/>
-        <p:cNvGrpSpPr/>
-        <p:nvPr/>
-      </p:nvGrpSpPr>
-      <p:grpSpPr>
-        <a:xfrm>
-          <a:off x="0" y="0"/>
-          <a:ext cx="0" cy="0"/>
-          <a:chOff x="0" y="0"/>
-          <a:chExt cx="0" cy="0"/>
-        </a:xfrm>
-      </p:grpSpPr>
-      <p:sp>
-        <p:nvSpPr>
-          <p:cNvPr id="2" name="Slide Image Placeholder 1"/>
-          <p:cNvSpPr>
-            <a:spLocks noGrp="1" noRot="1" noChangeAspect="1"/>
-          </p:cNvSpPr>
-          <p:nvPr>
-            <p:ph type="sldImg"/>
-          </p:nvPr>
-        </p:nvSpPr>
-        <p:spPr/>
-      </p:sp>
-      <p:sp>
-        <p:nvSpPr>
-          <p:cNvPr id="3" name="Notes Placeholder 2"/>
-          <p:cNvSpPr>
-            <a:spLocks noGrp="1"/>
-          </p:cNvSpPr>
-          <p:nvPr>
-            <p:ph type="body" idx="1"/>
-          </p:nvPr>
-        </p:nvSpPr>
-        <p:spPr/>
-        <p:txBody>
-          <a:bodyPr/>
-          <a:lstStyle/>
-          <a:p>
-            <a:endParaRPr lang="en-US" dirty="0"/>
-          </a:p>
-        </p:txBody>
-      </p:sp>
-      <p:sp>
-        <p:nvSpPr>
-          <p:cNvPr id="4" name="Slide Number Placeholder 3"/>
-          <p:cNvSpPr>
-            <a:spLocks noGrp="1"/>
-          </p:cNvSpPr>
-          <p:nvPr>
-            <p:ph type="sldNum" sz="quarter" idx="5"/>
-          </p:nvPr>
-        </p:nvSpPr>
-        <p:spPr/>
-        <p:txBody>
-          <a:bodyPr/>
-          <a:lstStyle/>
-          <a:p>
-            <a:pPr marL="0" marR="0" lvl="0" indent="0" algn="r" defTabSz="914400" rtl="0" eaLnBrk="1" fontAlgn="auto" latinLnBrk="0" hangingPunct="1">
-              <a:lnSpc>
-                <a:spcPct val="100000"/>
-              </a:lnSpc>
-              <a:spcBef>
-                <a:spcPts val="0"/>
-              </a:spcBef>
-              <a:spcAft>
-                <a:spcPts val="0"/>
-              </a:spcAft>
-              <a:buClrTx/>
-              <a:buSzTx/>
-              <a:buFontTx/>
-              <a:buNone/>
-              <a:tabLst/>
-              <a:defRPr/>
-            </a:pPr>
-            <a:fld id="{33AEA074-24A7-4657-AE02-A51F68EA6AA2}" type="slidenum">
-              <a:rPr kumimoji="0" lang="en-US" sz="1200" b="0" i="0" u="none" strike="noStrike" kern="1200" cap="none" spc="0" normalizeH="0" baseline="0" noProof="0" smtClean="0">
-                <a:ln>
-                  <a:noFill/>
-                </a:ln>
-                <a:solidFill>
-                  <a:prstClr val="black"/>
-                </a:solidFill>
-                <a:effectLst/>
-                <a:uLnTx/>
-                <a:uFillTx/>
-                <a:latin typeface="Calibri" panose="020F0502020204030204"/>
-                <a:ea typeface="+mn-ea"/>
-                <a:cs typeface="+mn-cs"/>
-              </a:rPr>
-              <a:pPr marL="0" marR="0" lvl="0" indent="0" algn="r" defTabSz="914400" rtl="0" eaLnBrk="1" fontAlgn="auto" latinLnBrk="0" hangingPunct="1">
-                <a:lnSpc>
-                  <a:spcPct val="100000"/>
-                </a:lnSpc>
-                <a:spcBef>
-                  <a:spcPts val="0"/>
-                </a:spcBef>
-                <a:spcAft>
-                  <a:spcPts val="0"/>
-                </a:spcAft>
-                <a:buClrTx/>
-                <a:buSzTx/>
-                <a:buFontTx/>
-                <a:buNone/>
-                <a:tabLst/>
-                <a:defRPr/>
-              </a:pPr>
-              <a:t>11</a:t>
-            </a:fld>
-            <a:endParaRPr kumimoji="0" lang="en-US" sz="1200" b="0" i="0" u="none" strike="noStrike" kern="1200" cap="none" spc="0" normalizeH="0" baseline="0" noProof="0" dirty="0">
-              <a:ln>
-                <a:noFill/>
-              </a:ln>
-              <a:solidFill>
-                <a:prstClr val="black"/>
-              </a:solidFill>
-              <a:effectLst/>
-              <a:uLnTx/>
-              <a:uFillTx/>
-              <a:latin typeface="Calibri" panose="020F0502020204030204"/>
-              <a:ea typeface="+mn-ea"/>
-              <a:cs typeface="+mn-cs"/>
-            </a:endParaRPr>
-          </a:p>
-        </p:txBody>
-      </p:sp>
-    </p:spTree>
-    <p:extLst>
-      <p:ext uri="{BB962C8B-B14F-4D97-AF65-F5344CB8AC3E}">
-        <p14:creationId xmlns:p14="http://schemas.microsoft.com/office/powerpoint/2010/main" val="4292378144"/>
       </p:ext>
     </p:extLst>
   </p:cSld>
@@ -8522,2805 +7361,6 @@
 </p:sld>
 </file>
 
-<file path=ppt/slides/slide10.xml><?xml version="1.0" encoding="utf-8"?>
-<p:sld xmlns:a="http://schemas.openxmlformats.org/drawingml/2006/main" xmlns:r="http://schemas.openxmlformats.org/officeDocument/2006/relationships" xmlns:p="http://schemas.openxmlformats.org/presentationml/2006/main">
-  <p:cSld>
-    <p:bg>
-      <p:bgPr>
-        <a:blipFill rotWithShape="1">
-          <a:blip r:embed="rId4">
-            <a:duotone>
-              <a:schemeClr val="bg1">
-                <a:shade val="80000"/>
-                <a:lumMod val="80000"/>
-              </a:schemeClr>
-              <a:schemeClr val="bg1">
-                <a:tint val="98000"/>
-              </a:schemeClr>
-            </a:duotone>
-          </a:blip>
-          <a:stretch/>
-        </a:blipFill>
-        <a:effectLst/>
-      </p:bgPr>
-    </p:bg>
-    <p:spTree>
-      <p:nvGrpSpPr>
-        <p:cNvPr id="1" name=""/>
-        <p:cNvGrpSpPr/>
-        <p:nvPr/>
-      </p:nvGrpSpPr>
-      <p:grpSpPr>
-        <a:xfrm>
-          <a:off x="0" y="0"/>
-          <a:ext cx="0" cy="0"/>
-          <a:chOff x="0" y="0"/>
-          <a:chExt cx="0" cy="0"/>
-        </a:xfrm>
-      </p:grpSpPr>
-      <p:sp useBgFill="1">
-        <p:nvSpPr>
-          <p:cNvPr id="55" name="Rectangle 54">
-            <a:extLst>
-              <a:ext uri="{FF2B5EF4-FFF2-40B4-BE49-F238E27FC236}">
-                <a16:creationId xmlns:a16="http://schemas.microsoft.com/office/drawing/2014/main" id="{0EF2A0DA-AE81-4A45-972E-646AC2870C2F}"/>
-              </a:ext>
-              <a:ext uri="{C183D7F6-B498-43B3-948B-1728B52AA6E4}">
-                <adec:decorative xmlns:adec="http://schemas.microsoft.com/office/drawing/2017/decorative" val="1"/>
-              </a:ext>
-            </a:extLst>
-          </p:cNvPr>
-          <p:cNvSpPr>
-            <a:spLocks noGrp="1" noRot="1" noChangeAspect="1" noMove="1" noResize="1" noEditPoints="1" noAdjustHandles="1" noChangeArrowheads="1" noChangeShapeType="1" noTextEdit="1"/>
-          </p:cNvSpPr>
-          <p:nvPr>
-            <p:extLst>
-              <p:ext uri="{386F3935-93C4-4BCD-93E2-E3B085C9AB24}">
-                <p16:designElem xmlns:p16="http://schemas.microsoft.com/office/powerpoint/2015/main" val="1"/>
-              </p:ext>
-            </p:extLst>
-          </p:nvPr>
-        </p:nvSpPr>
-        <p:spPr>
-          <a:xfrm>
-            <a:off x="0" y="0"/>
-            <a:ext cx="12192000" cy="6858000"/>
-          </a:xfrm>
-          <a:prstGeom prst="rect">
-            <a:avLst/>
-          </a:prstGeom>
-          <a:ln>
-            <a:noFill/>
-          </a:ln>
-        </p:spPr>
-        <p:style>
-          <a:lnRef idx="2">
-            <a:schemeClr val="accent1">
-              <a:shade val="50000"/>
-            </a:schemeClr>
-          </a:lnRef>
-          <a:fillRef idx="1">
-            <a:schemeClr val="accent1"/>
-          </a:fillRef>
-          <a:effectRef idx="0">
-            <a:schemeClr val="accent1"/>
-          </a:effectRef>
-          <a:fontRef idx="minor">
-            <a:schemeClr val="lt1"/>
-          </a:fontRef>
-        </p:style>
-        <p:txBody>
-          <a:bodyPr rtlCol="0" anchor="ctr"/>
-          <a:lstStyle/>
-          <a:p>
-            <a:pPr marL="0" marR="0" lvl="0" indent="0" algn="ctr" defTabSz="914400" rtl="0" eaLnBrk="1" fontAlgn="auto" latinLnBrk="0" hangingPunct="1">
-              <a:lnSpc>
-                <a:spcPct val="100000"/>
-              </a:lnSpc>
-              <a:spcBef>
-                <a:spcPts val="0"/>
-              </a:spcBef>
-              <a:spcAft>
-                <a:spcPts val="0"/>
-              </a:spcAft>
-              <a:buClrTx/>
-              <a:buSzTx/>
-              <a:buFontTx/>
-              <a:buNone/>
-              <a:tabLst/>
-              <a:defRPr/>
-            </a:pPr>
-            <a:endParaRPr kumimoji="0" lang="en-US" sz="1800" b="0" i="0" u="none" strike="noStrike" kern="1200" cap="none" spc="0" normalizeH="0" baseline="0" noProof="0" dirty="0">
-              <a:ln>
-                <a:noFill/>
-              </a:ln>
-              <a:solidFill>
-                <a:prstClr val="white"/>
-              </a:solidFill>
-              <a:effectLst/>
-              <a:uLnTx/>
-              <a:uFillTx/>
-              <a:latin typeface="Goudy Old Style"/>
-              <a:ea typeface="+mn-ea"/>
-              <a:cs typeface="+mn-cs"/>
-            </a:endParaRPr>
-          </a:p>
-        </p:txBody>
-      </p:sp>
-      <p:pic>
-        <p:nvPicPr>
-          <p:cNvPr id="3" name="Picture 2">
-            <a:extLst>
-              <a:ext uri="{FF2B5EF4-FFF2-40B4-BE49-F238E27FC236}">
-                <a16:creationId xmlns:a16="http://schemas.microsoft.com/office/drawing/2014/main" id="{72B2D6DE-C9B5-4678-91EF-77E85F2350DA}"/>
-              </a:ext>
-              <a:ext uri="{C183D7F6-B498-43B3-948B-1728B52AA6E4}">
-                <adec:decorative xmlns:adec="http://schemas.microsoft.com/office/drawing/2017/decorative" val="1"/>
-              </a:ext>
-            </a:extLst>
-          </p:cNvPr>
-          <p:cNvPicPr>
-            <a:picLocks noChangeAspect="1"/>
-          </p:cNvPicPr>
-          <p:nvPr/>
-        </p:nvPicPr>
-        <p:blipFill rotWithShape="1">
-          <a:blip r:embed="rId5">
-            <a:extLst>
-              <a:ext uri="{28A0092B-C50C-407E-A947-70E740481C1C}">
-                <a14:useLocalDpi xmlns:a14="http://schemas.microsoft.com/office/drawing/2010/main" val="0"/>
-              </a:ext>
-            </a:extLst>
-          </a:blip>
-          <a:srcRect b="-1"/>
-          <a:stretch/>
-        </p:blipFill>
-        <p:spPr>
-          <a:xfrm>
-            <a:off x="-2826328" y="-1"/>
-            <a:ext cx="6096000" cy="6857990"/>
-          </a:xfrm>
-          <a:prstGeom prst="rect">
-            <a:avLst/>
-          </a:prstGeom>
-        </p:spPr>
-      </p:pic>
-      <p:pic>
-        <p:nvPicPr>
-          <p:cNvPr id="57" name="Picture 56">
-            <a:extLst>
-              <a:ext uri="{FF2B5EF4-FFF2-40B4-BE49-F238E27FC236}">
-                <a16:creationId xmlns:a16="http://schemas.microsoft.com/office/drawing/2014/main" id="{B536FA4E-0152-4E27-91DA-0FC22D1846BB}"/>
-              </a:ext>
-              <a:ext uri="{C183D7F6-B498-43B3-948B-1728B52AA6E4}">
-                <adec:decorative xmlns:adec="http://schemas.microsoft.com/office/drawing/2017/decorative" val="1"/>
-              </a:ext>
-            </a:extLst>
-          </p:cNvPr>
-          <p:cNvPicPr>
-            <a:picLocks noGrp="1" noRot="1" noChangeAspect="1" noMove="1" noResize="1" noEditPoints="1" noAdjustHandles="1" noChangeArrowheads="1" noChangeShapeType="1" noCrop="1"/>
-          </p:cNvPicPr>
-          <p:nvPr>
-            <p:extLst>
-              <p:ext uri="{386F3935-93C4-4BCD-93E2-E3B085C9AB24}">
-                <p16:designElem xmlns:p16="http://schemas.microsoft.com/office/powerpoint/2015/main" val="1"/>
-              </p:ext>
-            </p:extLst>
-          </p:nvPr>
-        </p:nvPicPr>
-        <p:blipFill rotWithShape="1">
-          <a:blip r:embed="rId6">
-            <a:extLst>
-              <a:ext uri="{28A0092B-C50C-407E-A947-70E740481C1C}">
-                <a14:useLocalDpi xmlns:a14="http://schemas.microsoft.com/office/drawing/2010/main" val="0"/>
-              </a:ext>
-            </a:extLst>
-          </a:blip>
-          <a:srcRect/>
-          <a:stretch/>
-        </p:blipFill>
-        <p:spPr>
-          <a:xfrm>
-            <a:off x="6257026" y="1"/>
-            <a:ext cx="5934973" cy="6858000"/>
-          </a:xfrm>
-          <a:prstGeom prst="rect">
-            <a:avLst/>
-          </a:prstGeom>
-        </p:spPr>
-      </p:pic>
-      <p:sp>
-        <p:nvSpPr>
-          <p:cNvPr id="2" name="Title 1">
-            <a:extLst>
-              <a:ext uri="{FF2B5EF4-FFF2-40B4-BE49-F238E27FC236}">
-                <a16:creationId xmlns:a16="http://schemas.microsoft.com/office/drawing/2014/main" id="{89559F60-4CE1-4E2F-86EA-1B60679F1F4A}"/>
-              </a:ext>
-            </a:extLst>
-          </p:cNvPr>
-          <p:cNvSpPr>
-            <a:spLocks noGrp="1"/>
-          </p:cNvSpPr>
-          <p:nvPr>
-            <p:ph type="title"/>
-          </p:nvPr>
-        </p:nvSpPr>
-        <p:spPr>
-          <a:xfrm>
-            <a:off x="3717026" y="507999"/>
-            <a:ext cx="4538124" cy="970450"/>
-          </a:xfrm>
-        </p:spPr>
-        <p:txBody>
-          <a:bodyPr anchor="b">
-            <a:normAutofit fontScale="90000"/>
-          </a:bodyPr>
-          <a:lstStyle/>
-          <a:p>
-            <a:pPr algn="l"/>
-            <a:r>
-              <a:rPr lang="en-US" sz="4000" dirty="0"/>
-              <a:t>Distance from home v/s Status	</a:t>
-            </a:r>
-          </a:p>
-        </p:txBody>
-      </p:sp>
-      <p:sp>
-        <p:nvSpPr>
-          <p:cNvPr id="24" name="Content Placeholder 2">
-            <a:extLst>
-              <a:ext uri="{FF2B5EF4-FFF2-40B4-BE49-F238E27FC236}">
-                <a16:creationId xmlns:a16="http://schemas.microsoft.com/office/drawing/2014/main" id="{F260476B-CCA6-412B-A9C5-399C34AE6F05}"/>
-              </a:ext>
-            </a:extLst>
-          </p:cNvPr>
-          <p:cNvSpPr>
-            <a:spLocks noGrp="1"/>
-          </p:cNvSpPr>
-          <p:nvPr>
-            <p:ph idx="1"/>
-          </p:nvPr>
-        </p:nvSpPr>
-        <p:spPr>
-          <a:xfrm>
-            <a:off x="3420533" y="1732449"/>
-            <a:ext cx="8554720" cy="4871551"/>
-          </a:xfrm>
-        </p:spPr>
-        <p:txBody>
-          <a:bodyPr anchor="t">
-            <a:normAutofit/>
-          </a:bodyPr>
-          <a:lstStyle/>
-          <a:p>
-            <a:r>
-              <a:rPr lang="en-US" sz="2400" dirty="0"/>
-              <a:t>p2 &lt;- </a:t>
-            </a:r>
-            <a:r>
-              <a:rPr lang="en-US" sz="2400" dirty="0" err="1"/>
-              <a:t>ggplot</a:t>
-            </a:r>
-            <a:r>
-              <a:rPr lang="en-US" sz="2400" dirty="0"/>
-              <a:t>(data, </a:t>
-            </a:r>
-            <a:r>
-              <a:rPr lang="en-US" sz="2400" dirty="0" err="1"/>
-              <a:t>aes</a:t>
-            </a:r>
-            <a:r>
-              <a:rPr lang="en-US" sz="2400" dirty="0"/>
-              <a:t>(x=</a:t>
-            </a:r>
-            <a:r>
-              <a:rPr lang="en-US" sz="2400" dirty="0" err="1"/>
-              <a:t>status,y</a:t>
-            </a:r>
-            <a:r>
-              <a:rPr lang="en-US" sz="2400" dirty="0"/>
-              <a:t>=</a:t>
-            </a:r>
-            <a:r>
-              <a:rPr lang="en-US" sz="2400" dirty="0" err="1"/>
-              <a:t>distance_from_home</a:t>
-            </a:r>
-            <a:r>
-              <a:rPr lang="en-US" sz="2400" dirty="0"/>
-              <a:t>)) + </a:t>
-            </a:r>
-            <a:r>
-              <a:rPr lang="en-US" sz="2400" dirty="0" err="1"/>
-              <a:t>geom_violin</a:t>
-            </a:r>
-            <a:r>
-              <a:rPr lang="en-US" sz="2400" dirty="0"/>
-              <a:t>()</a:t>
-            </a:r>
-          </a:p>
-          <a:p>
-            <a:r>
-              <a:rPr lang="en-US" sz="2400" dirty="0"/>
-              <a:t>p2 + </a:t>
-            </a:r>
-            <a:r>
-              <a:rPr lang="en-US" sz="2400" dirty="0" err="1"/>
-              <a:t>geom_violin</a:t>
-            </a:r>
-            <a:r>
-              <a:rPr lang="en-US" sz="2400" dirty="0"/>
-              <a:t>(trim = FALSE) + </a:t>
-            </a:r>
-            <a:r>
-              <a:rPr lang="en-US" sz="2400" dirty="0" err="1"/>
-              <a:t>geom_violin</a:t>
-            </a:r>
-            <a:r>
-              <a:rPr lang="en-US" sz="2400" dirty="0"/>
-              <a:t>(</a:t>
-            </a:r>
-            <a:r>
-              <a:rPr lang="en-US" sz="2400" dirty="0" err="1"/>
-              <a:t>draw_quantiles</a:t>
-            </a:r>
-            <a:r>
-              <a:rPr lang="en-US" sz="2400" dirty="0"/>
-              <a:t> = c(0.25,0.5,0.75))</a:t>
-            </a:r>
-          </a:p>
-          <a:p>
-            <a:r>
-              <a:rPr lang="en-US" sz="2400" dirty="0"/>
-              <a:t>The violin plots can  be compared with the mean, median and mode value for distance from home of employees v/s status</a:t>
-            </a:r>
-          </a:p>
-          <a:p>
-            <a:endParaRPr lang="en-US" sz="2400" dirty="0"/>
-          </a:p>
-        </p:txBody>
-      </p:sp>
-      <p:pic>
-        <p:nvPicPr>
-          <p:cNvPr id="5" name="Picture 4">
-            <a:extLst>
-              <a:ext uri="{FF2B5EF4-FFF2-40B4-BE49-F238E27FC236}">
-                <a16:creationId xmlns:a16="http://schemas.microsoft.com/office/drawing/2014/main" id="{2D1523D9-EAD5-4F73-96BB-FED69E32C7D0}"/>
-              </a:ext>
-            </a:extLst>
-          </p:cNvPr>
-          <p:cNvPicPr>
-            <a:picLocks noChangeAspect="1"/>
-          </p:cNvPicPr>
-          <p:nvPr/>
-        </p:nvPicPr>
-        <p:blipFill>
-          <a:blip r:embed="rId7"/>
-          <a:stretch>
-            <a:fillRect/>
-          </a:stretch>
-        </p:blipFill>
-        <p:spPr>
-          <a:xfrm>
-            <a:off x="-2565822" y="-12"/>
-            <a:ext cx="5565138" cy="6858000"/>
-          </a:xfrm>
-          <a:prstGeom prst="rect">
-            <a:avLst/>
-          </a:prstGeom>
-        </p:spPr>
-      </p:pic>
-    </p:spTree>
-    <p:extLst>
-      <p:ext uri="{BB962C8B-B14F-4D97-AF65-F5344CB8AC3E}">
-        <p14:creationId xmlns:p14="http://schemas.microsoft.com/office/powerpoint/2010/main" val="4073678291"/>
-      </p:ext>
-    </p:extLst>
-  </p:cSld>
-  <p:clrMapOvr>
-    <a:masterClrMapping/>
-  </p:clrMapOvr>
-</p:sld>
-</file>
-
-<file path=ppt/slides/slide11.xml><?xml version="1.0" encoding="utf-8"?>
-<p:sld xmlns:a="http://schemas.openxmlformats.org/drawingml/2006/main" xmlns:r="http://schemas.openxmlformats.org/officeDocument/2006/relationships" xmlns:p="http://schemas.openxmlformats.org/presentationml/2006/main">
-  <p:cSld>
-    <p:bg>
-      <p:bgPr>
-        <a:blipFill rotWithShape="1">
-          <a:blip r:embed="rId4">
-            <a:duotone>
-              <a:schemeClr val="bg1">
-                <a:shade val="80000"/>
-                <a:lumMod val="80000"/>
-              </a:schemeClr>
-              <a:schemeClr val="bg1">
-                <a:tint val="98000"/>
-              </a:schemeClr>
-            </a:duotone>
-          </a:blip>
-          <a:stretch/>
-        </a:blipFill>
-        <a:effectLst/>
-      </p:bgPr>
-    </p:bg>
-    <p:spTree>
-      <p:nvGrpSpPr>
-        <p:cNvPr id="1" name=""/>
-        <p:cNvGrpSpPr/>
-        <p:nvPr/>
-      </p:nvGrpSpPr>
-      <p:grpSpPr>
-        <a:xfrm>
-          <a:off x="0" y="0"/>
-          <a:ext cx="0" cy="0"/>
-          <a:chOff x="0" y="0"/>
-          <a:chExt cx="0" cy="0"/>
-        </a:xfrm>
-      </p:grpSpPr>
-      <p:sp useBgFill="1">
-        <p:nvSpPr>
-          <p:cNvPr id="55" name="Rectangle 54">
-            <a:extLst>
-              <a:ext uri="{FF2B5EF4-FFF2-40B4-BE49-F238E27FC236}">
-                <a16:creationId xmlns:a16="http://schemas.microsoft.com/office/drawing/2014/main" id="{0EF2A0DA-AE81-4A45-972E-646AC2870C2F}"/>
-              </a:ext>
-              <a:ext uri="{C183D7F6-B498-43B3-948B-1728B52AA6E4}">
-                <adec:decorative xmlns:adec="http://schemas.microsoft.com/office/drawing/2017/decorative" val="1"/>
-              </a:ext>
-            </a:extLst>
-          </p:cNvPr>
-          <p:cNvSpPr>
-            <a:spLocks noGrp="1" noRot="1" noChangeAspect="1" noMove="1" noResize="1" noEditPoints="1" noAdjustHandles="1" noChangeArrowheads="1" noChangeShapeType="1" noTextEdit="1"/>
-          </p:cNvSpPr>
-          <p:nvPr>
-            <p:extLst>
-              <p:ext uri="{386F3935-93C4-4BCD-93E2-E3B085C9AB24}">
-                <p16:designElem xmlns:p16="http://schemas.microsoft.com/office/powerpoint/2015/main" val="1"/>
-              </p:ext>
-            </p:extLst>
-          </p:nvPr>
-        </p:nvSpPr>
-        <p:spPr>
-          <a:xfrm>
-            <a:off x="0" y="0"/>
-            <a:ext cx="12192000" cy="6858000"/>
-          </a:xfrm>
-          <a:prstGeom prst="rect">
-            <a:avLst/>
-          </a:prstGeom>
-          <a:ln>
-            <a:noFill/>
-          </a:ln>
-        </p:spPr>
-        <p:style>
-          <a:lnRef idx="2">
-            <a:schemeClr val="accent1">
-              <a:shade val="50000"/>
-            </a:schemeClr>
-          </a:lnRef>
-          <a:fillRef idx="1">
-            <a:schemeClr val="accent1"/>
-          </a:fillRef>
-          <a:effectRef idx="0">
-            <a:schemeClr val="accent1"/>
-          </a:effectRef>
-          <a:fontRef idx="minor">
-            <a:schemeClr val="lt1"/>
-          </a:fontRef>
-        </p:style>
-        <p:txBody>
-          <a:bodyPr rtlCol="0" anchor="ctr"/>
-          <a:lstStyle/>
-          <a:p>
-            <a:pPr marL="0" marR="0" lvl="0" indent="0" algn="ctr" defTabSz="914400" rtl="0" eaLnBrk="1" fontAlgn="auto" latinLnBrk="0" hangingPunct="1">
-              <a:lnSpc>
-                <a:spcPct val="100000"/>
-              </a:lnSpc>
-              <a:spcBef>
-                <a:spcPts val="0"/>
-              </a:spcBef>
-              <a:spcAft>
-                <a:spcPts val="0"/>
-              </a:spcAft>
-              <a:buClrTx/>
-              <a:buSzTx/>
-              <a:buFontTx/>
-              <a:buNone/>
-              <a:tabLst/>
-              <a:defRPr/>
-            </a:pPr>
-            <a:endParaRPr kumimoji="0" lang="en-US" sz="1800" b="0" i="0" u="none" strike="noStrike" kern="1200" cap="none" spc="0" normalizeH="0" baseline="0" noProof="0" dirty="0">
-              <a:ln>
-                <a:noFill/>
-              </a:ln>
-              <a:solidFill>
-                <a:prstClr val="white"/>
-              </a:solidFill>
-              <a:effectLst/>
-              <a:uLnTx/>
-              <a:uFillTx/>
-              <a:latin typeface="Goudy Old Style"/>
-              <a:ea typeface="+mn-ea"/>
-              <a:cs typeface="+mn-cs"/>
-            </a:endParaRPr>
-          </a:p>
-        </p:txBody>
-      </p:sp>
-      <p:pic>
-        <p:nvPicPr>
-          <p:cNvPr id="3" name="Picture 2">
-            <a:extLst>
-              <a:ext uri="{FF2B5EF4-FFF2-40B4-BE49-F238E27FC236}">
-                <a16:creationId xmlns:a16="http://schemas.microsoft.com/office/drawing/2014/main" id="{72B2D6DE-C9B5-4678-91EF-77E85F2350DA}"/>
-              </a:ext>
-              <a:ext uri="{C183D7F6-B498-43B3-948B-1728B52AA6E4}">
-                <adec:decorative xmlns:adec="http://schemas.microsoft.com/office/drawing/2017/decorative" val="1"/>
-              </a:ext>
-            </a:extLst>
-          </p:cNvPr>
-          <p:cNvPicPr>
-            <a:picLocks noChangeAspect="1"/>
-          </p:cNvPicPr>
-          <p:nvPr/>
-        </p:nvPicPr>
-        <p:blipFill rotWithShape="1">
-          <a:blip r:embed="rId5">
-            <a:extLst>
-              <a:ext uri="{28A0092B-C50C-407E-A947-70E740481C1C}">
-                <a14:useLocalDpi xmlns:a14="http://schemas.microsoft.com/office/drawing/2010/main" val="0"/>
-              </a:ext>
-            </a:extLst>
-          </a:blip>
-          <a:srcRect b="-1"/>
-          <a:stretch/>
-        </p:blipFill>
-        <p:spPr>
-          <a:xfrm>
-            <a:off x="-2826328" y="-1"/>
-            <a:ext cx="6096000" cy="6857990"/>
-          </a:xfrm>
-          <a:prstGeom prst="rect">
-            <a:avLst/>
-          </a:prstGeom>
-        </p:spPr>
-      </p:pic>
-      <p:pic>
-        <p:nvPicPr>
-          <p:cNvPr id="57" name="Picture 56">
-            <a:extLst>
-              <a:ext uri="{FF2B5EF4-FFF2-40B4-BE49-F238E27FC236}">
-                <a16:creationId xmlns:a16="http://schemas.microsoft.com/office/drawing/2014/main" id="{B536FA4E-0152-4E27-91DA-0FC22D1846BB}"/>
-              </a:ext>
-              <a:ext uri="{C183D7F6-B498-43B3-948B-1728B52AA6E4}">
-                <adec:decorative xmlns:adec="http://schemas.microsoft.com/office/drawing/2017/decorative" val="1"/>
-              </a:ext>
-            </a:extLst>
-          </p:cNvPr>
-          <p:cNvPicPr>
-            <a:picLocks noGrp="1" noRot="1" noChangeAspect="1" noMove="1" noResize="1" noEditPoints="1" noAdjustHandles="1" noChangeArrowheads="1" noChangeShapeType="1" noCrop="1"/>
-          </p:cNvPicPr>
-          <p:nvPr>
-            <p:extLst>
-              <p:ext uri="{386F3935-93C4-4BCD-93E2-E3B085C9AB24}">
-                <p16:designElem xmlns:p16="http://schemas.microsoft.com/office/powerpoint/2015/main" val="1"/>
-              </p:ext>
-            </p:extLst>
-          </p:nvPr>
-        </p:nvPicPr>
-        <p:blipFill rotWithShape="1">
-          <a:blip r:embed="rId6">
-            <a:extLst>
-              <a:ext uri="{28A0092B-C50C-407E-A947-70E740481C1C}">
-                <a14:useLocalDpi xmlns:a14="http://schemas.microsoft.com/office/drawing/2010/main" val="0"/>
-              </a:ext>
-            </a:extLst>
-          </a:blip>
-          <a:srcRect/>
-          <a:stretch/>
-        </p:blipFill>
-        <p:spPr>
-          <a:xfrm>
-            <a:off x="6257026" y="1"/>
-            <a:ext cx="5934973" cy="6858000"/>
-          </a:xfrm>
-          <a:prstGeom prst="rect">
-            <a:avLst/>
-          </a:prstGeom>
-        </p:spPr>
-      </p:pic>
-      <p:sp>
-        <p:nvSpPr>
-          <p:cNvPr id="2" name="Title 1">
-            <a:extLst>
-              <a:ext uri="{FF2B5EF4-FFF2-40B4-BE49-F238E27FC236}">
-                <a16:creationId xmlns:a16="http://schemas.microsoft.com/office/drawing/2014/main" id="{89559F60-4CE1-4E2F-86EA-1B60679F1F4A}"/>
-              </a:ext>
-            </a:extLst>
-          </p:cNvPr>
-          <p:cNvSpPr>
-            <a:spLocks noGrp="1"/>
-          </p:cNvSpPr>
-          <p:nvPr>
-            <p:ph type="title"/>
-          </p:nvPr>
-        </p:nvSpPr>
-        <p:spPr>
-          <a:xfrm>
-            <a:off x="3717026" y="507999"/>
-            <a:ext cx="4538124" cy="970450"/>
-          </a:xfrm>
-        </p:spPr>
-        <p:txBody>
-          <a:bodyPr anchor="b">
-            <a:normAutofit fontScale="90000"/>
-          </a:bodyPr>
-          <a:lstStyle/>
-          <a:p>
-            <a:pPr algn="l"/>
-            <a:r>
-              <a:rPr lang="en-US" sz="4000" dirty="0" err="1"/>
-              <a:t>Manager_sat</a:t>
-            </a:r>
-            <a:r>
-              <a:rPr lang="en-US" sz="4000" dirty="0"/>
-              <a:t> (manager satisfaction) v/s Status	</a:t>
-            </a:r>
-          </a:p>
-        </p:txBody>
-      </p:sp>
-      <p:sp>
-        <p:nvSpPr>
-          <p:cNvPr id="24" name="Content Placeholder 2">
-            <a:extLst>
-              <a:ext uri="{FF2B5EF4-FFF2-40B4-BE49-F238E27FC236}">
-                <a16:creationId xmlns:a16="http://schemas.microsoft.com/office/drawing/2014/main" id="{F260476B-CCA6-412B-A9C5-399C34AE6F05}"/>
-              </a:ext>
-            </a:extLst>
-          </p:cNvPr>
-          <p:cNvSpPr>
-            <a:spLocks noGrp="1"/>
-          </p:cNvSpPr>
-          <p:nvPr>
-            <p:ph idx="1"/>
-          </p:nvPr>
-        </p:nvSpPr>
-        <p:spPr>
-          <a:xfrm>
-            <a:off x="3420533" y="1732449"/>
-            <a:ext cx="8554720" cy="4871551"/>
-          </a:xfrm>
-        </p:spPr>
-        <p:txBody>
-          <a:bodyPr anchor="t">
-            <a:normAutofit/>
-          </a:bodyPr>
-          <a:lstStyle/>
-          <a:p>
-            <a:r>
-              <a:rPr lang="en-US" sz="2400" dirty="0"/>
-              <a:t>p3 &lt;- </a:t>
-            </a:r>
-            <a:r>
-              <a:rPr lang="en-US" sz="2400" dirty="0" err="1"/>
-              <a:t>ggplot</a:t>
-            </a:r>
-            <a:r>
-              <a:rPr lang="en-US" sz="2400" dirty="0"/>
-              <a:t>(data, </a:t>
-            </a:r>
-            <a:r>
-              <a:rPr lang="en-US" sz="2400" dirty="0" err="1"/>
-              <a:t>aes</a:t>
-            </a:r>
-            <a:r>
-              <a:rPr lang="en-US" sz="2400" dirty="0"/>
-              <a:t>(x=</a:t>
-            </a:r>
-            <a:r>
-              <a:rPr lang="en-US" sz="2400" dirty="0" err="1"/>
-              <a:t>status,y</a:t>
-            </a:r>
-            <a:r>
-              <a:rPr lang="en-US" sz="2400" dirty="0"/>
-              <a:t>=</a:t>
-            </a:r>
-            <a:r>
-              <a:rPr lang="en-US" sz="2400" dirty="0" err="1"/>
-              <a:t>manager_sat</a:t>
-            </a:r>
-            <a:r>
-              <a:rPr lang="en-US" sz="2400" dirty="0"/>
-              <a:t>)) + </a:t>
-            </a:r>
-            <a:r>
-              <a:rPr lang="en-US" sz="2400" dirty="0" err="1"/>
-              <a:t>geom_violin</a:t>
-            </a:r>
-            <a:r>
-              <a:rPr lang="en-US" sz="2400" dirty="0"/>
-              <a:t>()</a:t>
-            </a:r>
-          </a:p>
-          <a:p>
-            <a:r>
-              <a:rPr lang="en-US" sz="2400" dirty="0"/>
-              <a:t>p3 + </a:t>
-            </a:r>
-            <a:r>
-              <a:rPr lang="en-US" sz="2400" dirty="0" err="1"/>
-              <a:t>geom_violin</a:t>
-            </a:r>
-            <a:r>
-              <a:rPr lang="en-US" sz="2400" dirty="0"/>
-              <a:t>(trim = TRUE) + </a:t>
-            </a:r>
-            <a:r>
-              <a:rPr lang="en-US" sz="2400" dirty="0" err="1"/>
-              <a:t>geom_violin</a:t>
-            </a:r>
-            <a:r>
-              <a:rPr lang="en-US" sz="2400" dirty="0"/>
-              <a:t>(</a:t>
-            </a:r>
-            <a:r>
-              <a:rPr lang="en-US" sz="2400" dirty="0" err="1"/>
-              <a:t>draw_quantiles</a:t>
-            </a:r>
-            <a:r>
-              <a:rPr lang="en-US" sz="2400" dirty="0"/>
-              <a:t> = c(0.25,0.5,0.75))</a:t>
-            </a:r>
-          </a:p>
-          <a:p>
-            <a:r>
-              <a:rPr lang="en-US" sz="2400" dirty="0"/>
-              <a:t>The violin plots can  be compared with the mean, median and mode value for manager satisfaction v/s status</a:t>
-            </a:r>
-          </a:p>
-          <a:p>
-            <a:endParaRPr lang="en-US" sz="2400" dirty="0"/>
-          </a:p>
-        </p:txBody>
-      </p:sp>
-      <p:pic>
-        <p:nvPicPr>
-          <p:cNvPr id="4" name="Picture 3">
-            <a:extLst>
-              <a:ext uri="{FF2B5EF4-FFF2-40B4-BE49-F238E27FC236}">
-                <a16:creationId xmlns:a16="http://schemas.microsoft.com/office/drawing/2014/main" id="{9F7E8E5F-3E6F-46A8-A14E-89CD0135BF5B}"/>
-              </a:ext>
-            </a:extLst>
-          </p:cNvPr>
-          <p:cNvPicPr>
-            <a:picLocks noChangeAspect="1"/>
-          </p:cNvPicPr>
-          <p:nvPr/>
-        </p:nvPicPr>
-        <p:blipFill>
-          <a:blip r:embed="rId7"/>
-          <a:stretch>
-            <a:fillRect/>
-          </a:stretch>
-        </p:blipFill>
-        <p:spPr>
-          <a:xfrm>
-            <a:off x="-2628700" y="0"/>
-            <a:ext cx="5690893" cy="6858000"/>
-          </a:xfrm>
-          <a:prstGeom prst="rect">
-            <a:avLst/>
-          </a:prstGeom>
-        </p:spPr>
-      </p:pic>
-    </p:spTree>
-    <p:extLst>
-      <p:ext uri="{BB962C8B-B14F-4D97-AF65-F5344CB8AC3E}">
-        <p14:creationId xmlns:p14="http://schemas.microsoft.com/office/powerpoint/2010/main" val="2228606669"/>
-      </p:ext>
-    </p:extLst>
-  </p:cSld>
-  <p:clrMapOvr>
-    <a:masterClrMapping/>
-  </p:clrMapOvr>
-</p:sld>
-</file>
-
-<file path=ppt/slides/slide12.xml><?xml version="1.0" encoding="utf-8"?>
-<p:sld xmlns:a="http://schemas.openxmlformats.org/drawingml/2006/main" xmlns:r="http://schemas.openxmlformats.org/officeDocument/2006/relationships" xmlns:p="http://schemas.openxmlformats.org/presentationml/2006/main">
-  <p:cSld>
-    <p:bg>
-      <p:bgPr>
-        <a:blipFill rotWithShape="1">
-          <a:blip r:embed="rId4">
-            <a:duotone>
-              <a:schemeClr val="bg1">
-                <a:shade val="80000"/>
-                <a:lumMod val="80000"/>
-              </a:schemeClr>
-              <a:schemeClr val="bg1">
-                <a:tint val="98000"/>
-              </a:schemeClr>
-            </a:duotone>
-          </a:blip>
-          <a:stretch/>
-        </a:blipFill>
-        <a:effectLst/>
-      </p:bgPr>
-    </p:bg>
-    <p:spTree>
-      <p:nvGrpSpPr>
-        <p:cNvPr id="1" name=""/>
-        <p:cNvGrpSpPr/>
-        <p:nvPr/>
-      </p:nvGrpSpPr>
-      <p:grpSpPr>
-        <a:xfrm>
-          <a:off x="0" y="0"/>
-          <a:ext cx="0" cy="0"/>
-          <a:chOff x="0" y="0"/>
-          <a:chExt cx="0" cy="0"/>
-        </a:xfrm>
-      </p:grpSpPr>
-      <p:sp useBgFill="1">
-        <p:nvSpPr>
-          <p:cNvPr id="55" name="Rectangle 54">
-            <a:extLst>
-              <a:ext uri="{FF2B5EF4-FFF2-40B4-BE49-F238E27FC236}">
-                <a16:creationId xmlns:a16="http://schemas.microsoft.com/office/drawing/2014/main" id="{0EF2A0DA-AE81-4A45-972E-646AC2870C2F}"/>
-              </a:ext>
-              <a:ext uri="{C183D7F6-B498-43B3-948B-1728B52AA6E4}">
-                <adec:decorative xmlns:adec="http://schemas.microsoft.com/office/drawing/2017/decorative" val="1"/>
-              </a:ext>
-            </a:extLst>
-          </p:cNvPr>
-          <p:cNvSpPr>
-            <a:spLocks noGrp="1" noRot="1" noChangeAspect="1" noMove="1" noResize="1" noEditPoints="1" noAdjustHandles="1" noChangeArrowheads="1" noChangeShapeType="1" noTextEdit="1"/>
-          </p:cNvSpPr>
-          <p:nvPr>
-            <p:extLst>
-              <p:ext uri="{386F3935-93C4-4BCD-93E2-E3B085C9AB24}">
-                <p16:designElem xmlns:p16="http://schemas.microsoft.com/office/powerpoint/2015/main" val="1"/>
-              </p:ext>
-            </p:extLst>
-          </p:nvPr>
-        </p:nvSpPr>
-        <p:spPr>
-          <a:xfrm>
-            <a:off x="0" y="0"/>
-            <a:ext cx="12192000" cy="6858000"/>
-          </a:xfrm>
-          <a:prstGeom prst="rect">
-            <a:avLst/>
-          </a:prstGeom>
-          <a:ln>
-            <a:noFill/>
-          </a:ln>
-        </p:spPr>
-        <p:style>
-          <a:lnRef idx="2">
-            <a:schemeClr val="accent1">
-              <a:shade val="50000"/>
-            </a:schemeClr>
-          </a:lnRef>
-          <a:fillRef idx="1">
-            <a:schemeClr val="accent1"/>
-          </a:fillRef>
-          <a:effectRef idx="0">
-            <a:schemeClr val="accent1"/>
-          </a:effectRef>
-          <a:fontRef idx="minor">
-            <a:schemeClr val="lt1"/>
-          </a:fontRef>
-        </p:style>
-        <p:txBody>
-          <a:bodyPr rtlCol="0" anchor="ctr"/>
-          <a:lstStyle/>
-          <a:p>
-            <a:pPr marL="0" marR="0" lvl="0" indent="0" algn="ctr" defTabSz="914400" rtl="0" eaLnBrk="1" fontAlgn="auto" latinLnBrk="0" hangingPunct="1">
-              <a:lnSpc>
-                <a:spcPct val="100000"/>
-              </a:lnSpc>
-              <a:spcBef>
-                <a:spcPts val="0"/>
-              </a:spcBef>
-              <a:spcAft>
-                <a:spcPts val="0"/>
-              </a:spcAft>
-              <a:buClrTx/>
-              <a:buSzTx/>
-              <a:buFontTx/>
-              <a:buNone/>
-              <a:tabLst/>
-              <a:defRPr/>
-            </a:pPr>
-            <a:endParaRPr kumimoji="0" lang="en-US" sz="1800" b="0" i="0" u="none" strike="noStrike" kern="1200" cap="none" spc="0" normalizeH="0" baseline="0" noProof="0" dirty="0">
-              <a:ln>
-                <a:noFill/>
-              </a:ln>
-              <a:solidFill>
-                <a:prstClr val="white"/>
-              </a:solidFill>
-              <a:effectLst/>
-              <a:uLnTx/>
-              <a:uFillTx/>
-              <a:latin typeface="Goudy Old Style"/>
-              <a:ea typeface="+mn-ea"/>
-              <a:cs typeface="+mn-cs"/>
-            </a:endParaRPr>
-          </a:p>
-        </p:txBody>
-      </p:sp>
-      <p:pic>
-        <p:nvPicPr>
-          <p:cNvPr id="3" name="Picture 2">
-            <a:extLst>
-              <a:ext uri="{FF2B5EF4-FFF2-40B4-BE49-F238E27FC236}">
-                <a16:creationId xmlns:a16="http://schemas.microsoft.com/office/drawing/2014/main" id="{72B2D6DE-C9B5-4678-91EF-77E85F2350DA}"/>
-              </a:ext>
-              <a:ext uri="{C183D7F6-B498-43B3-948B-1728B52AA6E4}">
-                <adec:decorative xmlns:adec="http://schemas.microsoft.com/office/drawing/2017/decorative" val="1"/>
-              </a:ext>
-            </a:extLst>
-          </p:cNvPr>
-          <p:cNvPicPr>
-            <a:picLocks noChangeAspect="1"/>
-          </p:cNvPicPr>
-          <p:nvPr/>
-        </p:nvPicPr>
-        <p:blipFill rotWithShape="1">
-          <a:blip r:embed="rId5">
-            <a:extLst>
-              <a:ext uri="{28A0092B-C50C-407E-A947-70E740481C1C}">
-                <a14:useLocalDpi xmlns:a14="http://schemas.microsoft.com/office/drawing/2010/main" val="0"/>
-              </a:ext>
-            </a:extLst>
-          </a:blip>
-          <a:srcRect b="-1"/>
-          <a:stretch/>
-        </p:blipFill>
-        <p:spPr>
-          <a:xfrm>
-            <a:off x="-2826328" y="-1"/>
-            <a:ext cx="6096000" cy="6857990"/>
-          </a:xfrm>
-          <a:prstGeom prst="rect">
-            <a:avLst/>
-          </a:prstGeom>
-        </p:spPr>
-      </p:pic>
-      <p:pic>
-        <p:nvPicPr>
-          <p:cNvPr id="57" name="Picture 56">
-            <a:extLst>
-              <a:ext uri="{FF2B5EF4-FFF2-40B4-BE49-F238E27FC236}">
-                <a16:creationId xmlns:a16="http://schemas.microsoft.com/office/drawing/2014/main" id="{B536FA4E-0152-4E27-91DA-0FC22D1846BB}"/>
-              </a:ext>
-              <a:ext uri="{C183D7F6-B498-43B3-948B-1728B52AA6E4}">
-                <adec:decorative xmlns:adec="http://schemas.microsoft.com/office/drawing/2017/decorative" val="1"/>
-              </a:ext>
-            </a:extLst>
-          </p:cNvPr>
-          <p:cNvPicPr>
-            <a:picLocks noGrp="1" noRot="1" noChangeAspect="1" noMove="1" noResize="1" noEditPoints="1" noAdjustHandles="1" noChangeArrowheads="1" noChangeShapeType="1" noCrop="1"/>
-          </p:cNvPicPr>
-          <p:nvPr>
-            <p:extLst>
-              <p:ext uri="{386F3935-93C4-4BCD-93E2-E3B085C9AB24}">
-                <p16:designElem xmlns:p16="http://schemas.microsoft.com/office/powerpoint/2015/main" val="1"/>
-              </p:ext>
-            </p:extLst>
-          </p:nvPr>
-        </p:nvPicPr>
-        <p:blipFill rotWithShape="1">
-          <a:blip r:embed="rId6">
-            <a:extLst>
-              <a:ext uri="{28A0092B-C50C-407E-A947-70E740481C1C}">
-                <a14:useLocalDpi xmlns:a14="http://schemas.microsoft.com/office/drawing/2010/main" val="0"/>
-              </a:ext>
-            </a:extLst>
-          </a:blip>
-          <a:srcRect/>
-          <a:stretch/>
-        </p:blipFill>
-        <p:spPr>
-          <a:xfrm>
-            <a:off x="6257026" y="1"/>
-            <a:ext cx="5934973" cy="6858000"/>
-          </a:xfrm>
-          <a:prstGeom prst="rect">
-            <a:avLst/>
-          </a:prstGeom>
-        </p:spPr>
-      </p:pic>
-      <p:sp>
-        <p:nvSpPr>
-          <p:cNvPr id="2" name="Title 1">
-            <a:extLst>
-              <a:ext uri="{FF2B5EF4-FFF2-40B4-BE49-F238E27FC236}">
-                <a16:creationId xmlns:a16="http://schemas.microsoft.com/office/drawing/2014/main" id="{89559F60-4CE1-4E2F-86EA-1B60679F1F4A}"/>
-              </a:ext>
-            </a:extLst>
-          </p:cNvPr>
-          <p:cNvSpPr>
-            <a:spLocks noGrp="1"/>
-          </p:cNvSpPr>
-          <p:nvPr>
-            <p:ph type="title"/>
-          </p:nvPr>
-        </p:nvSpPr>
-        <p:spPr>
-          <a:xfrm>
-            <a:off x="3717026" y="507999"/>
-            <a:ext cx="4538124" cy="970450"/>
-          </a:xfrm>
-        </p:spPr>
-        <p:txBody>
-          <a:bodyPr anchor="b">
-            <a:normAutofit fontScale="90000"/>
-          </a:bodyPr>
-          <a:lstStyle/>
-          <a:p>
-            <a:pPr algn="l"/>
-            <a:r>
-              <a:rPr lang="en-US" sz="4000" dirty="0" err="1"/>
-              <a:t>employee_sat</a:t>
-            </a:r>
-            <a:r>
-              <a:rPr lang="en-US" sz="4000" dirty="0"/>
-              <a:t> (employee satisfaction) v/s Status	</a:t>
-            </a:r>
-          </a:p>
-        </p:txBody>
-      </p:sp>
-      <p:sp>
-        <p:nvSpPr>
-          <p:cNvPr id="24" name="Content Placeholder 2">
-            <a:extLst>
-              <a:ext uri="{FF2B5EF4-FFF2-40B4-BE49-F238E27FC236}">
-                <a16:creationId xmlns:a16="http://schemas.microsoft.com/office/drawing/2014/main" id="{F260476B-CCA6-412B-A9C5-399C34AE6F05}"/>
-              </a:ext>
-            </a:extLst>
-          </p:cNvPr>
-          <p:cNvSpPr>
-            <a:spLocks noGrp="1"/>
-          </p:cNvSpPr>
-          <p:nvPr>
-            <p:ph idx="1"/>
-          </p:nvPr>
-        </p:nvSpPr>
-        <p:spPr>
-          <a:xfrm>
-            <a:off x="3420533" y="1732449"/>
-            <a:ext cx="8554720" cy="4871551"/>
-          </a:xfrm>
-        </p:spPr>
-        <p:txBody>
-          <a:bodyPr anchor="t">
-            <a:normAutofit/>
-          </a:bodyPr>
-          <a:lstStyle/>
-          <a:p>
-            <a:r>
-              <a:rPr lang="en-US" sz="2400" dirty="0"/>
-              <a:t>p4 &lt;- </a:t>
-            </a:r>
-            <a:r>
-              <a:rPr lang="en-US" sz="2400" dirty="0" err="1"/>
-              <a:t>ggplot</a:t>
-            </a:r>
-            <a:r>
-              <a:rPr lang="en-US" sz="2400" dirty="0"/>
-              <a:t>(data, </a:t>
-            </a:r>
-            <a:r>
-              <a:rPr lang="en-US" sz="2400" dirty="0" err="1"/>
-              <a:t>aes</a:t>
-            </a:r>
-            <a:r>
-              <a:rPr lang="en-US" sz="2400" dirty="0"/>
-              <a:t>(x=</a:t>
-            </a:r>
-            <a:r>
-              <a:rPr lang="en-US" sz="2400" dirty="0" err="1"/>
-              <a:t>status,y</a:t>
-            </a:r>
-            <a:r>
-              <a:rPr lang="en-US" sz="2400" dirty="0"/>
-              <a:t>=</a:t>
-            </a:r>
-            <a:r>
-              <a:rPr lang="en-US" sz="2400" dirty="0" err="1"/>
-              <a:t>employee_sat</a:t>
-            </a:r>
-            <a:r>
-              <a:rPr lang="en-US" sz="2400" dirty="0"/>
-              <a:t>)) + </a:t>
-            </a:r>
-            <a:r>
-              <a:rPr lang="en-US" sz="2400" dirty="0" err="1"/>
-              <a:t>geom_violin</a:t>
-            </a:r>
-            <a:r>
-              <a:rPr lang="en-US" sz="2400" dirty="0"/>
-              <a:t>()</a:t>
-            </a:r>
-          </a:p>
-          <a:p>
-            <a:r>
-              <a:rPr lang="en-US" sz="2400" dirty="0"/>
-              <a:t>p4 + </a:t>
-            </a:r>
-            <a:r>
-              <a:rPr lang="en-US" sz="2400" dirty="0" err="1"/>
-              <a:t>geom_violin</a:t>
-            </a:r>
-            <a:r>
-              <a:rPr lang="en-US" sz="2400" dirty="0"/>
-              <a:t>(trim = TRUE) + </a:t>
-            </a:r>
-            <a:r>
-              <a:rPr lang="en-US" sz="2400" dirty="0" err="1"/>
-              <a:t>geom_violin</a:t>
-            </a:r>
-            <a:r>
-              <a:rPr lang="en-US" sz="2400" dirty="0"/>
-              <a:t>(</a:t>
-            </a:r>
-            <a:r>
-              <a:rPr lang="en-US" sz="2400" dirty="0" err="1"/>
-              <a:t>draw_quantiles</a:t>
-            </a:r>
-            <a:r>
-              <a:rPr lang="en-US" sz="2400" dirty="0"/>
-              <a:t> = c(0.25,0.5,0.75)) </a:t>
-            </a:r>
-          </a:p>
-          <a:p>
-            <a:r>
-              <a:rPr lang="en-US" sz="2400" dirty="0"/>
-              <a:t>Quite interesting to see the skewness in the plots. For the one who underwent attrition, its more skewed on the right whereas the ones who did not undergo attrition, skewness was on the left hand side.</a:t>
-            </a:r>
-          </a:p>
-          <a:p>
-            <a:r>
-              <a:rPr lang="en-US" sz="2400" dirty="0"/>
-              <a:t>The violin plots can  be compared with the mean, median and mode value for employee satisfaction v/s status</a:t>
-            </a:r>
-          </a:p>
-          <a:p>
-            <a:endParaRPr lang="en-US" sz="2400" dirty="0"/>
-          </a:p>
-        </p:txBody>
-      </p:sp>
-      <p:pic>
-        <p:nvPicPr>
-          <p:cNvPr id="5" name="Picture 4">
-            <a:extLst>
-              <a:ext uri="{FF2B5EF4-FFF2-40B4-BE49-F238E27FC236}">
-                <a16:creationId xmlns:a16="http://schemas.microsoft.com/office/drawing/2014/main" id="{0F51F33D-B13A-4296-8220-131E443D988E}"/>
-              </a:ext>
-            </a:extLst>
-          </p:cNvPr>
-          <p:cNvPicPr>
-            <a:picLocks noChangeAspect="1"/>
-          </p:cNvPicPr>
-          <p:nvPr/>
-        </p:nvPicPr>
-        <p:blipFill>
-          <a:blip r:embed="rId7"/>
-          <a:stretch>
-            <a:fillRect/>
-          </a:stretch>
-        </p:blipFill>
-        <p:spPr>
-          <a:xfrm>
-            <a:off x="-2526454" y="-12"/>
-            <a:ext cx="5255092" cy="6858000"/>
-          </a:xfrm>
-          <a:prstGeom prst="rect">
-            <a:avLst/>
-          </a:prstGeom>
-        </p:spPr>
-      </p:pic>
-    </p:spTree>
-    <p:extLst>
-      <p:ext uri="{BB962C8B-B14F-4D97-AF65-F5344CB8AC3E}">
-        <p14:creationId xmlns:p14="http://schemas.microsoft.com/office/powerpoint/2010/main" val="139111923"/>
-      </p:ext>
-    </p:extLst>
-  </p:cSld>
-  <p:clrMapOvr>
-    <a:masterClrMapping/>
-  </p:clrMapOvr>
-</p:sld>
-</file>
-
-<file path=ppt/slides/slide13.xml><?xml version="1.0" encoding="utf-8"?>
-<p:sld xmlns:a="http://schemas.openxmlformats.org/drawingml/2006/main" xmlns:r="http://schemas.openxmlformats.org/officeDocument/2006/relationships" xmlns:p="http://schemas.openxmlformats.org/presentationml/2006/main">
-  <p:cSld>
-    <p:bg>
-      <p:bgPr>
-        <a:blipFill rotWithShape="1">
-          <a:blip r:embed="rId4">
-            <a:duotone>
-              <a:schemeClr val="bg1">
-                <a:shade val="80000"/>
-                <a:lumMod val="80000"/>
-              </a:schemeClr>
-              <a:schemeClr val="bg1">
-                <a:tint val="98000"/>
-              </a:schemeClr>
-            </a:duotone>
-          </a:blip>
-          <a:stretch/>
-        </a:blipFill>
-        <a:effectLst/>
-      </p:bgPr>
-    </p:bg>
-    <p:spTree>
-      <p:nvGrpSpPr>
-        <p:cNvPr id="1" name=""/>
-        <p:cNvGrpSpPr/>
-        <p:nvPr/>
-      </p:nvGrpSpPr>
-      <p:grpSpPr>
-        <a:xfrm>
-          <a:off x="0" y="0"/>
-          <a:ext cx="0" cy="0"/>
-          <a:chOff x="0" y="0"/>
-          <a:chExt cx="0" cy="0"/>
-        </a:xfrm>
-      </p:grpSpPr>
-      <p:sp useBgFill="1">
-        <p:nvSpPr>
-          <p:cNvPr id="55" name="Rectangle 54">
-            <a:extLst>
-              <a:ext uri="{FF2B5EF4-FFF2-40B4-BE49-F238E27FC236}">
-                <a16:creationId xmlns:a16="http://schemas.microsoft.com/office/drawing/2014/main" id="{0EF2A0DA-AE81-4A45-972E-646AC2870C2F}"/>
-              </a:ext>
-              <a:ext uri="{C183D7F6-B498-43B3-948B-1728B52AA6E4}">
-                <adec:decorative xmlns:adec="http://schemas.microsoft.com/office/drawing/2017/decorative" val="1"/>
-              </a:ext>
-            </a:extLst>
-          </p:cNvPr>
-          <p:cNvSpPr>
-            <a:spLocks noGrp="1" noRot="1" noChangeAspect="1" noMove="1" noResize="1" noEditPoints="1" noAdjustHandles="1" noChangeArrowheads="1" noChangeShapeType="1" noTextEdit="1"/>
-          </p:cNvSpPr>
-          <p:nvPr>
-            <p:extLst>
-              <p:ext uri="{386F3935-93C4-4BCD-93E2-E3B085C9AB24}">
-                <p16:designElem xmlns:p16="http://schemas.microsoft.com/office/powerpoint/2015/main" val="1"/>
-              </p:ext>
-            </p:extLst>
-          </p:nvPr>
-        </p:nvSpPr>
-        <p:spPr>
-          <a:xfrm>
-            <a:off x="0" y="0"/>
-            <a:ext cx="12192000" cy="6858000"/>
-          </a:xfrm>
-          <a:prstGeom prst="rect">
-            <a:avLst/>
-          </a:prstGeom>
-          <a:ln>
-            <a:noFill/>
-          </a:ln>
-        </p:spPr>
-        <p:style>
-          <a:lnRef idx="2">
-            <a:schemeClr val="accent1">
-              <a:shade val="50000"/>
-            </a:schemeClr>
-          </a:lnRef>
-          <a:fillRef idx="1">
-            <a:schemeClr val="accent1"/>
-          </a:fillRef>
-          <a:effectRef idx="0">
-            <a:schemeClr val="accent1"/>
-          </a:effectRef>
-          <a:fontRef idx="minor">
-            <a:schemeClr val="lt1"/>
-          </a:fontRef>
-        </p:style>
-        <p:txBody>
-          <a:bodyPr rtlCol="0" anchor="ctr"/>
-          <a:lstStyle/>
-          <a:p>
-            <a:pPr marL="0" marR="0" lvl="0" indent="0" algn="ctr" defTabSz="914400" rtl="0" eaLnBrk="1" fontAlgn="auto" latinLnBrk="0" hangingPunct="1">
-              <a:lnSpc>
-                <a:spcPct val="100000"/>
-              </a:lnSpc>
-              <a:spcBef>
-                <a:spcPts val="0"/>
-              </a:spcBef>
-              <a:spcAft>
-                <a:spcPts val="0"/>
-              </a:spcAft>
-              <a:buClrTx/>
-              <a:buSzTx/>
-              <a:buFontTx/>
-              <a:buNone/>
-              <a:tabLst/>
-              <a:defRPr/>
-            </a:pPr>
-            <a:endParaRPr kumimoji="0" lang="en-US" sz="1800" b="0" i="0" u="none" strike="noStrike" kern="1200" cap="none" spc="0" normalizeH="0" baseline="0" noProof="0" dirty="0">
-              <a:ln>
-                <a:noFill/>
-              </a:ln>
-              <a:solidFill>
-                <a:prstClr val="white"/>
-              </a:solidFill>
-              <a:effectLst/>
-              <a:uLnTx/>
-              <a:uFillTx/>
-              <a:latin typeface="Goudy Old Style"/>
-              <a:ea typeface="+mn-ea"/>
-              <a:cs typeface="+mn-cs"/>
-            </a:endParaRPr>
-          </a:p>
-        </p:txBody>
-      </p:sp>
-      <p:pic>
-        <p:nvPicPr>
-          <p:cNvPr id="3" name="Picture 2">
-            <a:extLst>
-              <a:ext uri="{FF2B5EF4-FFF2-40B4-BE49-F238E27FC236}">
-                <a16:creationId xmlns:a16="http://schemas.microsoft.com/office/drawing/2014/main" id="{72B2D6DE-C9B5-4678-91EF-77E85F2350DA}"/>
-              </a:ext>
-              <a:ext uri="{C183D7F6-B498-43B3-948B-1728B52AA6E4}">
-                <adec:decorative xmlns:adec="http://schemas.microsoft.com/office/drawing/2017/decorative" val="1"/>
-              </a:ext>
-            </a:extLst>
-          </p:cNvPr>
-          <p:cNvPicPr>
-            <a:picLocks noChangeAspect="1"/>
-          </p:cNvPicPr>
-          <p:nvPr/>
-        </p:nvPicPr>
-        <p:blipFill rotWithShape="1">
-          <a:blip r:embed="rId5">
-            <a:extLst>
-              <a:ext uri="{28A0092B-C50C-407E-A947-70E740481C1C}">
-                <a14:useLocalDpi xmlns:a14="http://schemas.microsoft.com/office/drawing/2010/main" val="0"/>
-              </a:ext>
-            </a:extLst>
-          </a:blip>
-          <a:srcRect b="-1"/>
-          <a:stretch/>
-        </p:blipFill>
-        <p:spPr>
-          <a:xfrm>
-            <a:off x="-2826328" y="-1"/>
-            <a:ext cx="6096000" cy="6857990"/>
-          </a:xfrm>
-          <a:prstGeom prst="rect">
-            <a:avLst/>
-          </a:prstGeom>
-        </p:spPr>
-      </p:pic>
-      <p:pic>
-        <p:nvPicPr>
-          <p:cNvPr id="57" name="Picture 56">
-            <a:extLst>
-              <a:ext uri="{FF2B5EF4-FFF2-40B4-BE49-F238E27FC236}">
-                <a16:creationId xmlns:a16="http://schemas.microsoft.com/office/drawing/2014/main" id="{B536FA4E-0152-4E27-91DA-0FC22D1846BB}"/>
-              </a:ext>
-              <a:ext uri="{C183D7F6-B498-43B3-948B-1728B52AA6E4}">
-                <adec:decorative xmlns:adec="http://schemas.microsoft.com/office/drawing/2017/decorative" val="1"/>
-              </a:ext>
-            </a:extLst>
-          </p:cNvPr>
-          <p:cNvPicPr>
-            <a:picLocks noGrp="1" noRot="1" noChangeAspect="1" noMove="1" noResize="1" noEditPoints="1" noAdjustHandles="1" noChangeArrowheads="1" noChangeShapeType="1" noCrop="1"/>
-          </p:cNvPicPr>
-          <p:nvPr>
-            <p:extLst>
-              <p:ext uri="{386F3935-93C4-4BCD-93E2-E3B085C9AB24}">
-                <p16:designElem xmlns:p16="http://schemas.microsoft.com/office/powerpoint/2015/main" val="1"/>
-              </p:ext>
-            </p:extLst>
-          </p:nvPr>
-        </p:nvPicPr>
-        <p:blipFill rotWithShape="1">
-          <a:blip r:embed="rId6">
-            <a:extLst>
-              <a:ext uri="{28A0092B-C50C-407E-A947-70E740481C1C}">
-                <a14:useLocalDpi xmlns:a14="http://schemas.microsoft.com/office/drawing/2010/main" val="0"/>
-              </a:ext>
-            </a:extLst>
-          </a:blip>
-          <a:srcRect/>
-          <a:stretch/>
-        </p:blipFill>
-        <p:spPr>
-          <a:xfrm>
-            <a:off x="6257026" y="1"/>
-            <a:ext cx="5934973" cy="6858000"/>
-          </a:xfrm>
-          <a:prstGeom prst="rect">
-            <a:avLst/>
-          </a:prstGeom>
-        </p:spPr>
-      </p:pic>
-      <p:sp>
-        <p:nvSpPr>
-          <p:cNvPr id="2" name="Title 1">
-            <a:extLst>
-              <a:ext uri="{FF2B5EF4-FFF2-40B4-BE49-F238E27FC236}">
-                <a16:creationId xmlns:a16="http://schemas.microsoft.com/office/drawing/2014/main" id="{89559F60-4CE1-4E2F-86EA-1B60679F1F4A}"/>
-              </a:ext>
-            </a:extLst>
-          </p:cNvPr>
-          <p:cNvSpPr>
-            <a:spLocks noGrp="1"/>
-          </p:cNvSpPr>
-          <p:nvPr>
-            <p:ph type="title"/>
-          </p:nvPr>
-        </p:nvSpPr>
-        <p:spPr>
-          <a:xfrm>
-            <a:off x="3717026" y="507999"/>
-            <a:ext cx="4538124" cy="970450"/>
-          </a:xfrm>
-        </p:spPr>
-        <p:txBody>
-          <a:bodyPr anchor="b">
-            <a:normAutofit/>
-          </a:bodyPr>
-          <a:lstStyle/>
-          <a:p>
-            <a:pPr algn="l"/>
-            <a:r>
-              <a:rPr lang="en-US" sz="4000" dirty="0"/>
-              <a:t>Bonus v/s Status	</a:t>
-            </a:r>
-          </a:p>
-        </p:txBody>
-      </p:sp>
-      <p:sp>
-        <p:nvSpPr>
-          <p:cNvPr id="24" name="Content Placeholder 2">
-            <a:extLst>
-              <a:ext uri="{FF2B5EF4-FFF2-40B4-BE49-F238E27FC236}">
-                <a16:creationId xmlns:a16="http://schemas.microsoft.com/office/drawing/2014/main" id="{F260476B-CCA6-412B-A9C5-399C34AE6F05}"/>
-              </a:ext>
-            </a:extLst>
-          </p:cNvPr>
-          <p:cNvSpPr>
-            <a:spLocks noGrp="1"/>
-          </p:cNvSpPr>
-          <p:nvPr>
-            <p:ph idx="1"/>
-          </p:nvPr>
-        </p:nvSpPr>
-        <p:spPr>
-          <a:xfrm>
-            <a:off x="3420533" y="1732449"/>
-            <a:ext cx="8554720" cy="4871551"/>
-          </a:xfrm>
-        </p:spPr>
-        <p:txBody>
-          <a:bodyPr anchor="t">
-            <a:normAutofit/>
-          </a:bodyPr>
-          <a:lstStyle/>
-          <a:p>
-            <a:r>
-              <a:rPr lang="en-US" sz="2400" dirty="0"/>
-              <a:t>p5 &lt;- </a:t>
-            </a:r>
-            <a:r>
-              <a:rPr lang="en-US" sz="2400" dirty="0" err="1"/>
-              <a:t>ggplot</a:t>
-            </a:r>
-            <a:r>
-              <a:rPr lang="en-US" sz="2400" dirty="0"/>
-              <a:t>(data, </a:t>
-            </a:r>
-            <a:r>
-              <a:rPr lang="en-US" sz="2400" dirty="0" err="1"/>
-              <a:t>aes</a:t>
-            </a:r>
-            <a:r>
-              <a:rPr lang="en-US" sz="2400" dirty="0"/>
-              <a:t>(x=</a:t>
-            </a:r>
-            <a:r>
-              <a:rPr lang="en-US" sz="2400" dirty="0" err="1"/>
-              <a:t>status,y</a:t>
-            </a:r>
-            <a:r>
-              <a:rPr lang="en-US" sz="2400" dirty="0"/>
-              <a:t>=bonus)) + </a:t>
-            </a:r>
-            <a:r>
-              <a:rPr lang="en-US" sz="2400" dirty="0" err="1"/>
-              <a:t>geom_violin</a:t>
-            </a:r>
-            <a:r>
-              <a:rPr lang="en-US" sz="2400" dirty="0"/>
-              <a:t>()</a:t>
-            </a:r>
-          </a:p>
-          <a:p>
-            <a:r>
-              <a:rPr lang="en-US" sz="2400" dirty="0"/>
-              <a:t>p5 + </a:t>
-            </a:r>
-            <a:r>
-              <a:rPr lang="en-US" sz="2400" dirty="0" err="1"/>
-              <a:t>geom_violin</a:t>
-            </a:r>
-            <a:r>
-              <a:rPr lang="en-US" sz="2400" dirty="0"/>
-              <a:t>(trim = TRUE) + </a:t>
-            </a:r>
-            <a:r>
-              <a:rPr lang="en-US" sz="2400" dirty="0" err="1"/>
-              <a:t>geom_violin</a:t>
-            </a:r>
-            <a:r>
-              <a:rPr lang="en-US" sz="2400" dirty="0"/>
-              <a:t>(</a:t>
-            </a:r>
-            <a:r>
-              <a:rPr lang="en-US" sz="2400" dirty="0" err="1"/>
-              <a:t>draw_quantiles</a:t>
-            </a:r>
-            <a:r>
-              <a:rPr lang="en-US" sz="2400" dirty="0"/>
-              <a:t> = c(0.25,0.5,0.75))</a:t>
-            </a:r>
-          </a:p>
-          <a:p>
-            <a:r>
-              <a:rPr lang="en-US" sz="2400" dirty="0"/>
-              <a:t>The violin plots can  be compared with the mean, median and mode value for bonus v/s status</a:t>
-            </a:r>
-          </a:p>
-          <a:p>
-            <a:endParaRPr lang="en-US" sz="2400" dirty="0"/>
-          </a:p>
-        </p:txBody>
-      </p:sp>
-      <p:pic>
-        <p:nvPicPr>
-          <p:cNvPr id="6" name="Picture 5">
-            <a:extLst>
-              <a:ext uri="{FF2B5EF4-FFF2-40B4-BE49-F238E27FC236}">
-                <a16:creationId xmlns:a16="http://schemas.microsoft.com/office/drawing/2014/main" id="{B9833F68-FD71-4F88-A1CC-707CAC8EAEF5}"/>
-              </a:ext>
-            </a:extLst>
-          </p:cNvPr>
-          <p:cNvPicPr>
-            <a:picLocks noChangeAspect="1"/>
-          </p:cNvPicPr>
-          <p:nvPr/>
-        </p:nvPicPr>
-        <p:blipFill>
-          <a:blip r:embed="rId7"/>
-          <a:stretch>
-            <a:fillRect/>
-          </a:stretch>
-        </p:blipFill>
-        <p:spPr>
-          <a:xfrm>
-            <a:off x="-2679691" y="-12"/>
-            <a:ext cx="5792875" cy="6858000"/>
-          </a:xfrm>
-          <a:prstGeom prst="rect">
-            <a:avLst/>
-          </a:prstGeom>
-        </p:spPr>
-      </p:pic>
-    </p:spTree>
-    <p:extLst>
-      <p:ext uri="{BB962C8B-B14F-4D97-AF65-F5344CB8AC3E}">
-        <p14:creationId xmlns:p14="http://schemas.microsoft.com/office/powerpoint/2010/main" val="2264871833"/>
-      </p:ext>
-    </p:extLst>
-  </p:cSld>
-  <p:clrMapOvr>
-    <a:masterClrMapping/>
-  </p:clrMapOvr>
-</p:sld>
-</file>
-
-<file path=ppt/slides/slide14.xml><?xml version="1.0" encoding="utf-8"?>
-<p:sld xmlns:a="http://schemas.openxmlformats.org/drawingml/2006/main" xmlns:r="http://schemas.openxmlformats.org/officeDocument/2006/relationships" xmlns:p="http://schemas.openxmlformats.org/presentationml/2006/main">
-  <p:cSld>
-    <p:bg>
-      <p:bgPr>
-        <a:blipFill rotWithShape="1">
-          <a:blip r:embed="rId4">
-            <a:duotone>
-              <a:schemeClr val="bg1">
-                <a:shade val="80000"/>
-                <a:lumMod val="80000"/>
-              </a:schemeClr>
-              <a:schemeClr val="bg1">
-                <a:tint val="98000"/>
-              </a:schemeClr>
-            </a:duotone>
-          </a:blip>
-          <a:stretch/>
-        </a:blipFill>
-        <a:effectLst/>
-      </p:bgPr>
-    </p:bg>
-    <p:spTree>
-      <p:nvGrpSpPr>
-        <p:cNvPr id="1" name=""/>
-        <p:cNvGrpSpPr/>
-        <p:nvPr/>
-      </p:nvGrpSpPr>
-      <p:grpSpPr>
-        <a:xfrm>
-          <a:off x="0" y="0"/>
-          <a:ext cx="0" cy="0"/>
-          <a:chOff x="0" y="0"/>
-          <a:chExt cx="0" cy="0"/>
-        </a:xfrm>
-      </p:grpSpPr>
-      <p:sp useBgFill="1">
-        <p:nvSpPr>
-          <p:cNvPr id="55" name="Rectangle 54">
-            <a:extLst>
-              <a:ext uri="{FF2B5EF4-FFF2-40B4-BE49-F238E27FC236}">
-                <a16:creationId xmlns:a16="http://schemas.microsoft.com/office/drawing/2014/main" id="{0EF2A0DA-AE81-4A45-972E-646AC2870C2F}"/>
-              </a:ext>
-              <a:ext uri="{C183D7F6-B498-43B3-948B-1728B52AA6E4}">
-                <adec:decorative xmlns:adec="http://schemas.microsoft.com/office/drawing/2017/decorative" val="1"/>
-              </a:ext>
-            </a:extLst>
-          </p:cNvPr>
-          <p:cNvSpPr>
-            <a:spLocks noGrp="1" noRot="1" noChangeAspect="1" noMove="1" noResize="1" noEditPoints="1" noAdjustHandles="1" noChangeArrowheads="1" noChangeShapeType="1" noTextEdit="1"/>
-          </p:cNvSpPr>
-          <p:nvPr>
-            <p:extLst>
-              <p:ext uri="{386F3935-93C4-4BCD-93E2-E3B085C9AB24}">
-                <p16:designElem xmlns:p16="http://schemas.microsoft.com/office/powerpoint/2015/main" val="1"/>
-              </p:ext>
-            </p:extLst>
-          </p:nvPr>
-        </p:nvSpPr>
-        <p:spPr>
-          <a:xfrm>
-            <a:off x="0" y="0"/>
-            <a:ext cx="12192000" cy="6858000"/>
-          </a:xfrm>
-          <a:prstGeom prst="rect">
-            <a:avLst/>
-          </a:prstGeom>
-          <a:ln>
-            <a:noFill/>
-          </a:ln>
-        </p:spPr>
-        <p:style>
-          <a:lnRef idx="2">
-            <a:schemeClr val="accent1">
-              <a:shade val="50000"/>
-            </a:schemeClr>
-          </a:lnRef>
-          <a:fillRef idx="1">
-            <a:schemeClr val="accent1"/>
-          </a:fillRef>
-          <a:effectRef idx="0">
-            <a:schemeClr val="accent1"/>
-          </a:effectRef>
-          <a:fontRef idx="minor">
-            <a:schemeClr val="lt1"/>
-          </a:fontRef>
-        </p:style>
-        <p:txBody>
-          <a:bodyPr rtlCol="0" anchor="ctr"/>
-          <a:lstStyle/>
-          <a:p>
-            <a:pPr marL="0" marR="0" lvl="0" indent="0" algn="ctr" defTabSz="914400" rtl="0" eaLnBrk="1" fontAlgn="auto" latinLnBrk="0" hangingPunct="1">
-              <a:lnSpc>
-                <a:spcPct val="100000"/>
-              </a:lnSpc>
-              <a:spcBef>
-                <a:spcPts val="0"/>
-              </a:spcBef>
-              <a:spcAft>
-                <a:spcPts val="0"/>
-              </a:spcAft>
-              <a:buClrTx/>
-              <a:buSzTx/>
-              <a:buFontTx/>
-              <a:buNone/>
-              <a:tabLst/>
-              <a:defRPr/>
-            </a:pPr>
-            <a:endParaRPr kumimoji="0" lang="en-US" sz="1800" b="0" i="0" u="none" strike="noStrike" kern="1200" cap="none" spc="0" normalizeH="0" baseline="0" noProof="0" dirty="0">
-              <a:ln>
-                <a:noFill/>
-              </a:ln>
-              <a:solidFill>
-                <a:prstClr val="white"/>
-              </a:solidFill>
-              <a:effectLst/>
-              <a:uLnTx/>
-              <a:uFillTx/>
-              <a:latin typeface="Goudy Old Style"/>
-              <a:ea typeface="+mn-ea"/>
-              <a:cs typeface="+mn-cs"/>
-            </a:endParaRPr>
-          </a:p>
-        </p:txBody>
-      </p:sp>
-      <p:pic>
-        <p:nvPicPr>
-          <p:cNvPr id="3" name="Picture 2">
-            <a:extLst>
-              <a:ext uri="{FF2B5EF4-FFF2-40B4-BE49-F238E27FC236}">
-                <a16:creationId xmlns:a16="http://schemas.microsoft.com/office/drawing/2014/main" id="{72B2D6DE-C9B5-4678-91EF-77E85F2350DA}"/>
-              </a:ext>
-              <a:ext uri="{C183D7F6-B498-43B3-948B-1728B52AA6E4}">
-                <adec:decorative xmlns:adec="http://schemas.microsoft.com/office/drawing/2017/decorative" val="1"/>
-              </a:ext>
-            </a:extLst>
-          </p:cNvPr>
-          <p:cNvPicPr>
-            <a:picLocks noChangeAspect="1"/>
-          </p:cNvPicPr>
-          <p:nvPr/>
-        </p:nvPicPr>
-        <p:blipFill rotWithShape="1">
-          <a:blip r:embed="rId5">
-            <a:extLst>
-              <a:ext uri="{28A0092B-C50C-407E-A947-70E740481C1C}">
-                <a14:useLocalDpi xmlns:a14="http://schemas.microsoft.com/office/drawing/2010/main" val="0"/>
-              </a:ext>
-            </a:extLst>
-          </a:blip>
-          <a:srcRect b="-1"/>
-          <a:stretch/>
-        </p:blipFill>
-        <p:spPr>
-          <a:xfrm>
-            <a:off x="-2826328" y="-1"/>
-            <a:ext cx="6096000" cy="6857990"/>
-          </a:xfrm>
-          <a:prstGeom prst="rect">
-            <a:avLst/>
-          </a:prstGeom>
-        </p:spPr>
-      </p:pic>
-      <p:pic>
-        <p:nvPicPr>
-          <p:cNvPr id="57" name="Picture 56">
-            <a:extLst>
-              <a:ext uri="{FF2B5EF4-FFF2-40B4-BE49-F238E27FC236}">
-                <a16:creationId xmlns:a16="http://schemas.microsoft.com/office/drawing/2014/main" id="{B536FA4E-0152-4E27-91DA-0FC22D1846BB}"/>
-              </a:ext>
-              <a:ext uri="{C183D7F6-B498-43B3-948B-1728B52AA6E4}">
-                <adec:decorative xmlns:adec="http://schemas.microsoft.com/office/drawing/2017/decorative" val="1"/>
-              </a:ext>
-            </a:extLst>
-          </p:cNvPr>
-          <p:cNvPicPr>
-            <a:picLocks noGrp="1" noRot="1" noChangeAspect="1" noMove="1" noResize="1" noEditPoints="1" noAdjustHandles="1" noChangeArrowheads="1" noChangeShapeType="1" noCrop="1"/>
-          </p:cNvPicPr>
-          <p:nvPr>
-            <p:extLst>
-              <p:ext uri="{386F3935-93C4-4BCD-93E2-E3B085C9AB24}">
-                <p16:designElem xmlns:p16="http://schemas.microsoft.com/office/powerpoint/2015/main" val="1"/>
-              </p:ext>
-            </p:extLst>
-          </p:nvPr>
-        </p:nvPicPr>
-        <p:blipFill rotWithShape="1">
-          <a:blip r:embed="rId6">
-            <a:extLst>
-              <a:ext uri="{28A0092B-C50C-407E-A947-70E740481C1C}">
-                <a14:useLocalDpi xmlns:a14="http://schemas.microsoft.com/office/drawing/2010/main" val="0"/>
-              </a:ext>
-            </a:extLst>
-          </a:blip>
-          <a:srcRect/>
-          <a:stretch/>
-        </p:blipFill>
-        <p:spPr>
-          <a:xfrm>
-            <a:off x="6257026" y="1"/>
-            <a:ext cx="5934973" cy="6858000"/>
-          </a:xfrm>
-          <a:prstGeom prst="rect">
-            <a:avLst/>
-          </a:prstGeom>
-        </p:spPr>
-      </p:pic>
-      <p:sp>
-        <p:nvSpPr>
-          <p:cNvPr id="2" name="Title 1">
-            <a:extLst>
-              <a:ext uri="{FF2B5EF4-FFF2-40B4-BE49-F238E27FC236}">
-                <a16:creationId xmlns:a16="http://schemas.microsoft.com/office/drawing/2014/main" id="{89559F60-4CE1-4E2F-86EA-1B60679F1F4A}"/>
-              </a:ext>
-            </a:extLst>
-          </p:cNvPr>
-          <p:cNvSpPr>
-            <a:spLocks noGrp="1"/>
-          </p:cNvSpPr>
-          <p:nvPr>
-            <p:ph type="title"/>
-          </p:nvPr>
-        </p:nvSpPr>
-        <p:spPr>
-          <a:xfrm>
-            <a:off x="3717026" y="507999"/>
-            <a:ext cx="4538124" cy="970450"/>
-          </a:xfrm>
-        </p:spPr>
-        <p:txBody>
-          <a:bodyPr anchor="b">
-            <a:normAutofit fontScale="90000"/>
-          </a:bodyPr>
-          <a:lstStyle/>
-          <a:p>
-            <a:pPr algn="l"/>
-            <a:r>
-              <a:rPr lang="en-US" sz="4000" dirty="0"/>
-              <a:t>No of courses taken v/s Status	</a:t>
-            </a:r>
-          </a:p>
-        </p:txBody>
-      </p:sp>
-      <p:sp>
-        <p:nvSpPr>
-          <p:cNvPr id="24" name="Content Placeholder 2">
-            <a:extLst>
-              <a:ext uri="{FF2B5EF4-FFF2-40B4-BE49-F238E27FC236}">
-                <a16:creationId xmlns:a16="http://schemas.microsoft.com/office/drawing/2014/main" id="{F260476B-CCA6-412B-A9C5-399C34AE6F05}"/>
-              </a:ext>
-            </a:extLst>
-          </p:cNvPr>
-          <p:cNvSpPr>
-            <a:spLocks noGrp="1"/>
-          </p:cNvSpPr>
-          <p:nvPr>
-            <p:ph idx="1"/>
-          </p:nvPr>
-        </p:nvSpPr>
-        <p:spPr>
-          <a:xfrm>
-            <a:off x="3420533" y="1732449"/>
-            <a:ext cx="8554720" cy="4871551"/>
-          </a:xfrm>
-        </p:spPr>
-        <p:txBody>
-          <a:bodyPr anchor="t">
-            <a:normAutofit/>
-          </a:bodyPr>
-          <a:lstStyle/>
-          <a:p>
-            <a:r>
-              <a:rPr lang="en-US" sz="2400" dirty="0"/>
-              <a:t>p6 &lt;- </a:t>
-            </a:r>
-            <a:r>
-              <a:rPr lang="en-US" sz="2400" dirty="0" err="1"/>
-              <a:t>ggplot</a:t>
-            </a:r>
-            <a:r>
-              <a:rPr lang="en-US" sz="2400" dirty="0"/>
-              <a:t>(data, </a:t>
-            </a:r>
-            <a:r>
-              <a:rPr lang="en-US" sz="2400" dirty="0" err="1"/>
-              <a:t>aes</a:t>
-            </a:r>
-            <a:r>
-              <a:rPr lang="en-US" sz="2400" dirty="0"/>
-              <a:t>(x=</a:t>
-            </a:r>
-            <a:r>
-              <a:rPr lang="en-US" sz="2400" dirty="0" err="1"/>
-              <a:t>status,y</a:t>
-            </a:r>
-            <a:r>
-              <a:rPr lang="en-US" sz="2400" dirty="0"/>
-              <a:t>=</a:t>
-            </a:r>
-            <a:r>
-              <a:rPr lang="en-US" sz="2400" dirty="0" err="1"/>
-              <a:t>no_courses_taken</a:t>
-            </a:r>
-            <a:r>
-              <a:rPr lang="en-US" sz="2400" dirty="0"/>
-              <a:t>)) + </a:t>
-            </a:r>
-            <a:r>
-              <a:rPr lang="en-US" sz="2400" dirty="0" err="1"/>
-              <a:t>geom_violin</a:t>
-            </a:r>
-            <a:r>
-              <a:rPr lang="en-US" sz="2400" dirty="0"/>
-              <a:t>()</a:t>
-            </a:r>
-          </a:p>
-          <a:p>
-            <a:r>
-              <a:rPr lang="en-US" sz="2400" dirty="0"/>
-              <a:t>p6 + </a:t>
-            </a:r>
-            <a:r>
-              <a:rPr lang="en-US" sz="2400" dirty="0" err="1"/>
-              <a:t>geom_violin</a:t>
-            </a:r>
-            <a:r>
-              <a:rPr lang="en-US" sz="2400" dirty="0"/>
-              <a:t>(trim = TRUE) + </a:t>
-            </a:r>
-            <a:r>
-              <a:rPr lang="en-US" sz="2400" dirty="0" err="1"/>
-              <a:t>geom_violin</a:t>
-            </a:r>
-            <a:r>
-              <a:rPr lang="en-US" sz="2400" dirty="0"/>
-              <a:t>(</a:t>
-            </a:r>
-            <a:r>
-              <a:rPr lang="en-US" sz="2400" dirty="0" err="1"/>
-              <a:t>draw_quantiles</a:t>
-            </a:r>
-            <a:r>
-              <a:rPr lang="en-US" sz="2400" dirty="0"/>
-              <a:t> = c(0.25,0.5,0.75)) </a:t>
-            </a:r>
-          </a:p>
-          <a:p>
-            <a:r>
-              <a:rPr lang="en-US" sz="2400" dirty="0"/>
-              <a:t>From the avg, max, min and median, we could conclude that may be the people are not happy with the courses and hence are leaving the company or could be managed horizontally than vertically or vice-versa</a:t>
-            </a:r>
-          </a:p>
-        </p:txBody>
-      </p:sp>
-      <p:pic>
-        <p:nvPicPr>
-          <p:cNvPr id="5" name="Picture 4">
-            <a:extLst>
-              <a:ext uri="{FF2B5EF4-FFF2-40B4-BE49-F238E27FC236}">
-                <a16:creationId xmlns:a16="http://schemas.microsoft.com/office/drawing/2014/main" id="{1D6E4A95-6AFB-42F0-8ABD-01E788EB017A}"/>
-              </a:ext>
-            </a:extLst>
-          </p:cNvPr>
-          <p:cNvPicPr>
-            <a:picLocks noChangeAspect="1"/>
-          </p:cNvPicPr>
-          <p:nvPr/>
-        </p:nvPicPr>
-        <p:blipFill>
-          <a:blip r:embed="rId7"/>
-          <a:stretch>
-            <a:fillRect/>
-          </a:stretch>
-        </p:blipFill>
-        <p:spPr>
-          <a:xfrm>
-            <a:off x="-2615752" y="0"/>
-            <a:ext cx="5744265" cy="6858000"/>
-          </a:xfrm>
-          <a:prstGeom prst="rect">
-            <a:avLst/>
-          </a:prstGeom>
-        </p:spPr>
-      </p:pic>
-    </p:spTree>
-    <p:extLst>
-      <p:ext uri="{BB962C8B-B14F-4D97-AF65-F5344CB8AC3E}">
-        <p14:creationId xmlns:p14="http://schemas.microsoft.com/office/powerpoint/2010/main" val="376533562"/>
-      </p:ext>
-    </p:extLst>
-  </p:cSld>
-  <p:clrMapOvr>
-    <a:masterClrMapping/>
-  </p:clrMapOvr>
-</p:sld>
-</file>
-
-<file path=ppt/slides/slide15.xml><?xml version="1.0" encoding="utf-8"?>
-<p:sld xmlns:a="http://schemas.openxmlformats.org/drawingml/2006/main" xmlns:r="http://schemas.openxmlformats.org/officeDocument/2006/relationships" xmlns:p="http://schemas.openxmlformats.org/presentationml/2006/main">
-  <p:cSld>
-    <p:bg>
-      <p:bgPr>
-        <a:blipFill rotWithShape="1">
-          <a:blip r:embed="rId4">
-            <a:duotone>
-              <a:schemeClr val="bg1">
-                <a:shade val="80000"/>
-                <a:lumMod val="80000"/>
-              </a:schemeClr>
-              <a:schemeClr val="bg1">
-                <a:tint val="98000"/>
-              </a:schemeClr>
-            </a:duotone>
-          </a:blip>
-          <a:stretch/>
-        </a:blipFill>
-        <a:effectLst/>
-      </p:bgPr>
-    </p:bg>
-    <p:spTree>
-      <p:nvGrpSpPr>
-        <p:cNvPr id="1" name=""/>
-        <p:cNvGrpSpPr/>
-        <p:nvPr/>
-      </p:nvGrpSpPr>
-      <p:grpSpPr>
-        <a:xfrm>
-          <a:off x="0" y="0"/>
-          <a:ext cx="0" cy="0"/>
-          <a:chOff x="0" y="0"/>
-          <a:chExt cx="0" cy="0"/>
-        </a:xfrm>
-      </p:grpSpPr>
-      <p:sp useBgFill="1">
-        <p:nvSpPr>
-          <p:cNvPr id="55" name="Rectangle 54">
-            <a:extLst>
-              <a:ext uri="{FF2B5EF4-FFF2-40B4-BE49-F238E27FC236}">
-                <a16:creationId xmlns:a16="http://schemas.microsoft.com/office/drawing/2014/main" id="{0EF2A0DA-AE81-4A45-972E-646AC2870C2F}"/>
-              </a:ext>
-              <a:ext uri="{C183D7F6-B498-43B3-948B-1728B52AA6E4}">
-                <adec:decorative xmlns:adec="http://schemas.microsoft.com/office/drawing/2017/decorative" val="1"/>
-              </a:ext>
-            </a:extLst>
-          </p:cNvPr>
-          <p:cNvSpPr>
-            <a:spLocks noGrp="1" noRot="1" noChangeAspect="1" noMove="1" noResize="1" noEditPoints="1" noAdjustHandles="1" noChangeArrowheads="1" noChangeShapeType="1" noTextEdit="1"/>
-          </p:cNvSpPr>
-          <p:nvPr>
-            <p:extLst>
-              <p:ext uri="{386F3935-93C4-4BCD-93E2-E3B085C9AB24}">
-                <p16:designElem xmlns:p16="http://schemas.microsoft.com/office/powerpoint/2015/main" val="1"/>
-              </p:ext>
-            </p:extLst>
-          </p:nvPr>
-        </p:nvSpPr>
-        <p:spPr>
-          <a:xfrm>
-            <a:off x="0" y="0"/>
-            <a:ext cx="12192000" cy="6858000"/>
-          </a:xfrm>
-          <a:prstGeom prst="rect">
-            <a:avLst/>
-          </a:prstGeom>
-          <a:ln>
-            <a:noFill/>
-          </a:ln>
-        </p:spPr>
-        <p:style>
-          <a:lnRef idx="2">
-            <a:schemeClr val="accent1">
-              <a:shade val="50000"/>
-            </a:schemeClr>
-          </a:lnRef>
-          <a:fillRef idx="1">
-            <a:schemeClr val="accent1"/>
-          </a:fillRef>
-          <a:effectRef idx="0">
-            <a:schemeClr val="accent1"/>
-          </a:effectRef>
-          <a:fontRef idx="minor">
-            <a:schemeClr val="lt1"/>
-          </a:fontRef>
-        </p:style>
-        <p:txBody>
-          <a:bodyPr rtlCol="0" anchor="ctr"/>
-          <a:lstStyle/>
-          <a:p>
-            <a:pPr marL="0" marR="0" lvl="0" indent="0" algn="ctr" defTabSz="914400" rtl="0" eaLnBrk="1" fontAlgn="auto" latinLnBrk="0" hangingPunct="1">
-              <a:lnSpc>
-                <a:spcPct val="100000"/>
-              </a:lnSpc>
-              <a:spcBef>
-                <a:spcPts val="0"/>
-              </a:spcBef>
-              <a:spcAft>
-                <a:spcPts val="0"/>
-              </a:spcAft>
-              <a:buClrTx/>
-              <a:buSzTx/>
-              <a:buFontTx/>
-              <a:buNone/>
-              <a:tabLst/>
-              <a:defRPr/>
-            </a:pPr>
-            <a:endParaRPr kumimoji="0" lang="en-US" sz="1800" b="0" i="0" u="none" strike="noStrike" kern="1200" cap="none" spc="0" normalizeH="0" baseline="0" noProof="0" dirty="0">
-              <a:ln>
-                <a:noFill/>
-              </a:ln>
-              <a:solidFill>
-                <a:prstClr val="white"/>
-              </a:solidFill>
-              <a:effectLst/>
-              <a:uLnTx/>
-              <a:uFillTx/>
-              <a:latin typeface="Goudy Old Style"/>
-              <a:ea typeface="+mn-ea"/>
-              <a:cs typeface="+mn-cs"/>
-            </a:endParaRPr>
-          </a:p>
-        </p:txBody>
-      </p:sp>
-      <p:pic>
-        <p:nvPicPr>
-          <p:cNvPr id="3" name="Picture 2">
-            <a:extLst>
-              <a:ext uri="{FF2B5EF4-FFF2-40B4-BE49-F238E27FC236}">
-                <a16:creationId xmlns:a16="http://schemas.microsoft.com/office/drawing/2014/main" id="{72B2D6DE-C9B5-4678-91EF-77E85F2350DA}"/>
-              </a:ext>
-              <a:ext uri="{C183D7F6-B498-43B3-948B-1728B52AA6E4}">
-                <adec:decorative xmlns:adec="http://schemas.microsoft.com/office/drawing/2017/decorative" val="1"/>
-              </a:ext>
-            </a:extLst>
-          </p:cNvPr>
-          <p:cNvPicPr>
-            <a:picLocks noChangeAspect="1"/>
-          </p:cNvPicPr>
-          <p:nvPr/>
-        </p:nvPicPr>
-        <p:blipFill rotWithShape="1">
-          <a:blip r:embed="rId5">
-            <a:extLst>
-              <a:ext uri="{28A0092B-C50C-407E-A947-70E740481C1C}">
-                <a14:useLocalDpi xmlns:a14="http://schemas.microsoft.com/office/drawing/2010/main" val="0"/>
-              </a:ext>
-            </a:extLst>
-          </a:blip>
-          <a:srcRect b="-1"/>
-          <a:stretch/>
-        </p:blipFill>
-        <p:spPr>
-          <a:xfrm>
-            <a:off x="-2826328" y="-1"/>
-            <a:ext cx="6096000" cy="6857990"/>
-          </a:xfrm>
-          <a:prstGeom prst="rect">
-            <a:avLst/>
-          </a:prstGeom>
-        </p:spPr>
-      </p:pic>
-      <p:pic>
-        <p:nvPicPr>
-          <p:cNvPr id="57" name="Picture 56">
-            <a:extLst>
-              <a:ext uri="{FF2B5EF4-FFF2-40B4-BE49-F238E27FC236}">
-                <a16:creationId xmlns:a16="http://schemas.microsoft.com/office/drawing/2014/main" id="{B536FA4E-0152-4E27-91DA-0FC22D1846BB}"/>
-              </a:ext>
-              <a:ext uri="{C183D7F6-B498-43B3-948B-1728B52AA6E4}">
-                <adec:decorative xmlns:adec="http://schemas.microsoft.com/office/drawing/2017/decorative" val="1"/>
-              </a:ext>
-            </a:extLst>
-          </p:cNvPr>
-          <p:cNvPicPr>
-            <a:picLocks noGrp="1" noRot="1" noChangeAspect="1" noMove="1" noResize="1" noEditPoints="1" noAdjustHandles="1" noChangeArrowheads="1" noChangeShapeType="1" noCrop="1"/>
-          </p:cNvPicPr>
-          <p:nvPr>
-            <p:extLst>
-              <p:ext uri="{386F3935-93C4-4BCD-93E2-E3B085C9AB24}">
-                <p16:designElem xmlns:p16="http://schemas.microsoft.com/office/powerpoint/2015/main" val="1"/>
-              </p:ext>
-            </p:extLst>
-          </p:nvPr>
-        </p:nvPicPr>
-        <p:blipFill rotWithShape="1">
-          <a:blip r:embed="rId6">
-            <a:extLst>
-              <a:ext uri="{28A0092B-C50C-407E-A947-70E740481C1C}">
-                <a14:useLocalDpi xmlns:a14="http://schemas.microsoft.com/office/drawing/2010/main" val="0"/>
-              </a:ext>
-            </a:extLst>
-          </a:blip>
-          <a:srcRect/>
-          <a:stretch/>
-        </p:blipFill>
-        <p:spPr>
-          <a:xfrm>
-            <a:off x="6257026" y="1"/>
-            <a:ext cx="5934973" cy="6858000"/>
-          </a:xfrm>
-          <a:prstGeom prst="rect">
-            <a:avLst/>
-          </a:prstGeom>
-        </p:spPr>
-      </p:pic>
-      <p:sp>
-        <p:nvSpPr>
-          <p:cNvPr id="2" name="Title 1">
-            <a:extLst>
-              <a:ext uri="{FF2B5EF4-FFF2-40B4-BE49-F238E27FC236}">
-                <a16:creationId xmlns:a16="http://schemas.microsoft.com/office/drawing/2014/main" id="{89559F60-4CE1-4E2F-86EA-1B60679F1F4A}"/>
-              </a:ext>
-            </a:extLst>
-          </p:cNvPr>
-          <p:cNvSpPr>
-            <a:spLocks noGrp="1"/>
-          </p:cNvSpPr>
-          <p:nvPr>
-            <p:ph type="title"/>
-          </p:nvPr>
-        </p:nvSpPr>
-        <p:spPr>
-          <a:xfrm>
-            <a:off x="3717026" y="507999"/>
-            <a:ext cx="4538124" cy="970450"/>
-          </a:xfrm>
-        </p:spPr>
-        <p:txBody>
-          <a:bodyPr anchor="b">
-            <a:normAutofit fontScale="90000"/>
-          </a:bodyPr>
-          <a:lstStyle/>
-          <a:p>
-            <a:pPr algn="l"/>
-            <a:r>
-              <a:rPr lang="en-US" sz="4000" dirty="0"/>
-              <a:t>Time in position v/s Status	</a:t>
-            </a:r>
-          </a:p>
-        </p:txBody>
-      </p:sp>
-      <p:sp>
-        <p:nvSpPr>
-          <p:cNvPr id="24" name="Content Placeholder 2">
-            <a:extLst>
-              <a:ext uri="{FF2B5EF4-FFF2-40B4-BE49-F238E27FC236}">
-                <a16:creationId xmlns:a16="http://schemas.microsoft.com/office/drawing/2014/main" id="{F260476B-CCA6-412B-A9C5-399C34AE6F05}"/>
-              </a:ext>
-            </a:extLst>
-          </p:cNvPr>
-          <p:cNvSpPr>
-            <a:spLocks noGrp="1"/>
-          </p:cNvSpPr>
-          <p:nvPr>
-            <p:ph idx="1"/>
-          </p:nvPr>
-        </p:nvSpPr>
-        <p:spPr>
-          <a:xfrm>
-            <a:off x="3420533" y="1732449"/>
-            <a:ext cx="8554720" cy="4871551"/>
-          </a:xfrm>
-        </p:spPr>
-        <p:txBody>
-          <a:bodyPr anchor="t">
-            <a:normAutofit/>
-          </a:bodyPr>
-          <a:lstStyle/>
-          <a:p>
-            <a:r>
-              <a:rPr lang="en-US" sz="2400" dirty="0"/>
-              <a:t>p7 &lt;- </a:t>
-            </a:r>
-            <a:r>
-              <a:rPr lang="en-US" sz="2400" dirty="0" err="1"/>
-              <a:t>ggplot</a:t>
-            </a:r>
-            <a:r>
-              <a:rPr lang="en-US" sz="2400" dirty="0"/>
-              <a:t>(data, </a:t>
-            </a:r>
-            <a:r>
-              <a:rPr lang="en-US" sz="2400" dirty="0" err="1"/>
-              <a:t>aes</a:t>
-            </a:r>
-            <a:r>
-              <a:rPr lang="en-US" sz="2400" dirty="0"/>
-              <a:t>(x=</a:t>
-            </a:r>
-            <a:r>
-              <a:rPr lang="en-US" sz="2400" dirty="0" err="1"/>
-              <a:t>status,y</a:t>
-            </a:r>
-            <a:r>
-              <a:rPr lang="en-US" sz="2400" dirty="0"/>
-              <a:t>=</a:t>
-            </a:r>
-            <a:r>
-              <a:rPr lang="en-US" sz="2400" dirty="0" err="1"/>
-              <a:t>time_in_position</a:t>
-            </a:r>
-            <a:r>
-              <a:rPr lang="en-US" sz="2400" dirty="0"/>
-              <a:t>)) + </a:t>
-            </a:r>
-            <a:r>
-              <a:rPr lang="en-US" sz="2400" dirty="0" err="1"/>
-              <a:t>geom_violin</a:t>
-            </a:r>
-            <a:r>
-              <a:rPr lang="en-US" sz="2400" dirty="0"/>
-              <a:t>()</a:t>
-            </a:r>
-          </a:p>
-          <a:p>
-            <a:r>
-              <a:rPr lang="en-US" sz="2400" dirty="0"/>
-              <a:t>p7 + </a:t>
-            </a:r>
-            <a:r>
-              <a:rPr lang="en-US" sz="2400" dirty="0" err="1"/>
-              <a:t>geom_violin</a:t>
-            </a:r>
-            <a:r>
-              <a:rPr lang="en-US" sz="2400" dirty="0"/>
-              <a:t>(trim = TRUE) + </a:t>
-            </a:r>
-            <a:r>
-              <a:rPr lang="en-US" sz="2400" dirty="0" err="1"/>
-              <a:t>geom_violin</a:t>
-            </a:r>
-            <a:r>
-              <a:rPr lang="en-US" sz="2400" dirty="0"/>
-              <a:t>(</a:t>
-            </a:r>
-            <a:r>
-              <a:rPr lang="en-US" sz="2400" dirty="0" err="1"/>
-              <a:t>draw_quantiles</a:t>
-            </a:r>
-            <a:r>
-              <a:rPr lang="en-US" sz="2400" dirty="0"/>
-              <a:t> = c(0.25,0.5,0.75)) # maximum value - very </a:t>
-            </a:r>
-            <a:r>
-              <a:rPr lang="en-US" sz="2400" dirty="0" err="1"/>
-              <a:t>very</a:t>
-            </a:r>
-            <a:r>
-              <a:rPr lang="en-US" sz="2400" dirty="0"/>
-              <a:t> high, so there might be the case that something wrong with the data (outlier might be present)</a:t>
-            </a:r>
-          </a:p>
-          <a:p>
-            <a:pPr marL="36900" indent="0">
-              <a:buNone/>
-            </a:pPr>
-            <a:endParaRPr lang="en-US" sz="2400" dirty="0"/>
-          </a:p>
-        </p:txBody>
-      </p:sp>
-      <p:pic>
-        <p:nvPicPr>
-          <p:cNvPr id="4" name="Picture 3">
-            <a:extLst>
-              <a:ext uri="{FF2B5EF4-FFF2-40B4-BE49-F238E27FC236}">
-                <a16:creationId xmlns:a16="http://schemas.microsoft.com/office/drawing/2014/main" id="{D07FCE50-E82D-43D0-A0F5-FDD879B30819}"/>
-              </a:ext>
-            </a:extLst>
-          </p:cNvPr>
-          <p:cNvPicPr>
-            <a:picLocks noChangeAspect="1"/>
-          </p:cNvPicPr>
-          <p:nvPr/>
-        </p:nvPicPr>
-        <p:blipFill>
-          <a:blip r:embed="rId7"/>
-          <a:stretch>
-            <a:fillRect/>
-          </a:stretch>
-        </p:blipFill>
-        <p:spPr>
-          <a:xfrm>
-            <a:off x="-2615251" y="-12"/>
-            <a:ext cx="5663996" cy="6858000"/>
-          </a:xfrm>
-          <a:prstGeom prst="rect">
-            <a:avLst/>
-          </a:prstGeom>
-        </p:spPr>
-      </p:pic>
-    </p:spTree>
-    <p:extLst>
-      <p:ext uri="{BB962C8B-B14F-4D97-AF65-F5344CB8AC3E}">
-        <p14:creationId xmlns:p14="http://schemas.microsoft.com/office/powerpoint/2010/main" val="2662693830"/>
-      </p:ext>
-    </p:extLst>
-  </p:cSld>
-  <p:clrMapOvr>
-    <a:masterClrMapping/>
-  </p:clrMapOvr>
-</p:sld>
-</file>
-
-<file path=ppt/slides/slide16.xml><?xml version="1.0" encoding="utf-8"?>
-<p:sld xmlns:a="http://schemas.openxmlformats.org/drawingml/2006/main" xmlns:r="http://schemas.openxmlformats.org/officeDocument/2006/relationships" xmlns:p="http://schemas.openxmlformats.org/presentationml/2006/main">
-  <p:cSld>
-    <p:bg>
-      <p:bgPr>
-        <a:blipFill rotWithShape="1">
-          <a:blip r:embed="rId4">
-            <a:duotone>
-              <a:schemeClr val="bg1">
-                <a:shade val="80000"/>
-                <a:lumMod val="80000"/>
-              </a:schemeClr>
-              <a:schemeClr val="bg1">
-                <a:tint val="98000"/>
-              </a:schemeClr>
-            </a:duotone>
-          </a:blip>
-          <a:stretch/>
-        </a:blipFill>
-        <a:effectLst/>
-      </p:bgPr>
-    </p:bg>
-    <p:spTree>
-      <p:nvGrpSpPr>
-        <p:cNvPr id="1" name=""/>
-        <p:cNvGrpSpPr/>
-        <p:nvPr/>
-      </p:nvGrpSpPr>
-      <p:grpSpPr>
-        <a:xfrm>
-          <a:off x="0" y="0"/>
-          <a:ext cx="0" cy="0"/>
-          <a:chOff x="0" y="0"/>
-          <a:chExt cx="0" cy="0"/>
-        </a:xfrm>
-      </p:grpSpPr>
-      <p:sp useBgFill="1">
-        <p:nvSpPr>
-          <p:cNvPr id="55" name="Rectangle 54">
-            <a:extLst>
-              <a:ext uri="{FF2B5EF4-FFF2-40B4-BE49-F238E27FC236}">
-                <a16:creationId xmlns:a16="http://schemas.microsoft.com/office/drawing/2014/main" id="{0EF2A0DA-AE81-4A45-972E-646AC2870C2F}"/>
-              </a:ext>
-              <a:ext uri="{C183D7F6-B498-43B3-948B-1728B52AA6E4}">
-                <adec:decorative xmlns:adec="http://schemas.microsoft.com/office/drawing/2017/decorative" val="1"/>
-              </a:ext>
-            </a:extLst>
-          </p:cNvPr>
-          <p:cNvSpPr>
-            <a:spLocks noGrp="1" noRot="1" noChangeAspect="1" noMove="1" noResize="1" noEditPoints="1" noAdjustHandles="1" noChangeArrowheads="1" noChangeShapeType="1" noTextEdit="1"/>
-          </p:cNvSpPr>
-          <p:nvPr>
-            <p:extLst>
-              <p:ext uri="{386F3935-93C4-4BCD-93E2-E3B085C9AB24}">
-                <p16:designElem xmlns:p16="http://schemas.microsoft.com/office/powerpoint/2015/main" val="1"/>
-              </p:ext>
-            </p:extLst>
-          </p:nvPr>
-        </p:nvSpPr>
-        <p:spPr>
-          <a:xfrm>
-            <a:off x="0" y="0"/>
-            <a:ext cx="12192000" cy="6858000"/>
-          </a:xfrm>
-          <a:prstGeom prst="rect">
-            <a:avLst/>
-          </a:prstGeom>
-          <a:ln>
-            <a:noFill/>
-          </a:ln>
-        </p:spPr>
-        <p:style>
-          <a:lnRef idx="2">
-            <a:schemeClr val="accent1">
-              <a:shade val="50000"/>
-            </a:schemeClr>
-          </a:lnRef>
-          <a:fillRef idx="1">
-            <a:schemeClr val="accent1"/>
-          </a:fillRef>
-          <a:effectRef idx="0">
-            <a:schemeClr val="accent1"/>
-          </a:effectRef>
-          <a:fontRef idx="minor">
-            <a:schemeClr val="lt1"/>
-          </a:fontRef>
-        </p:style>
-        <p:txBody>
-          <a:bodyPr rtlCol="0" anchor="ctr"/>
-          <a:lstStyle/>
-          <a:p>
-            <a:pPr marL="0" marR="0" lvl="0" indent="0" algn="ctr" defTabSz="914400" rtl="0" eaLnBrk="1" fontAlgn="auto" latinLnBrk="0" hangingPunct="1">
-              <a:lnSpc>
-                <a:spcPct val="100000"/>
-              </a:lnSpc>
-              <a:spcBef>
-                <a:spcPts val="0"/>
-              </a:spcBef>
-              <a:spcAft>
-                <a:spcPts val="0"/>
-              </a:spcAft>
-              <a:buClrTx/>
-              <a:buSzTx/>
-              <a:buFontTx/>
-              <a:buNone/>
-              <a:tabLst/>
-              <a:defRPr/>
-            </a:pPr>
-            <a:endParaRPr kumimoji="0" lang="en-US" sz="1800" b="0" i="0" u="none" strike="noStrike" kern="1200" cap="none" spc="0" normalizeH="0" baseline="0" noProof="0" dirty="0">
-              <a:ln>
-                <a:noFill/>
-              </a:ln>
-              <a:solidFill>
-                <a:prstClr val="white"/>
-              </a:solidFill>
-              <a:effectLst/>
-              <a:uLnTx/>
-              <a:uFillTx/>
-              <a:latin typeface="Goudy Old Style"/>
-              <a:ea typeface="+mn-ea"/>
-              <a:cs typeface="+mn-cs"/>
-            </a:endParaRPr>
-          </a:p>
-        </p:txBody>
-      </p:sp>
-      <p:pic>
-        <p:nvPicPr>
-          <p:cNvPr id="3" name="Picture 2">
-            <a:extLst>
-              <a:ext uri="{FF2B5EF4-FFF2-40B4-BE49-F238E27FC236}">
-                <a16:creationId xmlns:a16="http://schemas.microsoft.com/office/drawing/2014/main" id="{72B2D6DE-C9B5-4678-91EF-77E85F2350DA}"/>
-              </a:ext>
-              <a:ext uri="{C183D7F6-B498-43B3-948B-1728B52AA6E4}">
-                <adec:decorative xmlns:adec="http://schemas.microsoft.com/office/drawing/2017/decorative" val="1"/>
-              </a:ext>
-            </a:extLst>
-          </p:cNvPr>
-          <p:cNvPicPr>
-            <a:picLocks noChangeAspect="1"/>
-          </p:cNvPicPr>
-          <p:nvPr/>
-        </p:nvPicPr>
-        <p:blipFill rotWithShape="1">
-          <a:blip r:embed="rId5">
-            <a:extLst>
-              <a:ext uri="{28A0092B-C50C-407E-A947-70E740481C1C}">
-                <a14:useLocalDpi xmlns:a14="http://schemas.microsoft.com/office/drawing/2010/main" val="0"/>
-              </a:ext>
-            </a:extLst>
-          </a:blip>
-          <a:srcRect b="-1"/>
-          <a:stretch/>
-        </p:blipFill>
-        <p:spPr>
-          <a:xfrm>
-            <a:off x="-2826328" y="-1"/>
-            <a:ext cx="6096000" cy="6857990"/>
-          </a:xfrm>
-          <a:prstGeom prst="rect">
-            <a:avLst/>
-          </a:prstGeom>
-        </p:spPr>
-      </p:pic>
-      <p:pic>
-        <p:nvPicPr>
-          <p:cNvPr id="57" name="Picture 56">
-            <a:extLst>
-              <a:ext uri="{FF2B5EF4-FFF2-40B4-BE49-F238E27FC236}">
-                <a16:creationId xmlns:a16="http://schemas.microsoft.com/office/drawing/2014/main" id="{B536FA4E-0152-4E27-91DA-0FC22D1846BB}"/>
-              </a:ext>
-              <a:ext uri="{C183D7F6-B498-43B3-948B-1728B52AA6E4}">
-                <adec:decorative xmlns:adec="http://schemas.microsoft.com/office/drawing/2017/decorative" val="1"/>
-              </a:ext>
-            </a:extLst>
-          </p:cNvPr>
-          <p:cNvPicPr>
-            <a:picLocks noGrp="1" noRot="1" noChangeAspect="1" noMove="1" noResize="1" noEditPoints="1" noAdjustHandles="1" noChangeArrowheads="1" noChangeShapeType="1" noCrop="1"/>
-          </p:cNvPicPr>
-          <p:nvPr>
-            <p:extLst>
-              <p:ext uri="{386F3935-93C4-4BCD-93E2-E3B085C9AB24}">
-                <p16:designElem xmlns:p16="http://schemas.microsoft.com/office/powerpoint/2015/main" val="1"/>
-              </p:ext>
-            </p:extLst>
-          </p:nvPr>
-        </p:nvPicPr>
-        <p:blipFill rotWithShape="1">
-          <a:blip r:embed="rId6">
-            <a:extLst>
-              <a:ext uri="{28A0092B-C50C-407E-A947-70E740481C1C}">
-                <a14:useLocalDpi xmlns:a14="http://schemas.microsoft.com/office/drawing/2010/main" val="0"/>
-              </a:ext>
-            </a:extLst>
-          </a:blip>
-          <a:srcRect/>
-          <a:stretch/>
-        </p:blipFill>
-        <p:spPr>
-          <a:xfrm>
-            <a:off x="6257026" y="1"/>
-            <a:ext cx="5934973" cy="6858000"/>
-          </a:xfrm>
-          <a:prstGeom prst="rect">
-            <a:avLst/>
-          </a:prstGeom>
-        </p:spPr>
-      </p:pic>
-      <p:sp>
-        <p:nvSpPr>
-          <p:cNvPr id="2" name="Title 1">
-            <a:extLst>
-              <a:ext uri="{FF2B5EF4-FFF2-40B4-BE49-F238E27FC236}">
-                <a16:creationId xmlns:a16="http://schemas.microsoft.com/office/drawing/2014/main" id="{89559F60-4CE1-4E2F-86EA-1B60679F1F4A}"/>
-              </a:ext>
-            </a:extLst>
-          </p:cNvPr>
-          <p:cNvSpPr>
-            <a:spLocks noGrp="1"/>
-          </p:cNvSpPr>
-          <p:nvPr>
-            <p:ph type="title"/>
-          </p:nvPr>
-        </p:nvSpPr>
-        <p:spPr>
-          <a:xfrm>
-            <a:off x="3717026" y="507999"/>
-            <a:ext cx="4538124" cy="970450"/>
-          </a:xfrm>
-        </p:spPr>
-        <p:txBody>
-          <a:bodyPr anchor="b">
-            <a:normAutofit fontScale="90000"/>
-          </a:bodyPr>
-          <a:lstStyle/>
-          <a:p>
-            <a:pPr algn="l"/>
-            <a:r>
-              <a:rPr lang="en-US" sz="4000" dirty="0"/>
-              <a:t>Percentage salary change v/s Status	</a:t>
-            </a:r>
-          </a:p>
-        </p:txBody>
-      </p:sp>
-      <p:sp>
-        <p:nvSpPr>
-          <p:cNvPr id="24" name="Content Placeholder 2">
-            <a:extLst>
-              <a:ext uri="{FF2B5EF4-FFF2-40B4-BE49-F238E27FC236}">
-                <a16:creationId xmlns:a16="http://schemas.microsoft.com/office/drawing/2014/main" id="{F260476B-CCA6-412B-A9C5-399C34AE6F05}"/>
-              </a:ext>
-            </a:extLst>
-          </p:cNvPr>
-          <p:cNvSpPr>
-            <a:spLocks noGrp="1"/>
-          </p:cNvSpPr>
-          <p:nvPr>
-            <p:ph idx="1"/>
-          </p:nvPr>
-        </p:nvSpPr>
-        <p:spPr>
-          <a:xfrm>
-            <a:off x="3420533" y="1732449"/>
-            <a:ext cx="8554720" cy="4871551"/>
-          </a:xfrm>
-        </p:spPr>
-        <p:txBody>
-          <a:bodyPr anchor="t">
-            <a:normAutofit/>
-          </a:bodyPr>
-          <a:lstStyle/>
-          <a:p>
-            <a:r>
-              <a:rPr lang="en-US" sz="2400" dirty="0"/>
-              <a:t>p8 &lt;- </a:t>
-            </a:r>
-            <a:r>
-              <a:rPr lang="en-US" sz="2400" dirty="0" err="1"/>
-              <a:t>ggplot</a:t>
-            </a:r>
-            <a:r>
-              <a:rPr lang="en-US" sz="2400" dirty="0"/>
-              <a:t>(data, </a:t>
-            </a:r>
-            <a:r>
-              <a:rPr lang="en-US" sz="2400" dirty="0" err="1"/>
-              <a:t>aes</a:t>
-            </a:r>
-            <a:r>
-              <a:rPr lang="en-US" sz="2400" dirty="0"/>
-              <a:t>(x=</a:t>
-            </a:r>
-            <a:r>
-              <a:rPr lang="en-US" sz="2400" dirty="0" err="1"/>
-              <a:t>status,y</a:t>
-            </a:r>
-            <a:r>
-              <a:rPr lang="en-US" sz="2400" dirty="0"/>
-              <a:t>=</a:t>
-            </a:r>
-            <a:r>
-              <a:rPr lang="en-US" sz="2400" dirty="0" err="1"/>
-              <a:t>perc_salary_change</a:t>
-            </a:r>
-            <a:r>
-              <a:rPr lang="en-US" sz="2400" dirty="0"/>
-              <a:t>)) + </a:t>
-            </a:r>
-            <a:r>
-              <a:rPr lang="en-US" sz="2400" dirty="0" err="1"/>
-              <a:t>geom_violin</a:t>
-            </a:r>
-            <a:r>
-              <a:rPr lang="en-US" sz="2400" dirty="0"/>
-              <a:t>()</a:t>
-            </a:r>
-          </a:p>
-          <a:p>
-            <a:r>
-              <a:rPr lang="en-US" sz="2400" dirty="0"/>
-              <a:t>p8 + </a:t>
-            </a:r>
-            <a:r>
-              <a:rPr lang="en-US" sz="2400" dirty="0" err="1"/>
-              <a:t>geom_violin</a:t>
-            </a:r>
-            <a:r>
-              <a:rPr lang="en-US" sz="2400" dirty="0"/>
-              <a:t>(trim = TRUE) + </a:t>
-            </a:r>
-            <a:r>
-              <a:rPr lang="en-US" sz="2400" dirty="0" err="1"/>
-              <a:t>geom_violin</a:t>
-            </a:r>
-            <a:r>
-              <a:rPr lang="en-US" sz="2400" dirty="0"/>
-              <a:t>(</a:t>
-            </a:r>
-            <a:r>
-              <a:rPr lang="en-US" sz="2400" dirty="0" err="1"/>
-              <a:t>draw_quantiles</a:t>
-            </a:r>
-            <a:r>
-              <a:rPr lang="en-US" sz="2400" dirty="0"/>
-              <a:t> = c(0.25,0.5,0.75)) # maximum salary change is the key.. if you do not give a good hike to the employee, they are bound to leave the company.</a:t>
-            </a:r>
-          </a:p>
-        </p:txBody>
-      </p:sp>
-      <p:pic>
-        <p:nvPicPr>
-          <p:cNvPr id="4" name="Picture 3">
-            <a:extLst>
-              <a:ext uri="{FF2B5EF4-FFF2-40B4-BE49-F238E27FC236}">
-                <a16:creationId xmlns:a16="http://schemas.microsoft.com/office/drawing/2014/main" id="{28664F02-5D48-4A72-A670-67D6E57209F8}"/>
-              </a:ext>
-            </a:extLst>
-          </p:cNvPr>
-          <p:cNvPicPr>
-            <a:picLocks noChangeAspect="1"/>
-          </p:cNvPicPr>
-          <p:nvPr/>
-        </p:nvPicPr>
-        <p:blipFill>
-          <a:blip r:embed="rId7"/>
-          <a:stretch>
-            <a:fillRect/>
-          </a:stretch>
-        </p:blipFill>
-        <p:spPr>
-          <a:xfrm>
-            <a:off x="-2654978" y="0"/>
-            <a:ext cx="5743449" cy="6858000"/>
-          </a:xfrm>
-          <a:prstGeom prst="rect">
-            <a:avLst/>
-          </a:prstGeom>
-        </p:spPr>
-      </p:pic>
-    </p:spTree>
-    <p:extLst>
-      <p:ext uri="{BB962C8B-B14F-4D97-AF65-F5344CB8AC3E}">
-        <p14:creationId xmlns:p14="http://schemas.microsoft.com/office/powerpoint/2010/main" val="852370234"/>
-      </p:ext>
-    </p:extLst>
-  </p:cSld>
-  <p:clrMapOvr>
-    <a:masterClrMapping/>
-  </p:clrMapOvr>
-</p:sld>
-</file>
-
 <file path=ppt/slides/slide2.xml><?xml version="1.0" encoding="utf-8"?>
 <p:sld xmlns:a="http://schemas.openxmlformats.org/drawingml/2006/main" xmlns:r="http://schemas.openxmlformats.org/officeDocument/2006/relationships" xmlns:p="http://schemas.openxmlformats.org/presentationml/2006/main">
   <p:cSld>
@@ -13696,767 +9736,6 @@
     <p:extLst>
       <p:ext uri="{BB962C8B-B14F-4D97-AF65-F5344CB8AC3E}">
         <p14:creationId xmlns:p14="http://schemas.microsoft.com/office/powerpoint/2010/main" val="3022348315"/>
-      </p:ext>
-    </p:extLst>
-  </p:cSld>
-  <p:clrMapOvr>
-    <a:masterClrMapping/>
-  </p:clrMapOvr>
-</p:sld>
-</file>
-
-<file path=ppt/slides/slide8.xml><?xml version="1.0" encoding="utf-8"?>
-<p:sld xmlns:a="http://schemas.openxmlformats.org/drawingml/2006/main" xmlns:r="http://schemas.openxmlformats.org/officeDocument/2006/relationships" xmlns:p="http://schemas.openxmlformats.org/presentationml/2006/main">
-  <p:cSld>
-    <p:bg>
-      <p:bgPr>
-        <a:blipFill rotWithShape="1">
-          <a:blip r:embed="rId3">
-            <a:duotone>
-              <a:schemeClr val="bg1">
-                <a:shade val="80000"/>
-                <a:lumMod val="80000"/>
-              </a:schemeClr>
-              <a:schemeClr val="bg1">
-                <a:tint val="98000"/>
-              </a:schemeClr>
-            </a:duotone>
-          </a:blip>
-          <a:stretch/>
-        </a:blipFill>
-        <a:effectLst/>
-      </p:bgPr>
-    </p:bg>
-    <p:spTree>
-      <p:nvGrpSpPr>
-        <p:cNvPr id="1" name=""/>
-        <p:cNvGrpSpPr/>
-        <p:nvPr/>
-      </p:nvGrpSpPr>
-      <p:grpSpPr>
-        <a:xfrm>
-          <a:off x="0" y="0"/>
-          <a:ext cx="0" cy="0"/>
-          <a:chOff x="0" y="0"/>
-          <a:chExt cx="0" cy="0"/>
-        </a:xfrm>
-      </p:grpSpPr>
-      <p:pic>
-        <p:nvPicPr>
-          <p:cNvPr id="5" name="Picture 4">
-            <a:extLst>
-              <a:ext uri="{FF2B5EF4-FFF2-40B4-BE49-F238E27FC236}">
-                <a16:creationId xmlns:a16="http://schemas.microsoft.com/office/drawing/2014/main" id="{F8A1C807-B9AD-4C9B-BF9F-60F03428998E}"/>
-              </a:ext>
-              <a:ext uri="{C183D7F6-B498-43B3-948B-1728B52AA6E4}">
-                <adec:decorative xmlns:adec="http://schemas.microsoft.com/office/drawing/2017/decorative" val="1"/>
-              </a:ext>
-            </a:extLst>
-          </p:cNvPr>
-          <p:cNvPicPr>
-            <a:picLocks noChangeAspect="1"/>
-          </p:cNvPicPr>
-          <p:nvPr/>
-        </p:nvPicPr>
-        <p:blipFill rotWithShape="1">
-          <a:blip r:embed="rId4">
-            <a:extLst>
-              <a:ext uri="{28A0092B-C50C-407E-A947-70E740481C1C}">
-                <a14:useLocalDpi xmlns:a14="http://schemas.microsoft.com/office/drawing/2010/main" val="0"/>
-              </a:ext>
-            </a:extLst>
-          </a:blip>
-          <a:srcRect/>
-          <a:stretch/>
-        </p:blipFill>
-        <p:spPr>
-          <a:xfrm>
-            <a:off x="-1" y="10"/>
-            <a:ext cx="12192001" cy="6857990"/>
-          </a:xfrm>
-          <a:prstGeom prst="rect">
-            <a:avLst/>
-          </a:prstGeom>
-        </p:spPr>
-      </p:pic>
-      <p:sp useBgFill="1">
-        <p:nvSpPr>
-          <p:cNvPr id="103" name="Freeform 5">
-            <a:extLst>
-              <a:ext uri="{FF2B5EF4-FFF2-40B4-BE49-F238E27FC236}">
-                <a16:creationId xmlns:a16="http://schemas.microsoft.com/office/drawing/2014/main" id="{FE469E50-3893-4ED6-92BA-2985C32B0CA6}"/>
-              </a:ext>
-              <a:ext uri="{C183D7F6-B498-43B3-948B-1728B52AA6E4}">
-                <adec:decorative xmlns:adec="http://schemas.microsoft.com/office/drawing/2017/decorative" val="1"/>
-              </a:ext>
-            </a:extLst>
-          </p:cNvPr>
-          <p:cNvSpPr>
-            <a:spLocks noGrp="1" noRot="1" noChangeAspect="1" noMove="1" noResize="1" noEditPoints="1" noAdjustHandles="1" noChangeArrowheads="1" noChangeShapeType="1" noTextEdit="1"/>
-          </p:cNvSpPr>
-          <p:nvPr>
-            <p:extLst>
-              <p:ext uri="{386F3935-93C4-4BCD-93E2-E3B085C9AB24}">
-                <p16:designElem xmlns:p16="http://schemas.microsoft.com/office/powerpoint/2015/main" val="1"/>
-              </p:ext>
-            </p:extLst>
-          </p:nvPr>
-        </p:nvSpPr>
-        <p:spPr bwMode="auto">
-          <a:xfrm rot="5400000">
-            <a:off x="7131809" y="1385982"/>
-            <a:ext cx="4031414" cy="4100418"/>
-          </a:xfrm>
-          <a:custGeom>
-            <a:avLst/>
-            <a:gdLst>
-              <a:gd name="T0" fmla="*/ 1577 w 1601"/>
-              <a:gd name="T1" fmla="*/ 0 h 696"/>
-              <a:gd name="T2" fmla="*/ 833 w 1601"/>
-              <a:gd name="T3" fmla="*/ 0 h 696"/>
-              <a:gd name="T4" fmla="*/ 768 w 1601"/>
-              <a:gd name="T5" fmla="*/ 0 h 696"/>
-              <a:gd name="T6" fmla="*/ 24 w 1601"/>
-              <a:gd name="T7" fmla="*/ 0 h 696"/>
-              <a:gd name="T8" fmla="*/ 0 w 1601"/>
-              <a:gd name="T9" fmla="*/ 27 h 696"/>
-              <a:gd name="T10" fmla="*/ 0 w 1601"/>
-              <a:gd name="T11" fmla="*/ 669 h 696"/>
-              <a:gd name="T12" fmla="*/ 24 w 1601"/>
-              <a:gd name="T13" fmla="*/ 696 h 696"/>
-              <a:gd name="T14" fmla="*/ 768 w 1601"/>
-              <a:gd name="T15" fmla="*/ 696 h 696"/>
-              <a:gd name="T16" fmla="*/ 833 w 1601"/>
-              <a:gd name="T17" fmla="*/ 696 h 696"/>
-              <a:gd name="T18" fmla="*/ 1577 w 1601"/>
-              <a:gd name="T19" fmla="*/ 696 h 696"/>
-              <a:gd name="T20" fmla="*/ 1601 w 1601"/>
-              <a:gd name="T21" fmla="*/ 669 h 696"/>
-              <a:gd name="T22" fmla="*/ 1601 w 1601"/>
-              <a:gd name="T23" fmla="*/ 27 h 696"/>
-              <a:gd name="T24" fmla="*/ 1577 w 1601"/>
-              <a:gd name="T25" fmla="*/ 0 h 696"/>
-            </a:gdLst>
-            <a:ahLst/>
-            <a:cxnLst>
-              <a:cxn ang="0">
-                <a:pos x="T0" y="T1"/>
-              </a:cxn>
-              <a:cxn ang="0">
-                <a:pos x="T2" y="T3"/>
-              </a:cxn>
-              <a:cxn ang="0">
-                <a:pos x="T4" y="T5"/>
-              </a:cxn>
-              <a:cxn ang="0">
-                <a:pos x="T6" y="T7"/>
-              </a:cxn>
-              <a:cxn ang="0">
-                <a:pos x="T8" y="T9"/>
-              </a:cxn>
-              <a:cxn ang="0">
-                <a:pos x="T10" y="T11"/>
-              </a:cxn>
-              <a:cxn ang="0">
-                <a:pos x="T12" y="T13"/>
-              </a:cxn>
-              <a:cxn ang="0">
-                <a:pos x="T14" y="T15"/>
-              </a:cxn>
-              <a:cxn ang="0">
-                <a:pos x="T16" y="T17"/>
-              </a:cxn>
-              <a:cxn ang="0">
-                <a:pos x="T18" y="T19"/>
-              </a:cxn>
-              <a:cxn ang="0">
-                <a:pos x="T20" y="T21"/>
-              </a:cxn>
-              <a:cxn ang="0">
-                <a:pos x="T22" y="T23"/>
-              </a:cxn>
-              <a:cxn ang="0">
-                <a:pos x="T24" y="T25"/>
-              </a:cxn>
-            </a:cxnLst>
-            <a:rect l="0" t="0" r="r" b="b"/>
-            <a:pathLst>
-              <a:path w="1601" h="696">
-                <a:moveTo>
-                  <a:pt x="1577" y="0"/>
-                </a:moveTo>
-                <a:cubicBezTo>
-                  <a:pt x="833" y="0"/>
-                  <a:pt x="833" y="0"/>
-                  <a:pt x="833" y="0"/>
-                </a:cubicBezTo>
-                <a:cubicBezTo>
-                  <a:pt x="768" y="0"/>
-                  <a:pt x="768" y="0"/>
-                  <a:pt x="768" y="0"/>
-                </a:cubicBezTo>
-                <a:cubicBezTo>
-                  <a:pt x="24" y="0"/>
-                  <a:pt x="24" y="0"/>
-                  <a:pt x="24" y="0"/>
-                </a:cubicBezTo>
-                <a:cubicBezTo>
-                  <a:pt x="11" y="0"/>
-                  <a:pt x="0" y="12"/>
-                  <a:pt x="0" y="27"/>
-                </a:cubicBezTo>
-                <a:cubicBezTo>
-                  <a:pt x="0" y="669"/>
-                  <a:pt x="0" y="669"/>
-                  <a:pt x="0" y="669"/>
-                </a:cubicBezTo>
-                <a:cubicBezTo>
-                  <a:pt x="0" y="684"/>
-                  <a:pt x="11" y="696"/>
-                  <a:pt x="24" y="696"/>
-                </a:cubicBezTo>
-                <a:cubicBezTo>
-                  <a:pt x="768" y="696"/>
-                  <a:pt x="768" y="696"/>
-                  <a:pt x="768" y="696"/>
-                </a:cubicBezTo>
-                <a:cubicBezTo>
-                  <a:pt x="833" y="696"/>
-                  <a:pt x="833" y="696"/>
-                  <a:pt x="833" y="696"/>
-                </a:cubicBezTo>
-                <a:cubicBezTo>
-                  <a:pt x="1577" y="696"/>
-                  <a:pt x="1577" y="696"/>
-                  <a:pt x="1577" y="696"/>
-                </a:cubicBezTo>
-                <a:cubicBezTo>
-                  <a:pt x="1590" y="696"/>
-                  <a:pt x="1601" y="684"/>
-                  <a:pt x="1601" y="669"/>
-                </a:cubicBezTo>
-                <a:cubicBezTo>
-                  <a:pt x="1601" y="27"/>
-                  <a:pt x="1601" y="27"/>
-                  <a:pt x="1601" y="27"/>
-                </a:cubicBezTo>
-                <a:cubicBezTo>
-                  <a:pt x="1601" y="12"/>
-                  <a:pt x="1590" y="0"/>
-                  <a:pt x="1577" y="0"/>
-                </a:cubicBezTo>
-                <a:close/>
-              </a:path>
-            </a:pathLst>
-          </a:custGeom>
-          <a:ln>
-            <a:noFill/>
-          </a:ln>
-          <a:effectLst>
-            <a:outerShdw blurRad="50800" dist="38100" dir="5400000" algn="tl" rotWithShape="0">
-              <a:srgbClr val="000000">
-                <a:alpha val="43000"/>
-              </a:srgbClr>
-            </a:outerShdw>
-          </a:effectLst>
-          <a:extLst>
-            <a:ext uri="{91240B29-F687-4f45-9708-019B960494DF}">
-              <a14:hiddenLine xmlns:a16="http://schemas.microsoft.com/office/drawing/2014/main" xmlns:p14="http://schemas.microsoft.com/office/powerpoint/2010/main" xmlns:a14="http://schemas.microsoft.com/office/drawing/2010/main" xmlns="" w="9525">
-                <a:solidFill>
-                  <a:srgbClr val="000000"/>
-                </a:solidFill>
-                <a:round/>
-                <a:headEnd/>
-                <a:tailEnd/>
-              </a14:hiddenLine>
-            </a:ext>
-          </a:extLst>
-        </p:spPr>
-        <p:txBody>
-          <a:bodyPr vert="horz" wrap="square" lIns="91440" tIns="45720" rIns="91440" bIns="45720" numCol="1" anchor="t" anchorCtr="0" compatLnSpc="1">
-            <a:prstTxWarp prst="textNoShape">
-              <a:avLst/>
-            </a:prstTxWarp>
-          </a:bodyPr>
-          <a:lstStyle/>
-          <a:p>
-            <a:pPr marL="0" marR="0" lvl="0" indent="0" algn="l" defTabSz="914400" rtl="0" eaLnBrk="1" fontAlgn="auto" latinLnBrk="0" hangingPunct="1">
-              <a:lnSpc>
-                <a:spcPct val="100000"/>
-              </a:lnSpc>
-              <a:spcBef>
-                <a:spcPts val="0"/>
-              </a:spcBef>
-              <a:spcAft>
-                <a:spcPts val="0"/>
-              </a:spcAft>
-              <a:buClrTx/>
-              <a:buSzTx/>
-              <a:buFontTx/>
-              <a:buNone/>
-              <a:tabLst/>
-              <a:defRPr/>
-            </a:pPr>
-            <a:endParaRPr kumimoji="0" lang="en-US" sz="1800" b="0" i="0" u="none" strike="noStrike" kern="1200" cap="none" spc="0" normalizeH="0" baseline="0" noProof="0" dirty="0">
-              <a:ln>
-                <a:noFill/>
-              </a:ln>
-              <a:solidFill>
-                <a:prstClr val="white"/>
-              </a:solidFill>
-              <a:effectLst/>
-              <a:uLnTx/>
-              <a:uFillTx/>
-              <a:latin typeface="Goudy Old Style"/>
-              <a:ea typeface="+mn-ea"/>
-              <a:cs typeface="+mn-cs"/>
-            </a:endParaRPr>
-          </a:p>
-        </p:txBody>
-      </p:sp>
-      <p:sp>
-        <p:nvSpPr>
-          <p:cNvPr id="2" name="Title 1">
-            <a:extLst>
-              <a:ext uri="{FF2B5EF4-FFF2-40B4-BE49-F238E27FC236}">
-                <a16:creationId xmlns:a16="http://schemas.microsoft.com/office/drawing/2014/main" id="{0D1F047C-C727-42A7-85C5-68C5AA1B1A93}"/>
-              </a:ext>
-            </a:extLst>
-          </p:cNvPr>
-          <p:cNvSpPr>
-            <a:spLocks noGrp="1"/>
-          </p:cNvSpPr>
-          <p:nvPr>
-            <p:ph type="ctrTitle"/>
-          </p:nvPr>
-        </p:nvSpPr>
-        <p:spPr>
-          <a:xfrm>
-            <a:off x="7389962" y="2390987"/>
-            <a:ext cx="3485073" cy="2113280"/>
-          </a:xfrm>
-        </p:spPr>
-        <p:txBody>
-          <a:bodyPr>
-            <a:normAutofit/>
-          </a:bodyPr>
-          <a:lstStyle/>
-          <a:p>
-            <a:pPr algn="l"/>
-            <a:r>
-              <a:rPr lang="en-US" sz="4000" dirty="0"/>
-              <a:t>Categorical – Numerical Variables</a:t>
-            </a:r>
-          </a:p>
-        </p:txBody>
-      </p:sp>
-    </p:spTree>
-    <p:extLst>
-      <p:ext uri="{BB962C8B-B14F-4D97-AF65-F5344CB8AC3E}">
-        <p14:creationId xmlns:p14="http://schemas.microsoft.com/office/powerpoint/2010/main" val="3196872549"/>
-      </p:ext>
-    </p:extLst>
-  </p:cSld>
-  <p:clrMapOvr>
-    <a:masterClrMapping/>
-  </p:clrMapOvr>
-</p:sld>
-</file>
-
-<file path=ppt/slides/slide9.xml><?xml version="1.0" encoding="utf-8"?>
-<p:sld xmlns:a="http://schemas.openxmlformats.org/drawingml/2006/main" xmlns:r="http://schemas.openxmlformats.org/officeDocument/2006/relationships" xmlns:p="http://schemas.openxmlformats.org/presentationml/2006/main">
-  <p:cSld>
-    <p:bg>
-      <p:bgPr>
-        <a:blipFill rotWithShape="1">
-          <a:blip r:embed="rId4">
-            <a:duotone>
-              <a:schemeClr val="bg1">
-                <a:shade val="80000"/>
-                <a:lumMod val="80000"/>
-              </a:schemeClr>
-              <a:schemeClr val="bg1">
-                <a:tint val="98000"/>
-              </a:schemeClr>
-            </a:duotone>
-          </a:blip>
-          <a:stretch/>
-        </a:blipFill>
-        <a:effectLst/>
-      </p:bgPr>
-    </p:bg>
-    <p:spTree>
-      <p:nvGrpSpPr>
-        <p:cNvPr id="1" name=""/>
-        <p:cNvGrpSpPr/>
-        <p:nvPr/>
-      </p:nvGrpSpPr>
-      <p:grpSpPr>
-        <a:xfrm>
-          <a:off x="0" y="0"/>
-          <a:ext cx="0" cy="0"/>
-          <a:chOff x="0" y="0"/>
-          <a:chExt cx="0" cy="0"/>
-        </a:xfrm>
-      </p:grpSpPr>
-      <p:sp useBgFill="1">
-        <p:nvSpPr>
-          <p:cNvPr id="55" name="Rectangle 54">
-            <a:extLst>
-              <a:ext uri="{FF2B5EF4-FFF2-40B4-BE49-F238E27FC236}">
-                <a16:creationId xmlns:a16="http://schemas.microsoft.com/office/drawing/2014/main" id="{0EF2A0DA-AE81-4A45-972E-646AC2870C2F}"/>
-              </a:ext>
-              <a:ext uri="{C183D7F6-B498-43B3-948B-1728B52AA6E4}">
-                <adec:decorative xmlns:adec="http://schemas.microsoft.com/office/drawing/2017/decorative" val="1"/>
-              </a:ext>
-            </a:extLst>
-          </p:cNvPr>
-          <p:cNvSpPr>
-            <a:spLocks noGrp="1" noRot="1" noChangeAspect="1" noMove="1" noResize="1" noEditPoints="1" noAdjustHandles="1" noChangeArrowheads="1" noChangeShapeType="1" noTextEdit="1"/>
-          </p:cNvSpPr>
-          <p:nvPr>
-            <p:extLst>
-              <p:ext uri="{386F3935-93C4-4BCD-93E2-E3B085C9AB24}">
-                <p16:designElem xmlns:p16="http://schemas.microsoft.com/office/powerpoint/2015/main" val="1"/>
-              </p:ext>
-            </p:extLst>
-          </p:nvPr>
-        </p:nvSpPr>
-        <p:spPr>
-          <a:xfrm>
-            <a:off x="0" y="0"/>
-            <a:ext cx="12192000" cy="6858000"/>
-          </a:xfrm>
-          <a:prstGeom prst="rect">
-            <a:avLst/>
-          </a:prstGeom>
-          <a:ln>
-            <a:noFill/>
-          </a:ln>
-        </p:spPr>
-        <p:style>
-          <a:lnRef idx="2">
-            <a:schemeClr val="accent1">
-              <a:shade val="50000"/>
-            </a:schemeClr>
-          </a:lnRef>
-          <a:fillRef idx="1">
-            <a:schemeClr val="accent1"/>
-          </a:fillRef>
-          <a:effectRef idx="0">
-            <a:schemeClr val="accent1"/>
-          </a:effectRef>
-          <a:fontRef idx="minor">
-            <a:schemeClr val="lt1"/>
-          </a:fontRef>
-        </p:style>
-        <p:txBody>
-          <a:bodyPr rtlCol="0" anchor="ctr"/>
-          <a:lstStyle/>
-          <a:p>
-            <a:pPr marL="0" marR="0" lvl="0" indent="0" algn="ctr" defTabSz="914400" rtl="0" eaLnBrk="1" fontAlgn="auto" latinLnBrk="0" hangingPunct="1">
-              <a:lnSpc>
-                <a:spcPct val="100000"/>
-              </a:lnSpc>
-              <a:spcBef>
-                <a:spcPts val="0"/>
-              </a:spcBef>
-              <a:spcAft>
-                <a:spcPts val="0"/>
-              </a:spcAft>
-              <a:buClrTx/>
-              <a:buSzTx/>
-              <a:buFontTx/>
-              <a:buNone/>
-              <a:tabLst/>
-              <a:defRPr/>
-            </a:pPr>
-            <a:endParaRPr kumimoji="0" lang="en-US" sz="1800" b="0" i="0" u="none" strike="noStrike" kern="1200" cap="none" spc="0" normalizeH="0" baseline="0" noProof="0" dirty="0">
-              <a:ln>
-                <a:noFill/>
-              </a:ln>
-              <a:solidFill>
-                <a:prstClr val="white"/>
-              </a:solidFill>
-              <a:effectLst/>
-              <a:uLnTx/>
-              <a:uFillTx/>
-              <a:latin typeface="Goudy Old Style"/>
-              <a:ea typeface="+mn-ea"/>
-              <a:cs typeface="+mn-cs"/>
-            </a:endParaRPr>
-          </a:p>
-        </p:txBody>
-      </p:sp>
-      <p:pic>
-        <p:nvPicPr>
-          <p:cNvPr id="3" name="Picture 2">
-            <a:extLst>
-              <a:ext uri="{FF2B5EF4-FFF2-40B4-BE49-F238E27FC236}">
-                <a16:creationId xmlns:a16="http://schemas.microsoft.com/office/drawing/2014/main" id="{72B2D6DE-C9B5-4678-91EF-77E85F2350DA}"/>
-              </a:ext>
-              <a:ext uri="{C183D7F6-B498-43B3-948B-1728B52AA6E4}">
-                <adec:decorative xmlns:adec="http://schemas.microsoft.com/office/drawing/2017/decorative" val="1"/>
-              </a:ext>
-            </a:extLst>
-          </p:cNvPr>
-          <p:cNvPicPr>
-            <a:picLocks noChangeAspect="1"/>
-          </p:cNvPicPr>
-          <p:nvPr/>
-        </p:nvPicPr>
-        <p:blipFill rotWithShape="1">
-          <a:blip r:embed="rId5">
-            <a:extLst>
-              <a:ext uri="{28A0092B-C50C-407E-A947-70E740481C1C}">
-                <a14:useLocalDpi xmlns:a14="http://schemas.microsoft.com/office/drawing/2010/main" val="0"/>
-              </a:ext>
-            </a:extLst>
-          </a:blip>
-          <a:srcRect b="-1"/>
-          <a:stretch/>
-        </p:blipFill>
-        <p:spPr>
-          <a:xfrm>
-            <a:off x="-2826328" y="-1"/>
-            <a:ext cx="6096000" cy="6857990"/>
-          </a:xfrm>
-          <a:prstGeom prst="rect">
-            <a:avLst/>
-          </a:prstGeom>
-        </p:spPr>
-      </p:pic>
-      <p:pic>
-        <p:nvPicPr>
-          <p:cNvPr id="57" name="Picture 56">
-            <a:extLst>
-              <a:ext uri="{FF2B5EF4-FFF2-40B4-BE49-F238E27FC236}">
-                <a16:creationId xmlns:a16="http://schemas.microsoft.com/office/drawing/2014/main" id="{B536FA4E-0152-4E27-91DA-0FC22D1846BB}"/>
-              </a:ext>
-              <a:ext uri="{C183D7F6-B498-43B3-948B-1728B52AA6E4}">
-                <adec:decorative xmlns:adec="http://schemas.microsoft.com/office/drawing/2017/decorative" val="1"/>
-              </a:ext>
-            </a:extLst>
-          </p:cNvPr>
-          <p:cNvPicPr>
-            <a:picLocks noGrp="1" noRot="1" noChangeAspect="1" noMove="1" noResize="1" noEditPoints="1" noAdjustHandles="1" noChangeArrowheads="1" noChangeShapeType="1" noCrop="1"/>
-          </p:cNvPicPr>
-          <p:nvPr>
-            <p:extLst>
-              <p:ext uri="{386F3935-93C4-4BCD-93E2-E3B085C9AB24}">
-                <p16:designElem xmlns:p16="http://schemas.microsoft.com/office/powerpoint/2015/main" val="1"/>
-              </p:ext>
-            </p:extLst>
-          </p:nvPr>
-        </p:nvPicPr>
-        <p:blipFill rotWithShape="1">
-          <a:blip r:embed="rId6">
-            <a:extLst>
-              <a:ext uri="{28A0092B-C50C-407E-A947-70E740481C1C}">
-                <a14:useLocalDpi xmlns:a14="http://schemas.microsoft.com/office/drawing/2010/main" val="0"/>
-              </a:ext>
-            </a:extLst>
-          </a:blip>
-          <a:srcRect/>
-          <a:stretch/>
-        </p:blipFill>
-        <p:spPr>
-          <a:xfrm>
-            <a:off x="6257026" y="1"/>
-            <a:ext cx="5934973" cy="6858000"/>
-          </a:xfrm>
-          <a:prstGeom prst="rect">
-            <a:avLst/>
-          </a:prstGeom>
-        </p:spPr>
-      </p:pic>
-      <p:sp>
-        <p:nvSpPr>
-          <p:cNvPr id="2" name="Title 1">
-            <a:extLst>
-              <a:ext uri="{FF2B5EF4-FFF2-40B4-BE49-F238E27FC236}">
-                <a16:creationId xmlns:a16="http://schemas.microsoft.com/office/drawing/2014/main" id="{89559F60-4CE1-4E2F-86EA-1B60679F1F4A}"/>
-              </a:ext>
-            </a:extLst>
-          </p:cNvPr>
-          <p:cNvSpPr>
-            <a:spLocks noGrp="1"/>
-          </p:cNvSpPr>
-          <p:nvPr>
-            <p:ph type="title"/>
-          </p:nvPr>
-        </p:nvSpPr>
-        <p:spPr>
-          <a:xfrm>
-            <a:off x="3717026" y="507999"/>
-            <a:ext cx="4538124" cy="970450"/>
-          </a:xfrm>
-        </p:spPr>
-        <p:txBody>
-          <a:bodyPr anchor="b">
-            <a:normAutofit/>
-          </a:bodyPr>
-          <a:lstStyle/>
-          <a:p>
-            <a:pPr algn="l"/>
-            <a:r>
-              <a:rPr lang="en-US" sz="4000" dirty="0"/>
-              <a:t>Age v/s Status	</a:t>
-            </a:r>
-          </a:p>
-        </p:txBody>
-      </p:sp>
-      <p:sp>
-        <p:nvSpPr>
-          <p:cNvPr id="24" name="Content Placeholder 2">
-            <a:extLst>
-              <a:ext uri="{FF2B5EF4-FFF2-40B4-BE49-F238E27FC236}">
-                <a16:creationId xmlns:a16="http://schemas.microsoft.com/office/drawing/2014/main" id="{F260476B-CCA6-412B-A9C5-399C34AE6F05}"/>
-              </a:ext>
-            </a:extLst>
-          </p:cNvPr>
-          <p:cNvSpPr>
-            <a:spLocks noGrp="1"/>
-          </p:cNvSpPr>
-          <p:nvPr>
-            <p:ph idx="1"/>
-          </p:nvPr>
-        </p:nvSpPr>
-        <p:spPr>
-          <a:xfrm>
-            <a:off x="3420533" y="1732449"/>
-            <a:ext cx="8554720" cy="4871551"/>
-          </a:xfrm>
-        </p:spPr>
-        <p:txBody>
-          <a:bodyPr anchor="t">
-            <a:normAutofit/>
-          </a:bodyPr>
-          <a:lstStyle/>
-          <a:p>
-            <a:r>
-              <a:rPr lang="en-US" sz="2400" dirty="0"/>
-              <a:t>p &lt;- </a:t>
-            </a:r>
-            <a:r>
-              <a:rPr lang="en-US" sz="2400" dirty="0" err="1"/>
-              <a:t>ggplot</a:t>
-            </a:r>
-            <a:r>
-              <a:rPr lang="en-US" sz="2400" dirty="0"/>
-              <a:t>(data, </a:t>
-            </a:r>
-            <a:r>
-              <a:rPr lang="en-US" sz="2400" dirty="0" err="1"/>
-              <a:t>aes</a:t>
-            </a:r>
-            <a:r>
-              <a:rPr lang="en-US" sz="2400" dirty="0"/>
-              <a:t>(x=</a:t>
-            </a:r>
-            <a:r>
-              <a:rPr lang="en-US" sz="2400" dirty="0" err="1"/>
-              <a:t>status,y</a:t>
-            </a:r>
-            <a:r>
-              <a:rPr lang="en-US" sz="2400" dirty="0"/>
-              <a:t>=age)) + </a:t>
-            </a:r>
-            <a:r>
-              <a:rPr lang="en-US" sz="2400" dirty="0" err="1"/>
-              <a:t>geom_violin</a:t>
-            </a:r>
-            <a:r>
-              <a:rPr lang="en-US" sz="2400" dirty="0"/>
-              <a:t>()</a:t>
-            </a:r>
-          </a:p>
-          <a:p>
-            <a:endParaRPr lang="en-US" sz="2400" dirty="0"/>
-          </a:p>
-          <a:p>
-            <a:r>
-              <a:rPr lang="en-US" sz="2400" dirty="0"/>
-              <a:t>p + </a:t>
-            </a:r>
-            <a:r>
-              <a:rPr lang="en-US" sz="2400" dirty="0" err="1"/>
-              <a:t>geom_violin</a:t>
-            </a:r>
-            <a:r>
-              <a:rPr lang="en-US" sz="2400" dirty="0"/>
-              <a:t>(trim = FALSE) + </a:t>
-            </a:r>
-            <a:r>
-              <a:rPr lang="en-US" sz="2400" dirty="0" err="1"/>
-              <a:t>geom_violin</a:t>
-            </a:r>
-            <a:r>
-              <a:rPr lang="en-US" sz="2400" dirty="0"/>
-              <a:t>(</a:t>
-            </a:r>
-            <a:r>
-              <a:rPr lang="en-US" sz="2400" dirty="0" err="1"/>
-              <a:t>draw_quantiles</a:t>
-            </a:r>
-            <a:r>
-              <a:rPr lang="en-US" sz="2400" dirty="0"/>
-              <a:t> = c(0.25,0.5,0.75))</a:t>
-            </a:r>
-          </a:p>
-          <a:p>
-            <a:r>
-              <a:rPr lang="en-US" sz="2400" dirty="0"/>
-              <a:t>The violin plots can  be </a:t>
-            </a:r>
-            <a:r>
-              <a:rPr lang="en-US" sz="2400" dirty="0" err="1"/>
-              <a:t>comopared</a:t>
-            </a:r>
-            <a:r>
-              <a:rPr lang="en-US" sz="2400" dirty="0"/>
-              <a:t> with the mean, median and mode value for age v/s status</a:t>
-            </a:r>
-          </a:p>
-          <a:p>
-            <a:endParaRPr lang="en-US" sz="2400" dirty="0"/>
-          </a:p>
-        </p:txBody>
-      </p:sp>
-      <p:pic>
-        <p:nvPicPr>
-          <p:cNvPr id="4" name="Picture 3">
-            <a:extLst>
-              <a:ext uri="{FF2B5EF4-FFF2-40B4-BE49-F238E27FC236}">
-                <a16:creationId xmlns:a16="http://schemas.microsoft.com/office/drawing/2014/main" id="{A5588CE6-469B-4DEE-A1B4-771D01CA063C}"/>
-              </a:ext>
-            </a:extLst>
-          </p:cNvPr>
-          <p:cNvPicPr>
-            <a:picLocks noChangeAspect="1"/>
-          </p:cNvPicPr>
-          <p:nvPr/>
-        </p:nvPicPr>
-        <p:blipFill>
-          <a:blip r:embed="rId7"/>
-          <a:stretch>
-            <a:fillRect/>
-          </a:stretch>
-        </p:blipFill>
-        <p:spPr>
-          <a:xfrm>
-            <a:off x="-2704631" y="81280"/>
-            <a:ext cx="5571822" cy="6858000"/>
-          </a:xfrm>
-          <a:prstGeom prst="rect">
-            <a:avLst/>
-          </a:prstGeom>
-        </p:spPr>
-      </p:pic>
-    </p:spTree>
-    <p:extLst>
-      <p:ext uri="{BB962C8B-B14F-4D97-AF65-F5344CB8AC3E}">
-        <p14:creationId xmlns:p14="http://schemas.microsoft.com/office/powerpoint/2010/main" val="2419944766"/>
       </p:ext>
     </p:extLst>
   </p:cSld>
@@ -14986,307 +10265,6 @@
 </a:themeOverride>
 </file>
 
-<file path=ppt/theme/themeOverride10.xml><?xml version="1.0" encoding="utf-8"?>
-<a:themeOverride xmlns:a="http://schemas.openxmlformats.org/drawingml/2006/main">
-  <a:clrScheme name="Green">
-    <a:dk1>
-      <a:sysClr val="windowText" lastClr="000000"/>
-    </a:dk1>
-    <a:lt1>
-      <a:sysClr val="window" lastClr="FFFFFF"/>
-    </a:lt1>
-    <a:dk2>
-      <a:srgbClr val="455F51"/>
-    </a:dk2>
-    <a:lt2>
-      <a:srgbClr val="E3DED1"/>
-    </a:lt2>
-    <a:accent1>
-      <a:srgbClr val="549E39"/>
-    </a:accent1>
-    <a:accent2>
-      <a:srgbClr val="8AB833"/>
-    </a:accent2>
-    <a:accent3>
-      <a:srgbClr val="C0CF3A"/>
-    </a:accent3>
-    <a:accent4>
-      <a:srgbClr val="029676"/>
-    </a:accent4>
-    <a:accent5>
-      <a:srgbClr val="4AB5C4"/>
-    </a:accent5>
-    <a:accent6>
-      <a:srgbClr val="0989B1"/>
-    </a:accent6>
-    <a:hlink>
-      <a:srgbClr val="6B9F25"/>
-    </a:hlink>
-    <a:folHlink>
-      <a:srgbClr val="BA6906"/>
-    </a:folHlink>
-  </a:clrScheme>
-</a:themeOverride>
-</file>
-
-<file path=ppt/theme/themeOverride11.xml><?xml version="1.0" encoding="utf-8"?>
-<a:themeOverride xmlns:a="http://schemas.openxmlformats.org/drawingml/2006/main">
-  <a:clrScheme name="Green">
-    <a:dk1>
-      <a:sysClr val="windowText" lastClr="000000"/>
-    </a:dk1>
-    <a:lt1>
-      <a:sysClr val="window" lastClr="FFFFFF"/>
-    </a:lt1>
-    <a:dk2>
-      <a:srgbClr val="455F51"/>
-    </a:dk2>
-    <a:lt2>
-      <a:srgbClr val="E3DED1"/>
-    </a:lt2>
-    <a:accent1>
-      <a:srgbClr val="549E39"/>
-    </a:accent1>
-    <a:accent2>
-      <a:srgbClr val="8AB833"/>
-    </a:accent2>
-    <a:accent3>
-      <a:srgbClr val="C0CF3A"/>
-    </a:accent3>
-    <a:accent4>
-      <a:srgbClr val="029676"/>
-    </a:accent4>
-    <a:accent5>
-      <a:srgbClr val="4AB5C4"/>
-    </a:accent5>
-    <a:accent6>
-      <a:srgbClr val="0989B1"/>
-    </a:accent6>
-    <a:hlink>
-      <a:srgbClr val="6B9F25"/>
-    </a:hlink>
-    <a:folHlink>
-      <a:srgbClr val="BA6906"/>
-    </a:folHlink>
-  </a:clrScheme>
-</a:themeOverride>
-</file>
-
-<file path=ppt/theme/themeOverride12.xml><?xml version="1.0" encoding="utf-8"?>
-<a:themeOverride xmlns:a="http://schemas.openxmlformats.org/drawingml/2006/main">
-  <a:clrScheme name="Green">
-    <a:dk1>
-      <a:sysClr val="windowText" lastClr="000000"/>
-    </a:dk1>
-    <a:lt1>
-      <a:sysClr val="window" lastClr="FFFFFF"/>
-    </a:lt1>
-    <a:dk2>
-      <a:srgbClr val="455F51"/>
-    </a:dk2>
-    <a:lt2>
-      <a:srgbClr val="E3DED1"/>
-    </a:lt2>
-    <a:accent1>
-      <a:srgbClr val="549E39"/>
-    </a:accent1>
-    <a:accent2>
-      <a:srgbClr val="8AB833"/>
-    </a:accent2>
-    <a:accent3>
-      <a:srgbClr val="C0CF3A"/>
-    </a:accent3>
-    <a:accent4>
-      <a:srgbClr val="029676"/>
-    </a:accent4>
-    <a:accent5>
-      <a:srgbClr val="4AB5C4"/>
-    </a:accent5>
-    <a:accent6>
-      <a:srgbClr val="0989B1"/>
-    </a:accent6>
-    <a:hlink>
-      <a:srgbClr val="6B9F25"/>
-    </a:hlink>
-    <a:folHlink>
-      <a:srgbClr val="BA6906"/>
-    </a:folHlink>
-  </a:clrScheme>
-</a:themeOverride>
-</file>
-
-<file path=ppt/theme/themeOverride13.xml><?xml version="1.0" encoding="utf-8"?>
-<a:themeOverride xmlns:a="http://schemas.openxmlformats.org/drawingml/2006/main">
-  <a:clrScheme name="Green">
-    <a:dk1>
-      <a:sysClr val="windowText" lastClr="000000"/>
-    </a:dk1>
-    <a:lt1>
-      <a:sysClr val="window" lastClr="FFFFFF"/>
-    </a:lt1>
-    <a:dk2>
-      <a:srgbClr val="455F51"/>
-    </a:dk2>
-    <a:lt2>
-      <a:srgbClr val="E3DED1"/>
-    </a:lt2>
-    <a:accent1>
-      <a:srgbClr val="549E39"/>
-    </a:accent1>
-    <a:accent2>
-      <a:srgbClr val="8AB833"/>
-    </a:accent2>
-    <a:accent3>
-      <a:srgbClr val="C0CF3A"/>
-    </a:accent3>
-    <a:accent4>
-      <a:srgbClr val="029676"/>
-    </a:accent4>
-    <a:accent5>
-      <a:srgbClr val="4AB5C4"/>
-    </a:accent5>
-    <a:accent6>
-      <a:srgbClr val="0989B1"/>
-    </a:accent6>
-    <a:hlink>
-      <a:srgbClr val="6B9F25"/>
-    </a:hlink>
-    <a:folHlink>
-      <a:srgbClr val="BA6906"/>
-    </a:folHlink>
-  </a:clrScheme>
-</a:themeOverride>
-</file>
-
-<file path=ppt/theme/themeOverride14.xml><?xml version="1.0" encoding="utf-8"?>
-<a:themeOverride xmlns:a="http://schemas.openxmlformats.org/drawingml/2006/main">
-  <a:clrScheme name="Green">
-    <a:dk1>
-      <a:sysClr val="windowText" lastClr="000000"/>
-    </a:dk1>
-    <a:lt1>
-      <a:sysClr val="window" lastClr="FFFFFF"/>
-    </a:lt1>
-    <a:dk2>
-      <a:srgbClr val="455F51"/>
-    </a:dk2>
-    <a:lt2>
-      <a:srgbClr val="E3DED1"/>
-    </a:lt2>
-    <a:accent1>
-      <a:srgbClr val="549E39"/>
-    </a:accent1>
-    <a:accent2>
-      <a:srgbClr val="8AB833"/>
-    </a:accent2>
-    <a:accent3>
-      <a:srgbClr val="C0CF3A"/>
-    </a:accent3>
-    <a:accent4>
-      <a:srgbClr val="029676"/>
-    </a:accent4>
-    <a:accent5>
-      <a:srgbClr val="4AB5C4"/>
-    </a:accent5>
-    <a:accent6>
-      <a:srgbClr val="0989B1"/>
-    </a:accent6>
-    <a:hlink>
-      <a:srgbClr val="6B9F25"/>
-    </a:hlink>
-    <a:folHlink>
-      <a:srgbClr val="BA6906"/>
-    </a:folHlink>
-  </a:clrScheme>
-</a:themeOverride>
-</file>
-
-<file path=ppt/theme/themeOverride15.xml><?xml version="1.0" encoding="utf-8"?>
-<a:themeOverride xmlns:a="http://schemas.openxmlformats.org/drawingml/2006/main">
-  <a:clrScheme name="Green">
-    <a:dk1>
-      <a:sysClr val="windowText" lastClr="000000"/>
-    </a:dk1>
-    <a:lt1>
-      <a:sysClr val="window" lastClr="FFFFFF"/>
-    </a:lt1>
-    <a:dk2>
-      <a:srgbClr val="455F51"/>
-    </a:dk2>
-    <a:lt2>
-      <a:srgbClr val="E3DED1"/>
-    </a:lt2>
-    <a:accent1>
-      <a:srgbClr val="549E39"/>
-    </a:accent1>
-    <a:accent2>
-      <a:srgbClr val="8AB833"/>
-    </a:accent2>
-    <a:accent3>
-      <a:srgbClr val="C0CF3A"/>
-    </a:accent3>
-    <a:accent4>
-      <a:srgbClr val="029676"/>
-    </a:accent4>
-    <a:accent5>
-      <a:srgbClr val="4AB5C4"/>
-    </a:accent5>
-    <a:accent6>
-      <a:srgbClr val="0989B1"/>
-    </a:accent6>
-    <a:hlink>
-      <a:srgbClr val="6B9F25"/>
-    </a:hlink>
-    <a:folHlink>
-      <a:srgbClr val="BA6906"/>
-    </a:folHlink>
-  </a:clrScheme>
-</a:themeOverride>
-</file>
-
-<file path=ppt/theme/themeOverride16.xml><?xml version="1.0" encoding="utf-8"?>
-<a:themeOverride xmlns:a="http://schemas.openxmlformats.org/drawingml/2006/main">
-  <a:clrScheme name="Green">
-    <a:dk1>
-      <a:sysClr val="windowText" lastClr="000000"/>
-    </a:dk1>
-    <a:lt1>
-      <a:sysClr val="window" lastClr="FFFFFF"/>
-    </a:lt1>
-    <a:dk2>
-      <a:srgbClr val="455F51"/>
-    </a:dk2>
-    <a:lt2>
-      <a:srgbClr val="E3DED1"/>
-    </a:lt2>
-    <a:accent1>
-      <a:srgbClr val="549E39"/>
-    </a:accent1>
-    <a:accent2>
-      <a:srgbClr val="8AB833"/>
-    </a:accent2>
-    <a:accent3>
-      <a:srgbClr val="C0CF3A"/>
-    </a:accent3>
-    <a:accent4>
-      <a:srgbClr val="029676"/>
-    </a:accent4>
-    <a:accent5>
-      <a:srgbClr val="4AB5C4"/>
-    </a:accent5>
-    <a:accent6>
-      <a:srgbClr val="0989B1"/>
-    </a:accent6>
-    <a:hlink>
-      <a:srgbClr val="6B9F25"/>
-    </a:hlink>
-    <a:folHlink>
-      <a:srgbClr val="BA6906"/>
-    </a:folHlink>
-  </a:clrScheme>
-</a:themeOverride>
-</file>
-
 <file path=ppt/theme/themeOverride2.xml><?xml version="1.0" encoding="utf-8"?>
 <a:themeOverride xmlns:a="http://schemas.openxmlformats.org/drawingml/2006/main">
   <a:clrScheme name="Green">
@@ -15503,92 +10481,6 @@
 </file>
 
 <file path=ppt/theme/themeOverride7.xml><?xml version="1.0" encoding="utf-8"?>
-<a:themeOverride xmlns:a="http://schemas.openxmlformats.org/drawingml/2006/main">
-  <a:clrScheme name="Green">
-    <a:dk1>
-      <a:sysClr val="windowText" lastClr="000000"/>
-    </a:dk1>
-    <a:lt1>
-      <a:sysClr val="window" lastClr="FFFFFF"/>
-    </a:lt1>
-    <a:dk2>
-      <a:srgbClr val="455F51"/>
-    </a:dk2>
-    <a:lt2>
-      <a:srgbClr val="E3DED1"/>
-    </a:lt2>
-    <a:accent1>
-      <a:srgbClr val="549E39"/>
-    </a:accent1>
-    <a:accent2>
-      <a:srgbClr val="8AB833"/>
-    </a:accent2>
-    <a:accent3>
-      <a:srgbClr val="C0CF3A"/>
-    </a:accent3>
-    <a:accent4>
-      <a:srgbClr val="029676"/>
-    </a:accent4>
-    <a:accent5>
-      <a:srgbClr val="4AB5C4"/>
-    </a:accent5>
-    <a:accent6>
-      <a:srgbClr val="0989B1"/>
-    </a:accent6>
-    <a:hlink>
-      <a:srgbClr val="6B9F25"/>
-    </a:hlink>
-    <a:folHlink>
-      <a:srgbClr val="BA6906"/>
-    </a:folHlink>
-  </a:clrScheme>
-</a:themeOverride>
-</file>
-
-<file path=ppt/theme/themeOverride8.xml><?xml version="1.0" encoding="utf-8"?>
-<a:themeOverride xmlns:a="http://schemas.openxmlformats.org/drawingml/2006/main">
-  <a:clrScheme name="Green">
-    <a:dk1>
-      <a:sysClr val="windowText" lastClr="000000"/>
-    </a:dk1>
-    <a:lt1>
-      <a:sysClr val="window" lastClr="FFFFFF"/>
-    </a:lt1>
-    <a:dk2>
-      <a:srgbClr val="455F51"/>
-    </a:dk2>
-    <a:lt2>
-      <a:srgbClr val="E3DED1"/>
-    </a:lt2>
-    <a:accent1>
-      <a:srgbClr val="549E39"/>
-    </a:accent1>
-    <a:accent2>
-      <a:srgbClr val="8AB833"/>
-    </a:accent2>
-    <a:accent3>
-      <a:srgbClr val="C0CF3A"/>
-    </a:accent3>
-    <a:accent4>
-      <a:srgbClr val="029676"/>
-    </a:accent4>
-    <a:accent5>
-      <a:srgbClr val="4AB5C4"/>
-    </a:accent5>
-    <a:accent6>
-      <a:srgbClr val="0989B1"/>
-    </a:accent6>
-    <a:hlink>
-      <a:srgbClr val="6B9F25"/>
-    </a:hlink>
-    <a:folHlink>
-      <a:srgbClr val="BA6906"/>
-    </a:folHlink>
-  </a:clrScheme>
-</a:themeOverride>
-</file>
-
-<file path=ppt/theme/themeOverride9.xml><?xml version="1.0" encoding="utf-8"?>
 <a:themeOverride xmlns:a="http://schemas.openxmlformats.org/drawingml/2006/main">
   <a:clrScheme name="Green">
     <a:dk1>
